--- a/CoppeliaSim - Part 4 - Image Processing and OpenCV.pptx
+++ b/CoppeliaSim - Part 4 - Image Processing and OpenCV.pptx
@@ -5,7 +5,7 @@
     <p:sldMasterId id="2147483708" r:id="rId1"/>
   </p:sldMasterIdLst>
   <p:notesMasterIdLst>
-    <p:notesMasterId r:id="rId9"/>
+    <p:notesMasterId r:id="rId10"/>
   </p:notesMasterIdLst>
   <p:sldIdLst>
     <p:sldId id="256" r:id="rId2"/>
@@ -14,7 +14,8 @@
     <p:sldId id="282" r:id="rId5"/>
     <p:sldId id="284" r:id="rId6"/>
     <p:sldId id="283" r:id="rId7"/>
-    <p:sldId id="276" r:id="rId8"/>
+    <p:sldId id="285" r:id="rId8"/>
+    <p:sldId id="276" r:id="rId9"/>
   </p:sldIdLst>
   <p:sldSz cx="12192000" cy="6858000"/>
   <p:notesSz cx="6858000" cy="9144000"/>
@@ -203,7 +204,7 @@
           <a:p>
             <a:fld id="{4A62082B-1C29-4804-99DD-246674A55DF9}" type="datetimeFigureOut">
               <a:rPr lang="en-US" smtClean="0"/>
-              <a:t>1/31/2023</a:t>
+              <a:t>2/2/2023</a:t>
             </a:fld>
             <a:endParaRPr lang="en-US"/>
           </a:p>
@@ -712,6 +713,90 @@
     </p:spTree>
     <p:extLst>
       <p:ext uri="{BB962C8B-B14F-4D97-AF65-F5344CB8AC3E}">
+        <p14:creationId xmlns:p14="http://schemas.microsoft.com/office/powerpoint/2010/main" val="4081501883"/>
+      </p:ext>
+    </p:extLst>
+  </p:cSld>
+  <p:clrMapOvr>
+    <a:masterClrMapping/>
+  </p:clrMapOvr>
+</p:notes>
+</file>
+
+<file path=ppt/notesSlides/notesSlide4.xml><?xml version="1.0" encoding="utf-8"?>
+<p:notes xmlns:a="http://schemas.openxmlformats.org/drawingml/2006/main" xmlns:r="http://schemas.openxmlformats.org/officeDocument/2006/relationships" xmlns:p="http://schemas.openxmlformats.org/presentationml/2006/main">
+  <p:cSld>
+    <p:spTree>
+      <p:nvGrpSpPr>
+        <p:cNvPr id="1" name=""/>
+        <p:cNvGrpSpPr/>
+        <p:nvPr/>
+      </p:nvGrpSpPr>
+      <p:grpSpPr>
+        <a:xfrm>
+          <a:off x="0" y="0"/>
+          <a:ext cx="0" cy="0"/>
+          <a:chOff x="0" y="0"/>
+          <a:chExt cx="0" cy="0"/>
+        </a:xfrm>
+      </p:grpSpPr>
+      <p:sp>
+        <p:nvSpPr>
+          <p:cNvPr id="2" name="Slide Image Placeholder 1"/>
+          <p:cNvSpPr>
+            <a:spLocks noGrp="1" noRot="1" noChangeAspect="1"/>
+          </p:cNvSpPr>
+          <p:nvPr>
+            <p:ph type="sldImg"/>
+          </p:nvPr>
+        </p:nvSpPr>
+        <p:spPr/>
+      </p:sp>
+      <p:sp>
+        <p:nvSpPr>
+          <p:cNvPr id="3" name="Notes Placeholder 2"/>
+          <p:cNvSpPr>
+            <a:spLocks noGrp="1"/>
+          </p:cNvSpPr>
+          <p:nvPr>
+            <p:ph type="body" idx="1"/>
+          </p:nvPr>
+        </p:nvSpPr>
+        <p:spPr/>
+        <p:txBody>
+          <a:bodyPr/>
+          <a:lstStyle/>
+          <a:p>
+            <a:endParaRPr lang="en-US" dirty="0"/>
+          </a:p>
+        </p:txBody>
+      </p:sp>
+      <p:sp>
+        <p:nvSpPr>
+          <p:cNvPr id="4" name="Slide Number Placeholder 3"/>
+          <p:cNvSpPr>
+            <a:spLocks noGrp="1"/>
+          </p:cNvSpPr>
+          <p:nvPr>
+            <p:ph type="sldNum" sz="quarter" idx="5"/>
+          </p:nvPr>
+        </p:nvSpPr>
+        <p:spPr/>
+        <p:txBody>
+          <a:bodyPr/>
+          <a:lstStyle/>
+          <a:p>
+            <a:fld id="{1773E84B-E594-4DC7-9C67-2F5A45A50CE3}" type="slidenum">
+              <a:rPr lang="en-US" smtClean="0"/>
+              <a:t>8</a:t>
+            </a:fld>
+            <a:endParaRPr lang="en-US"/>
+          </a:p>
+        </p:txBody>
+      </p:sp>
+    </p:spTree>
+    <p:extLst>
+      <p:ext uri="{BB962C8B-B14F-4D97-AF65-F5344CB8AC3E}">
         <p14:creationId xmlns:p14="http://schemas.microsoft.com/office/powerpoint/2010/main" val="2698582567"/>
       </p:ext>
     </p:extLst>
@@ -1125,7 +1210,7 @@
           <a:p>
             <a:fld id="{E7E98992-F9BC-4325-BDEC-D59B877EF259}" type="datetimeFigureOut">
               <a:rPr lang="en-US" smtClean="0"/>
-              <a:t>1/31/2023</a:t>
+              <a:t>2/2/2023</a:t>
             </a:fld>
             <a:endParaRPr lang="en-US"/>
           </a:p>
@@ -1304,7 +1389,7 @@
           <a:p>
             <a:fld id="{E7E98992-F9BC-4325-BDEC-D59B877EF259}" type="datetimeFigureOut">
               <a:rPr lang="en-US" smtClean="0"/>
-              <a:t>1/31/2023</a:t>
+              <a:t>2/2/2023</a:t>
             </a:fld>
             <a:endParaRPr lang="en-US"/>
           </a:p>
@@ -1484,7 +1569,7 @@
           <a:p>
             <a:fld id="{E7E98992-F9BC-4325-BDEC-D59B877EF259}" type="datetimeFigureOut">
               <a:rPr lang="en-US" smtClean="0"/>
-              <a:t>1/31/2023</a:t>
+              <a:t>2/2/2023</a:t>
             </a:fld>
             <a:endParaRPr lang="en-US"/>
           </a:p>
@@ -1654,7 +1739,7 @@
           <a:p>
             <a:fld id="{E7E98992-F9BC-4325-BDEC-D59B877EF259}" type="datetimeFigureOut">
               <a:rPr lang="en-US" smtClean="0"/>
-              <a:t>1/31/2023</a:t>
+              <a:t>2/2/2023</a:t>
             </a:fld>
             <a:endParaRPr lang="en-US"/>
           </a:p>
@@ -1967,7 +2052,7 @@
           <a:p>
             <a:fld id="{E7E98992-F9BC-4325-BDEC-D59B877EF259}" type="datetimeFigureOut">
               <a:rPr lang="en-US" smtClean="0"/>
-              <a:t>1/31/2023</a:t>
+              <a:t>2/2/2023</a:t>
             </a:fld>
             <a:endParaRPr lang="en-US"/>
           </a:p>
@@ -2353,7 +2438,7 @@
           <a:p>
             <a:fld id="{E7E98992-F9BC-4325-BDEC-D59B877EF259}" type="datetimeFigureOut">
               <a:rPr lang="en-US" smtClean="0"/>
-              <a:t>1/31/2023</a:t>
+              <a:t>2/2/2023</a:t>
             </a:fld>
             <a:endParaRPr lang="en-US"/>
           </a:p>
@@ -2787,7 +2872,7 @@
           <a:p>
             <a:fld id="{E7E98992-F9BC-4325-BDEC-D59B877EF259}" type="datetimeFigureOut">
               <a:rPr lang="en-US" smtClean="0"/>
-              <a:t>1/31/2023</a:t>
+              <a:t>2/2/2023</a:t>
             </a:fld>
             <a:endParaRPr lang="en-US"/>
           </a:p>
@@ -2905,7 +2990,7 @@
           <a:p>
             <a:fld id="{E7E98992-F9BC-4325-BDEC-D59B877EF259}" type="datetimeFigureOut">
               <a:rPr lang="en-US" smtClean="0"/>
-              <a:t>1/31/2023</a:t>
+              <a:t>2/2/2023</a:t>
             </a:fld>
             <a:endParaRPr lang="en-US"/>
           </a:p>
@@ -3000,7 +3085,7 @@
           <a:p>
             <a:fld id="{E7E98992-F9BC-4325-BDEC-D59B877EF259}" type="datetimeFigureOut">
               <a:rPr lang="en-US" smtClean="0"/>
-              <a:t>1/31/2023</a:t>
+              <a:t>2/2/2023</a:t>
             </a:fld>
             <a:endParaRPr lang="en-US"/>
           </a:p>
@@ -3350,7 +3435,7 @@
           <a:p>
             <a:fld id="{E7E98992-F9BC-4325-BDEC-D59B877EF259}" type="datetimeFigureOut">
               <a:rPr lang="en-US" smtClean="0"/>
-              <a:t>1/31/2023</a:t>
+              <a:t>2/2/2023</a:t>
             </a:fld>
             <a:endParaRPr lang="en-US"/>
           </a:p>
@@ -3775,7 +3860,7 @@
           <a:p>
             <a:fld id="{E7E98992-F9BC-4325-BDEC-D59B877EF259}" type="datetimeFigureOut">
               <a:rPr lang="en-US" smtClean="0"/>
-              <a:t>1/31/2023</a:t>
+              <a:t>2/2/2023</a:t>
             </a:fld>
             <a:endParaRPr lang="en-US"/>
           </a:p>
@@ -4056,7 +4141,7 @@
           <a:p>
             <a:fld id="{E7E98992-F9BC-4325-BDEC-D59B877EF259}" type="datetimeFigureOut">
               <a:rPr lang="en-US" smtClean="0"/>
-              <a:t>1/31/2023</a:t>
+              <a:t>2/2/2023</a:t>
             </a:fld>
             <a:endParaRPr lang="en-US"/>
           </a:p>
@@ -5087,7 +5172,7 @@
           <p:cNvPr id="2" name="Title 1">
             <a:extLst>
               <a:ext uri="{FF2B5EF4-FFF2-40B4-BE49-F238E27FC236}">
-                <a16:creationId xmlns:a16="http://schemas.microsoft.com/office/drawing/2014/main" id="{7F5DF0F3-1719-2780-C62C-9B940F424FBC}"/>
+                <a16:creationId xmlns:a16="http://schemas.microsoft.com/office/drawing/2014/main" xmlns="" id="{7F5DF0F3-1719-2780-C62C-9B940F424FBC}"/>
               </a:ext>
             </a:extLst>
           </p:cNvPr>
@@ -5349,7 +5434,7 @@
           <p:cNvPr id="2" name="Title 1">
             <a:extLst>
               <a:ext uri="{FF2B5EF4-FFF2-40B4-BE49-F238E27FC236}">
-                <a16:creationId xmlns:a16="http://schemas.microsoft.com/office/drawing/2014/main" id="{C4F8ED5E-2977-71E8-7B26-FDED14A70FDB}"/>
+                <a16:creationId xmlns:a16="http://schemas.microsoft.com/office/drawing/2014/main" xmlns="" id="{C4F8ED5E-2977-71E8-7B26-FDED14A70FDB}"/>
               </a:ext>
             </a:extLst>
           </p:cNvPr>
@@ -5378,7 +5463,7 @@
           <p:cNvPr id="5" name="Picture 4">
             <a:extLst>
               <a:ext uri="{FF2B5EF4-FFF2-40B4-BE49-F238E27FC236}">
-                <a16:creationId xmlns:a16="http://schemas.microsoft.com/office/drawing/2014/main" id="{3E6DC17E-7542-0B56-EDA9-60A4AEF70315}"/>
+                <a16:creationId xmlns:a16="http://schemas.microsoft.com/office/drawing/2014/main" xmlns="" id="{3E6DC17E-7542-0B56-EDA9-60A4AEF70315}"/>
               </a:ext>
             </a:extLst>
           </p:cNvPr>
@@ -5438,7 +5523,7 @@
           <p:cNvPr id="2" name="Title 1">
             <a:extLst>
               <a:ext uri="{FF2B5EF4-FFF2-40B4-BE49-F238E27FC236}">
-                <a16:creationId xmlns:a16="http://schemas.microsoft.com/office/drawing/2014/main" id="{7F5DF0F3-1719-2780-C62C-9B940F424FBC}"/>
+                <a16:creationId xmlns:a16="http://schemas.microsoft.com/office/drawing/2014/main" xmlns="" id="{7F5DF0F3-1719-2780-C62C-9B940F424FBC}"/>
               </a:ext>
             </a:extLst>
           </p:cNvPr>
@@ -5466,7 +5551,7 @@
           <p:cNvPr id="6" name="Content Placeholder 5">
             <a:extLst>
               <a:ext uri="{FF2B5EF4-FFF2-40B4-BE49-F238E27FC236}">
-                <a16:creationId xmlns:a16="http://schemas.microsoft.com/office/drawing/2014/main" id="{3C6A54C3-7B6C-30BC-6223-598BD2B6FAA4}"/>
+                <a16:creationId xmlns:a16="http://schemas.microsoft.com/office/drawing/2014/main" xmlns="" id="{3C6A54C3-7B6C-30BC-6223-598BD2B6FAA4}"/>
               </a:ext>
             </a:extLst>
           </p:cNvPr>
@@ -5482,7 +5567,168 @@
           <a:bodyPr/>
           <a:lstStyle/>
           <a:p>
-            <a:endParaRPr lang="en-US"/>
+            <a:r>
+              <a:rPr lang="en-US" dirty="0" smtClean="0"/>
+              <a:t>During initialization, </a:t>
+            </a:r>
+            <a:r>
+              <a:rPr lang="en-US" dirty="0" err="1" smtClean="0"/>
+              <a:t>simxGetVisionSensorImage</a:t>
+            </a:r>
+            <a:r>
+              <a:rPr lang="en-US" dirty="0" smtClean="0"/>
+              <a:t>() has to be called with “streaming” option once:</a:t>
+            </a:r>
+            <a:endParaRPr lang="en-US" dirty="0"/>
+          </a:p>
+          <a:p>
+            <a:pPr marL="0" indent="0">
+              <a:buNone/>
+            </a:pPr>
+            <a:r>
+              <a:rPr lang="en-US" dirty="0"/>
+              <a:t> </a:t>
+            </a:r>
+            <a:r>
+              <a:rPr lang="en-US" dirty="0">
+                <a:solidFill>
+                  <a:srgbClr val="00B050"/>
+                </a:solidFill>
+              </a:rPr>
+              <a:t>err, res, image = </a:t>
+            </a:r>
+            <a:r>
+              <a:rPr lang="en-US" dirty="0" err="1">
+                <a:solidFill>
+                  <a:srgbClr val="00B050"/>
+                </a:solidFill>
+              </a:rPr>
+              <a:t>sim.simxGetVisionSensorImage</a:t>
+            </a:r>
+            <a:r>
+              <a:rPr lang="en-US" dirty="0">
+                <a:solidFill>
+                  <a:srgbClr val="00B050"/>
+                </a:solidFill>
+              </a:rPr>
+              <a:t>(</a:t>
+            </a:r>
+            <a:r>
+              <a:rPr lang="en-US" dirty="0" err="1">
+                <a:solidFill>
+                  <a:srgbClr val="00B050"/>
+                </a:solidFill>
+              </a:rPr>
+              <a:t>clientID</a:t>
+            </a:r>
+            <a:r>
+              <a:rPr lang="en-US" dirty="0">
+                <a:solidFill>
+                  <a:srgbClr val="00B050"/>
+                </a:solidFill>
+              </a:rPr>
+              <a:t>,  </a:t>
+            </a:r>
+            <a:r>
+              <a:rPr lang="en-US" dirty="0" err="1">
+                <a:solidFill>
+                  <a:srgbClr val="00B050"/>
+                </a:solidFill>
+              </a:rPr>
+              <a:t>camHandle</a:t>
+            </a:r>
+            <a:r>
+              <a:rPr lang="en-US" dirty="0">
+                <a:solidFill>
+                  <a:srgbClr val="00B050"/>
+                </a:solidFill>
+              </a:rPr>
+              <a:t>, 0, </a:t>
+            </a:r>
+            <a:r>
+              <a:rPr lang="en-US" dirty="0" err="1">
+                <a:solidFill>
+                  <a:srgbClr val="00B050"/>
+                </a:solidFill>
+              </a:rPr>
+              <a:t>sim.simx_opmode_streaming</a:t>
+            </a:r>
+            <a:r>
+              <a:rPr lang="en-US" dirty="0">
+                <a:solidFill>
+                  <a:srgbClr val="00B050"/>
+                </a:solidFill>
+              </a:rPr>
+              <a:t>)</a:t>
+            </a:r>
+          </a:p>
+        </p:txBody>
+      </p:sp>
+      <p:cxnSp>
+        <p:nvCxnSpPr>
+          <p:cNvPr id="4" name="Straight Arrow Connector 3"/>
+          <p:cNvCxnSpPr/>
+          <p:nvPr/>
+        </p:nvCxnSpPr>
+        <p:spPr>
+          <a:xfrm>
+            <a:off x="9579429" y="3236685"/>
+            <a:ext cx="290285" cy="449943"/>
+          </a:xfrm>
+          <a:prstGeom prst="straightConnector1">
+            <a:avLst/>
+          </a:prstGeom>
+          <a:ln w="57150">
+            <a:tailEnd type="triangle"/>
+          </a:ln>
+        </p:spPr>
+        <p:style>
+          <a:lnRef idx="1">
+            <a:schemeClr val="accent1"/>
+          </a:lnRef>
+          <a:fillRef idx="0">
+            <a:schemeClr val="accent1"/>
+          </a:fillRef>
+          <a:effectRef idx="0">
+            <a:schemeClr val="accent1"/>
+          </a:effectRef>
+          <a:fontRef idx="minor">
+            <a:schemeClr val="tx1"/>
+          </a:fontRef>
+        </p:style>
+      </p:cxnSp>
+      <p:sp>
+        <p:nvSpPr>
+          <p:cNvPr id="5" name="Rectangle 4"/>
+          <p:cNvSpPr/>
+          <p:nvPr/>
+        </p:nvSpPr>
+        <p:spPr>
+          <a:xfrm>
+            <a:off x="9154305" y="3823638"/>
+            <a:ext cx="2268438" cy="646331"/>
+          </a:xfrm>
+          <a:prstGeom prst="rect">
+            <a:avLst/>
+          </a:prstGeom>
+        </p:spPr>
+        <p:txBody>
+          <a:bodyPr wrap="square">
+            <a:spAutoFit/>
+          </a:bodyPr>
+          <a:lstStyle/>
+          <a:p>
+            <a:r>
+              <a:rPr lang="en-US" dirty="0"/>
+              <a:t>0 for color image</a:t>
+            </a:r>
+          </a:p>
+          <a:p>
+            <a:r>
+              <a:rPr lang="en-US" dirty="0"/>
+              <a:t>1 for grayscale</a:t>
+            </a:r>
+            <a:endParaRPr lang="en-US" dirty="0"/>
           </a:p>
         </p:txBody>
       </p:sp>
@@ -5521,7 +5767,7 @@
           <p:cNvPr id="2" name="Title 1">
             <a:extLst>
               <a:ext uri="{FF2B5EF4-FFF2-40B4-BE49-F238E27FC236}">
-                <a16:creationId xmlns:a16="http://schemas.microsoft.com/office/drawing/2014/main" id="{7F5DF0F3-1719-2780-C62C-9B940F424FBC}"/>
+                <a16:creationId xmlns:a16="http://schemas.microsoft.com/office/drawing/2014/main" xmlns="" id="{7F5DF0F3-1719-2780-C62C-9B940F424FBC}"/>
               </a:ext>
             </a:extLst>
           </p:cNvPr>
@@ -5539,6 +5785,476 @@
           <a:p>
             <a:r>
               <a:rPr lang="en-US" dirty="0"/>
+              <a:t>Getting Images from Robot</a:t>
+            </a:r>
+          </a:p>
+        </p:txBody>
+      </p:sp>
+      <p:sp>
+        <p:nvSpPr>
+          <p:cNvPr id="6" name="Content Placeholder 5">
+            <a:extLst>
+              <a:ext uri="{FF2B5EF4-FFF2-40B4-BE49-F238E27FC236}">
+                <a16:creationId xmlns:a16="http://schemas.microsoft.com/office/drawing/2014/main" xmlns="" id="{3C6A54C3-7B6C-30BC-6223-598BD2B6FAA4}"/>
+              </a:ext>
+            </a:extLst>
+          </p:cNvPr>
+          <p:cNvSpPr>
+            <a:spLocks noGrp="1"/>
+          </p:cNvSpPr>
+          <p:nvPr>
+            <p:ph idx="1"/>
+          </p:nvPr>
+        </p:nvSpPr>
+        <p:spPr/>
+        <p:txBody>
+          <a:bodyPr/>
+          <a:lstStyle/>
+          <a:p>
+            <a:r>
+              <a:rPr lang="en-US" dirty="0" smtClean="0"/>
+              <a:t>During loop, </a:t>
+            </a:r>
+            <a:r>
+              <a:rPr lang="en-US" dirty="0" err="1" smtClean="0"/>
+              <a:t>simxGetVisionSensorImage</a:t>
+            </a:r>
+            <a:r>
+              <a:rPr lang="en-US" dirty="0" smtClean="0"/>
+              <a:t>() has to be called with “buffer” option:</a:t>
+            </a:r>
+            <a:endParaRPr lang="en-US" dirty="0"/>
+          </a:p>
+          <a:p>
+            <a:pPr marL="0" indent="0">
+              <a:buNone/>
+            </a:pPr>
+            <a:r>
+              <a:rPr lang="en-US" dirty="0">
+                <a:solidFill>
+                  <a:srgbClr val="00B050"/>
+                </a:solidFill>
+              </a:rPr>
+              <a:t> err, res, </a:t>
+            </a:r>
+            <a:r>
+              <a:rPr lang="en-US" dirty="0" err="1">
+                <a:solidFill>
+                  <a:srgbClr val="00B050"/>
+                </a:solidFill>
+              </a:rPr>
+              <a:t>image_raw</a:t>
+            </a:r>
+            <a:r>
+              <a:rPr lang="en-US" dirty="0">
+                <a:solidFill>
+                  <a:srgbClr val="00B050"/>
+                </a:solidFill>
+              </a:rPr>
+              <a:t> = </a:t>
+            </a:r>
+            <a:r>
+              <a:rPr lang="en-US" dirty="0" err="1">
+                <a:solidFill>
+                  <a:srgbClr val="00B050"/>
+                </a:solidFill>
+              </a:rPr>
+              <a:t>sim.simxGetVisionSensorImage</a:t>
+            </a:r>
+            <a:r>
+              <a:rPr lang="en-US" dirty="0">
+                <a:solidFill>
+                  <a:srgbClr val="00B050"/>
+                </a:solidFill>
+              </a:rPr>
+              <a:t>(</a:t>
+            </a:r>
+            <a:r>
+              <a:rPr lang="en-US" dirty="0" err="1">
+                <a:solidFill>
+                  <a:srgbClr val="00B050"/>
+                </a:solidFill>
+              </a:rPr>
+              <a:t>clientID</a:t>
+            </a:r>
+            <a:r>
+              <a:rPr lang="en-US" dirty="0">
+                <a:solidFill>
+                  <a:srgbClr val="00B050"/>
+                </a:solidFill>
+              </a:rPr>
+              <a:t>,  </a:t>
+            </a:r>
+            <a:r>
+              <a:rPr lang="en-US" dirty="0" err="1">
+                <a:solidFill>
+                  <a:srgbClr val="00B050"/>
+                </a:solidFill>
+              </a:rPr>
+              <a:t>camHandle</a:t>
+            </a:r>
+            <a:r>
+              <a:rPr lang="en-US" dirty="0">
+                <a:solidFill>
+                  <a:srgbClr val="00B050"/>
+                </a:solidFill>
+              </a:rPr>
+              <a:t>, 0, </a:t>
+            </a:r>
+            <a:r>
+              <a:rPr lang="en-US" dirty="0" err="1">
+                <a:solidFill>
+                  <a:srgbClr val="00B050"/>
+                </a:solidFill>
+              </a:rPr>
+              <a:t>sim.simx_opmode_buffer</a:t>
+            </a:r>
+            <a:r>
+              <a:rPr lang="en-US" dirty="0">
+                <a:solidFill>
+                  <a:srgbClr val="00B050"/>
+                </a:solidFill>
+              </a:rPr>
+              <a:t>) </a:t>
+            </a:r>
+            <a:endParaRPr lang="en-US" dirty="0" smtClean="0">
+              <a:solidFill>
+                <a:srgbClr val="00B050"/>
+              </a:solidFill>
+            </a:endParaRPr>
+          </a:p>
+          <a:p>
+            <a:r>
+              <a:rPr lang="en-US" dirty="0" smtClean="0"/>
+              <a:t>The raw image data is an unpacked array of pixel values in the red, green and blue channels.</a:t>
+            </a:r>
+          </a:p>
+          <a:p>
+            <a:r>
+              <a:rPr lang="en-US" dirty="0" smtClean="0"/>
+              <a:t>Resolution is a list of image dimensions (width, height)</a:t>
+            </a:r>
+          </a:p>
+          <a:p>
+            <a:r>
+              <a:rPr lang="en-US" dirty="0" smtClean="0"/>
+              <a:t>We need to reshape the unpacked array into the dimensions to get a proper image.</a:t>
+            </a:r>
+          </a:p>
+          <a:p>
+            <a:pPr marL="0" indent="0">
+              <a:buNone/>
+            </a:pPr>
+            <a:r>
+              <a:rPr lang="en-US" dirty="0">
+                <a:solidFill>
+                  <a:srgbClr val="00B050"/>
+                </a:solidFill>
+              </a:rPr>
+              <a:t>	</a:t>
+            </a:r>
+            <a:r>
+              <a:rPr lang="en-US" dirty="0" err="1" smtClean="0">
+                <a:solidFill>
+                  <a:srgbClr val="00B050"/>
+                </a:solidFill>
+              </a:rPr>
+              <a:t>img</a:t>
+            </a:r>
+            <a:r>
+              <a:rPr lang="en-US" dirty="0" smtClean="0">
+                <a:solidFill>
+                  <a:srgbClr val="00B050"/>
+                </a:solidFill>
+              </a:rPr>
+              <a:t> </a:t>
+            </a:r>
+            <a:r>
+              <a:rPr lang="en-US" dirty="0">
+                <a:solidFill>
+                  <a:srgbClr val="00B050"/>
+                </a:solidFill>
+              </a:rPr>
+              <a:t>= </a:t>
+            </a:r>
+            <a:r>
+              <a:rPr lang="en-US" dirty="0" err="1">
+                <a:solidFill>
+                  <a:srgbClr val="00B050"/>
+                </a:solidFill>
+              </a:rPr>
+              <a:t>np.array</a:t>
+            </a:r>
+            <a:r>
+              <a:rPr lang="en-US" dirty="0">
+                <a:solidFill>
+                  <a:srgbClr val="00B050"/>
+                </a:solidFill>
+              </a:rPr>
+              <a:t>(</a:t>
+            </a:r>
+            <a:r>
+              <a:rPr lang="en-US" dirty="0" err="1">
+                <a:solidFill>
+                  <a:srgbClr val="00B050"/>
+                </a:solidFill>
+              </a:rPr>
+              <a:t>image_raw</a:t>
+            </a:r>
+            <a:r>
+              <a:rPr lang="en-US" dirty="0">
+                <a:solidFill>
+                  <a:srgbClr val="00B050"/>
+                </a:solidFill>
+              </a:rPr>
+              <a:t>, </a:t>
+            </a:r>
+            <a:r>
+              <a:rPr lang="en-US" dirty="0" err="1">
+                <a:solidFill>
+                  <a:srgbClr val="00B050"/>
+                </a:solidFill>
+              </a:rPr>
+              <a:t>dtype</a:t>
+            </a:r>
+            <a:r>
+              <a:rPr lang="en-US" dirty="0">
+                <a:solidFill>
+                  <a:srgbClr val="00B050"/>
+                </a:solidFill>
+              </a:rPr>
+              <a:t>=np.uint8</a:t>
+            </a:r>
+            <a:r>
+              <a:rPr lang="en-US" dirty="0" smtClean="0">
+                <a:solidFill>
+                  <a:srgbClr val="00B050"/>
+                </a:solidFill>
+              </a:rPr>
+              <a:t>)  	</a:t>
+            </a:r>
+            <a:r>
+              <a:rPr lang="en-US" dirty="0" smtClean="0">
+                <a:solidFill>
+                  <a:srgbClr val="00B050"/>
+                </a:solidFill>
+                <a:sym typeface="Wingdings" panose="05000000000000000000" pitchFamily="2" charset="2"/>
+              </a:rPr>
+              <a:t> data type conversion</a:t>
+            </a:r>
+            <a:endParaRPr lang="en-US" dirty="0">
+              <a:solidFill>
+                <a:srgbClr val="00B050"/>
+              </a:solidFill>
+            </a:endParaRPr>
+          </a:p>
+          <a:p>
+            <a:pPr marL="0" indent="0">
+              <a:buNone/>
+            </a:pPr>
+            <a:r>
+              <a:rPr lang="en-US" dirty="0">
+                <a:solidFill>
+                  <a:srgbClr val="00B050"/>
+                </a:solidFill>
+              </a:rPr>
+              <a:t>    </a:t>
+            </a:r>
+            <a:r>
+              <a:rPr lang="en-US" dirty="0" smtClean="0">
+                <a:solidFill>
+                  <a:srgbClr val="00B050"/>
+                </a:solidFill>
+              </a:rPr>
+              <a:t>	</a:t>
+            </a:r>
+            <a:r>
+              <a:rPr lang="en-US" dirty="0" err="1" smtClean="0">
+                <a:solidFill>
+                  <a:srgbClr val="00B050"/>
+                </a:solidFill>
+              </a:rPr>
+              <a:t>img.resize</a:t>
+            </a:r>
+            <a:r>
+              <a:rPr lang="en-US" dirty="0">
+                <a:solidFill>
+                  <a:srgbClr val="00B050"/>
+                </a:solidFill>
+              </a:rPr>
+              <a:t>([res[1], res[0], 3</a:t>
+            </a:r>
+            <a:r>
+              <a:rPr lang="en-US" dirty="0" smtClean="0">
+                <a:solidFill>
+                  <a:srgbClr val="00B050"/>
+                </a:solidFill>
+              </a:rPr>
+              <a:t>])			</a:t>
+            </a:r>
+            <a:r>
+              <a:rPr lang="en-US" dirty="0" smtClean="0">
+                <a:solidFill>
+                  <a:srgbClr val="00B050"/>
+                </a:solidFill>
+                <a:sym typeface="Wingdings" panose="05000000000000000000" pitchFamily="2" charset="2"/>
+              </a:rPr>
+              <a:t> reshaping array</a:t>
+            </a:r>
+            <a:endParaRPr lang="en-US" dirty="0">
+              <a:solidFill>
+                <a:srgbClr val="00B050"/>
+              </a:solidFill>
+            </a:endParaRPr>
+          </a:p>
+          <a:p>
+            <a:pPr marL="0" indent="0">
+              <a:buNone/>
+            </a:pPr>
+            <a:r>
+              <a:rPr lang="en-US" dirty="0">
+                <a:solidFill>
+                  <a:srgbClr val="00B050"/>
+                </a:solidFill>
+              </a:rPr>
+              <a:t>    </a:t>
+            </a:r>
+            <a:r>
+              <a:rPr lang="en-US" dirty="0" smtClean="0">
+                <a:solidFill>
+                  <a:srgbClr val="00B050"/>
+                </a:solidFill>
+              </a:rPr>
+              <a:t>	</a:t>
+            </a:r>
+            <a:r>
+              <a:rPr lang="en-US" dirty="0" err="1" smtClean="0">
+                <a:solidFill>
+                  <a:srgbClr val="00B050"/>
+                </a:solidFill>
+              </a:rPr>
+              <a:t>img</a:t>
+            </a:r>
+            <a:r>
+              <a:rPr lang="en-US" dirty="0" smtClean="0">
+                <a:solidFill>
+                  <a:srgbClr val="00B050"/>
+                </a:solidFill>
+              </a:rPr>
+              <a:t> </a:t>
+            </a:r>
+            <a:r>
+              <a:rPr lang="en-US" dirty="0">
+                <a:solidFill>
+                  <a:srgbClr val="00B050"/>
+                </a:solidFill>
+              </a:rPr>
+              <a:t>= </a:t>
+            </a:r>
+            <a:r>
+              <a:rPr lang="en-US" dirty="0" err="1">
+                <a:solidFill>
+                  <a:srgbClr val="00B050"/>
+                </a:solidFill>
+              </a:rPr>
+              <a:t>img</a:t>
+            </a:r>
+            <a:r>
+              <a:rPr lang="en-US" dirty="0">
+                <a:solidFill>
+                  <a:srgbClr val="00B050"/>
+                </a:solidFill>
+              </a:rPr>
+              <a:t>[::-1,::-1, </a:t>
+            </a:r>
+            <a:r>
+              <a:rPr lang="en-US" dirty="0" smtClean="0">
+                <a:solidFill>
+                  <a:srgbClr val="00B050"/>
+                </a:solidFill>
+              </a:rPr>
+              <a:t>:]				</a:t>
+            </a:r>
+            <a:r>
+              <a:rPr lang="en-US" dirty="0" smtClean="0">
+                <a:solidFill>
+                  <a:srgbClr val="00B050"/>
+                </a:solidFill>
+                <a:sym typeface="Wingdings" panose="05000000000000000000" pitchFamily="2" charset="2"/>
+              </a:rPr>
+              <a:t> rotate by 180 degrees</a:t>
+            </a:r>
+            <a:endParaRPr lang="en-US" dirty="0">
+              <a:solidFill>
+                <a:srgbClr val="00B050"/>
+              </a:solidFill>
+            </a:endParaRPr>
+          </a:p>
+          <a:p>
+            <a:pPr marL="0" indent="0">
+              <a:buNone/>
+            </a:pPr>
+            <a:endParaRPr lang="en-US" dirty="0">
+              <a:solidFill>
+                <a:srgbClr val="00B050"/>
+              </a:solidFill>
+            </a:endParaRPr>
+          </a:p>
+        </p:txBody>
+      </p:sp>
+    </p:spTree>
+    <p:extLst>
+      <p:ext uri="{BB962C8B-B14F-4D97-AF65-F5344CB8AC3E}">
+        <p14:creationId xmlns:p14="http://schemas.microsoft.com/office/powerpoint/2010/main" val="1216549181"/>
+      </p:ext>
+    </p:extLst>
+  </p:cSld>
+  <p:clrMapOvr>
+    <a:masterClrMapping/>
+  </p:clrMapOvr>
+</p:sld>
+</file>
+
+<file path=ppt/slides/slide8.xml><?xml version="1.0" encoding="utf-8"?>
+<p:sld xmlns:a="http://schemas.openxmlformats.org/drawingml/2006/main" xmlns:r="http://schemas.openxmlformats.org/officeDocument/2006/relationships" xmlns:p="http://schemas.openxmlformats.org/presentationml/2006/main">
+  <p:cSld>
+    <p:spTree>
+      <p:nvGrpSpPr>
+        <p:cNvPr id="1" name=""/>
+        <p:cNvGrpSpPr/>
+        <p:nvPr/>
+      </p:nvGrpSpPr>
+      <p:grpSpPr>
+        <a:xfrm>
+          <a:off x="0" y="0"/>
+          <a:ext cx="0" cy="0"/>
+          <a:chOff x="0" y="0"/>
+          <a:chExt cx="0" cy="0"/>
+        </a:xfrm>
+      </p:grpSpPr>
+      <p:sp>
+        <p:nvSpPr>
+          <p:cNvPr id="2" name="Title 1">
+            <a:extLst>
+              <a:ext uri="{FF2B5EF4-FFF2-40B4-BE49-F238E27FC236}">
+                <a16:creationId xmlns:a16="http://schemas.microsoft.com/office/drawing/2014/main" xmlns="" id="{7F5DF0F3-1719-2780-C62C-9B940F424FBC}"/>
+              </a:ext>
+            </a:extLst>
+          </p:cNvPr>
+          <p:cNvSpPr>
+            <a:spLocks noGrp="1"/>
+          </p:cNvSpPr>
+          <p:nvPr>
+            <p:ph type="title"/>
+          </p:nvPr>
+        </p:nvSpPr>
+        <p:spPr/>
+        <p:txBody>
+          <a:bodyPr/>
+          <a:lstStyle/>
+          <a:p>
+            <a:r>
+              <a:rPr lang="en-US" dirty="0"/>
               <a:t>Head Over to the Code!</a:t>
             </a:r>
           </a:p>
@@ -5549,7 +6265,7 @@
           <p:cNvPr id="3" name="Content Placeholder 2">
             <a:extLst>
               <a:ext uri="{FF2B5EF4-FFF2-40B4-BE49-F238E27FC236}">
-                <a16:creationId xmlns:a16="http://schemas.microsoft.com/office/drawing/2014/main" id="{25EC3A3A-EAF6-6E13-A57B-9EB5FD5E4832}"/>
+                <a16:creationId xmlns:a16="http://schemas.microsoft.com/office/drawing/2014/main" xmlns="" id="{25EC3A3A-EAF6-6E13-A57B-9EB5FD5E4832}"/>
               </a:ext>
             </a:extLst>
           </p:cNvPr>
@@ -5573,21 +6289,34 @@
           <a:lstStyle/>
           <a:p>
             <a:r>
-              <a:rPr lang="en-US" b="1" dirty="0" err="1"/>
-              <a:t>Line_follower.ipynb</a:t>
-            </a:r>
-            <a:r>
-              <a:rPr lang="en-US" b="1" dirty="0"/>
+              <a:rPr lang="en-US" b="1" dirty="0" err="1" smtClean="0"/>
+              <a:t>Soccerbot.ipynb</a:t>
+            </a:r>
+            <a:r>
+              <a:rPr lang="en-US" b="1" dirty="0" smtClean="0"/>
               <a:t> </a:t>
             </a:r>
             <a:r>
+              <a:rPr lang="en-US" dirty="0" smtClean="0"/>
+              <a:t>notebook </a:t>
+            </a:r>
+            <a:r>
               <a:rPr lang="en-US" dirty="0"/>
-              <a:t>notebook contains the code for controlling the LFR in the </a:t>
-            </a:r>
-            <a:r>
-              <a:rPr lang="en-US" b="1" dirty="0"/>
-              <a:t>part3_LFR_python.ttt</a:t>
-            </a:r>
+              <a:t>contains the code for </a:t>
+            </a:r>
+            <a:r>
+              <a:rPr lang="en-US" dirty="0" smtClean="0"/>
+              <a:t>soccer bots in </a:t>
+            </a:r>
+            <a:r>
+              <a:rPr lang="en-US" b="1" dirty="0" err="1" smtClean="0"/>
+              <a:t>soccerbot</a:t>
+            </a:r>
+            <a:r>
+              <a:rPr lang="en-US" b="1" dirty="0" err="1" smtClean="0"/>
+              <a:t>.ttt</a:t>
+            </a:r>
+            <a:endParaRPr lang="en-US" b="1" dirty="0"/>
           </a:p>
           <a:p>
             <a:r>

--- a/CoppeliaSim - Part 4 - Image Processing and OpenCV.pptx
+++ b/CoppeliaSim - Part 4 - Image Processing and OpenCV.pptx
@@ -5,7 +5,7 @@
     <p:sldMasterId id="2147483708" r:id="rId1"/>
   </p:sldMasterIdLst>
   <p:notesMasterIdLst>
-    <p:notesMasterId r:id="rId10"/>
+    <p:notesMasterId r:id="rId24"/>
   </p:notesMasterIdLst>
   <p:sldIdLst>
     <p:sldId id="256" r:id="rId2"/>
@@ -16,6 +16,20 @@
     <p:sldId id="283" r:id="rId7"/>
     <p:sldId id="285" r:id="rId8"/>
     <p:sldId id="276" r:id="rId9"/>
+    <p:sldId id="286" r:id="rId10"/>
+    <p:sldId id="287" r:id="rId11"/>
+    <p:sldId id="288" r:id="rId12"/>
+    <p:sldId id="289" r:id="rId13"/>
+    <p:sldId id="290" r:id="rId14"/>
+    <p:sldId id="291" r:id="rId15"/>
+    <p:sldId id="292" r:id="rId16"/>
+    <p:sldId id="293" r:id="rId17"/>
+    <p:sldId id="294" r:id="rId18"/>
+    <p:sldId id="295" r:id="rId19"/>
+    <p:sldId id="296" r:id="rId20"/>
+    <p:sldId id="298" r:id="rId21"/>
+    <p:sldId id="299" r:id="rId22"/>
+    <p:sldId id="297" r:id="rId23"/>
   </p:sldIdLst>
   <p:sldSz cx="12192000" cy="6858000"/>
   <p:notesSz cx="6858000" cy="9144000"/>
@@ -204,7 +218,7 @@
           <a:p>
             <a:fld id="{4A62082B-1C29-4804-99DD-246674A55DF9}" type="datetimeFigureOut">
               <a:rPr lang="en-US" smtClean="0"/>
-              <a:t>2/2/2023</a:t>
+              <a:t>2/3/2023</a:t>
             </a:fld>
             <a:endParaRPr lang="en-US"/>
           </a:p>
@@ -555,6 +569,762 @@
 </p:notes>
 </file>
 
+<file path=ppt/notesSlides/notesSlide10.xml><?xml version="1.0" encoding="utf-8"?>
+<p:notes xmlns:a="http://schemas.openxmlformats.org/drawingml/2006/main" xmlns:r="http://schemas.openxmlformats.org/officeDocument/2006/relationships" xmlns:p="http://schemas.openxmlformats.org/presentationml/2006/main">
+  <p:cSld>
+    <p:spTree>
+      <p:nvGrpSpPr>
+        <p:cNvPr id="1" name=""/>
+        <p:cNvGrpSpPr/>
+        <p:nvPr/>
+      </p:nvGrpSpPr>
+      <p:grpSpPr>
+        <a:xfrm>
+          <a:off x="0" y="0"/>
+          <a:ext cx="0" cy="0"/>
+          <a:chOff x="0" y="0"/>
+          <a:chExt cx="0" cy="0"/>
+        </a:xfrm>
+      </p:grpSpPr>
+      <p:sp>
+        <p:nvSpPr>
+          <p:cNvPr id="2" name="Slide Image Placeholder 1"/>
+          <p:cNvSpPr>
+            <a:spLocks noGrp="1" noRot="1" noChangeAspect="1"/>
+          </p:cNvSpPr>
+          <p:nvPr>
+            <p:ph type="sldImg"/>
+          </p:nvPr>
+        </p:nvSpPr>
+        <p:spPr/>
+      </p:sp>
+      <p:sp>
+        <p:nvSpPr>
+          <p:cNvPr id="3" name="Notes Placeholder 2"/>
+          <p:cNvSpPr>
+            <a:spLocks noGrp="1"/>
+          </p:cNvSpPr>
+          <p:nvPr>
+            <p:ph type="body" idx="1"/>
+          </p:nvPr>
+        </p:nvSpPr>
+        <p:spPr/>
+        <p:txBody>
+          <a:bodyPr/>
+          <a:lstStyle/>
+          <a:p>
+            <a:endParaRPr lang="en-US" dirty="0"/>
+          </a:p>
+        </p:txBody>
+      </p:sp>
+      <p:sp>
+        <p:nvSpPr>
+          <p:cNvPr id="4" name="Slide Number Placeholder 3"/>
+          <p:cNvSpPr>
+            <a:spLocks noGrp="1"/>
+          </p:cNvSpPr>
+          <p:nvPr>
+            <p:ph type="sldNum" sz="quarter" idx="5"/>
+          </p:nvPr>
+        </p:nvSpPr>
+        <p:spPr/>
+        <p:txBody>
+          <a:bodyPr/>
+          <a:lstStyle/>
+          <a:p>
+            <a:fld id="{1773E84B-E594-4DC7-9C67-2F5A45A50CE3}" type="slidenum">
+              <a:rPr lang="en-US" smtClean="0"/>
+              <a:t>14</a:t>
+            </a:fld>
+            <a:endParaRPr lang="en-US"/>
+          </a:p>
+        </p:txBody>
+      </p:sp>
+    </p:spTree>
+    <p:extLst>
+      <p:ext uri="{BB962C8B-B14F-4D97-AF65-F5344CB8AC3E}">
+        <p14:creationId xmlns:p14="http://schemas.microsoft.com/office/powerpoint/2010/main" val="3284125457"/>
+      </p:ext>
+    </p:extLst>
+  </p:cSld>
+  <p:clrMapOvr>
+    <a:masterClrMapping/>
+  </p:clrMapOvr>
+</p:notes>
+</file>
+
+<file path=ppt/notesSlides/notesSlide11.xml><?xml version="1.0" encoding="utf-8"?>
+<p:notes xmlns:a="http://schemas.openxmlformats.org/drawingml/2006/main" xmlns:r="http://schemas.openxmlformats.org/officeDocument/2006/relationships" xmlns:p="http://schemas.openxmlformats.org/presentationml/2006/main">
+  <p:cSld>
+    <p:spTree>
+      <p:nvGrpSpPr>
+        <p:cNvPr id="1" name=""/>
+        <p:cNvGrpSpPr/>
+        <p:nvPr/>
+      </p:nvGrpSpPr>
+      <p:grpSpPr>
+        <a:xfrm>
+          <a:off x="0" y="0"/>
+          <a:ext cx="0" cy="0"/>
+          <a:chOff x="0" y="0"/>
+          <a:chExt cx="0" cy="0"/>
+        </a:xfrm>
+      </p:grpSpPr>
+      <p:sp>
+        <p:nvSpPr>
+          <p:cNvPr id="2" name="Slide Image Placeholder 1"/>
+          <p:cNvSpPr>
+            <a:spLocks noGrp="1" noRot="1" noChangeAspect="1"/>
+          </p:cNvSpPr>
+          <p:nvPr>
+            <p:ph type="sldImg"/>
+          </p:nvPr>
+        </p:nvSpPr>
+        <p:spPr/>
+      </p:sp>
+      <p:sp>
+        <p:nvSpPr>
+          <p:cNvPr id="3" name="Notes Placeholder 2"/>
+          <p:cNvSpPr>
+            <a:spLocks noGrp="1"/>
+          </p:cNvSpPr>
+          <p:nvPr>
+            <p:ph type="body" idx="1"/>
+          </p:nvPr>
+        </p:nvSpPr>
+        <p:spPr/>
+        <p:txBody>
+          <a:bodyPr/>
+          <a:lstStyle/>
+          <a:p>
+            <a:endParaRPr lang="en-US" dirty="0"/>
+          </a:p>
+        </p:txBody>
+      </p:sp>
+      <p:sp>
+        <p:nvSpPr>
+          <p:cNvPr id="4" name="Slide Number Placeholder 3"/>
+          <p:cNvSpPr>
+            <a:spLocks noGrp="1"/>
+          </p:cNvSpPr>
+          <p:nvPr>
+            <p:ph type="sldNum" sz="quarter" idx="5"/>
+          </p:nvPr>
+        </p:nvSpPr>
+        <p:spPr/>
+        <p:txBody>
+          <a:bodyPr/>
+          <a:lstStyle/>
+          <a:p>
+            <a:fld id="{1773E84B-E594-4DC7-9C67-2F5A45A50CE3}" type="slidenum">
+              <a:rPr lang="en-US" smtClean="0"/>
+              <a:t>15</a:t>
+            </a:fld>
+            <a:endParaRPr lang="en-US"/>
+          </a:p>
+        </p:txBody>
+      </p:sp>
+    </p:spTree>
+    <p:extLst>
+      <p:ext uri="{BB962C8B-B14F-4D97-AF65-F5344CB8AC3E}">
+        <p14:creationId xmlns:p14="http://schemas.microsoft.com/office/powerpoint/2010/main" val="4097460158"/>
+      </p:ext>
+    </p:extLst>
+  </p:cSld>
+  <p:clrMapOvr>
+    <a:masterClrMapping/>
+  </p:clrMapOvr>
+</p:notes>
+</file>
+
+<file path=ppt/notesSlides/notesSlide12.xml><?xml version="1.0" encoding="utf-8"?>
+<p:notes xmlns:a="http://schemas.openxmlformats.org/drawingml/2006/main" xmlns:r="http://schemas.openxmlformats.org/officeDocument/2006/relationships" xmlns:p="http://schemas.openxmlformats.org/presentationml/2006/main">
+  <p:cSld>
+    <p:spTree>
+      <p:nvGrpSpPr>
+        <p:cNvPr id="1" name=""/>
+        <p:cNvGrpSpPr/>
+        <p:nvPr/>
+      </p:nvGrpSpPr>
+      <p:grpSpPr>
+        <a:xfrm>
+          <a:off x="0" y="0"/>
+          <a:ext cx="0" cy="0"/>
+          <a:chOff x="0" y="0"/>
+          <a:chExt cx="0" cy="0"/>
+        </a:xfrm>
+      </p:grpSpPr>
+      <p:sp>
+        <p:nvSpPr>
+          <p:cNvPr id="2" name="Slide Image Placeholder 1"/>
+          <p:cNvSpPr>
+            <a:spLocks noGrp="1" noRot="1" noChangeAspect="1"/>
+          </p:cNvSpPr>
+          <p:nvPr>
+            <p:ph type="sldImg"/>
+          </p:nvPr>
+        </p:nvSpPr>
+        <p:spPr/>
+      </p:sp>
+      <p:sp>
+        <p:nvSpPr>
+          <p:cNvPr id="3" name="Notes Placeholder 2"/>
+          <p:cNvSpPr>
+            <a:spLocks noGrp="1"/>
+          </p:cNvSpPr>
+          <p:nvPr>
+            <p:ph type="body" idx="1"/>
+          </p:nvPr>
+        </p:nvSpPr>
+        <p:spPr/>
+        <p:txBody>
+          <a:bodyPr/>
+          <a:lstStyle/>
+          <a:p>
+            <a:endParaRPr lang="en-US" dirty="0"/>
+          </a:p>
+        </p:txBody>
+      </p:sp>
+      <p:sp>
+        <p:nvSpPr>
+          <p:cNvPr id="4" name="Slide Number Placeholder 3"/>
+          <p:cNvSpPr>
+            <a:spLocks noGrp="1"/>
+          </p:cNvSpPr>
+          <p:nvPr>
+            <p:ph type="sldNum" sz="quarter" idx="5"/>
+          </p:nvPr>
+        </p:nvSpPr>
+        <p:spPr/>
+        <p:txBody>
+          <a:bodyPr/>
+          <a:lstStyle/>
+          <a:p>
+            <a:fld id="{1773E84B-E594-4DC7-9C67-2F5A45A50CE3}" type="slidenum">
+              <a:rPr lang="en-US" smtClean="0"/>
+              <a:t>16</a:t>
+            </a:fld>
+            <a:endParaRPr lang="en-US"/>
+          </a:p>
+        </p:txBody>
+      </p:sp>
+    </p:spTree>
+    <p:extLst>
+      <p:ext uri="{BB962C8B-B14F-4D97-AF65-F5344CB8AC3E}">
+        <p14:creationId xmlns:p14="http://schemas.microsoft.com/office/powerpoint/2010/main" val="3787843889"/>
+      </p:ext>
+    </p:extLst>
+  </p:cSld>
+  <p:clrMapOvr>
+    <a:masterClrMapping/>
+  </p:clrMapOvr>
+</p:notes>
+</file>
+
+<file path=ppt/notesSlides/notesSlide13.xml><?xml version="1.0" encoding="utf-8"?>
+<p:notes xmlns:a="http://schemas.openxmlformats.org/drawingml/2006/main" xmlns:r="http://schemas.openxmlformats.org/officeDocument/2006/relationships" xmlns:p="http://schemas.openxmlformats.org/presentationml/2006/main">
+  <p:cSld>
+    <p:spTree>
+      <p:nvGrpSpPr>
+        <p:cNvPr id="1" name=""/>
+        <p:cNvGrpSpPr/>
+        <p:nvPr/>
+      </p:nvGrpSpPr>
+      <p:grpSpPr>
+        <a:xfrm>
+          <a:off x="0" y="0"/>
+          <a:ext cx="0" cy="0"/>
+          <a:chOff x="0" y="0"/>
+          <a:chExt cx="0" cy="0"/>
+        </a:xfrm>
+      </p:grpSpPr>
+      <p:sp>
+        <p:nvSpPr>
+          <p:cNvPr id="2" name="Slide Image Placeholder 1"/>
+          <p:cNvSpPr>
+            <a:spLocks noGrp="1" noRot="1" noChangeAspect="1"/>
+          </p:cNvSpPr>
+          <p:nvPr>
+            <p:ph type="sldImg"/>
+          </p:nvPr>
+        </p:nvSpPr>
+        <p:spPr/>
+      </p:sp>
+      <p:sp>
+        <p:nvSpPr>
+          <p:cNvPr id="3" name="Notes Placeholder 2"/>
+          <p:cNvSpPr>
+            <a:spLocks noGrp="1"/>
+          </p:cNvSpPr>
+          <p:nvPr>
+            <p:ph type="body" idx="1"/>
+          </p:nvPr>
+        </p:nvSpPr>
+        <p:spPr/>
+        <p:txBody>
+          <a:bodyPr/>
+          <a:lstStyle/>
+          <a:p>
+            <a:endParaRPr lang="en-US" dirty="0"/>
+          </a:p>
+        </p:txBody>
+      </p:sp>
+      <p:sp>
+        <p:nvSpPr>
+          <p:cNvPr id="4" name="Slide Number Placeholder 3"/>
+          <p:cNvSpPr>
+            <a:spLocks noGrp="1"/>
+          </p:cNvSpPr>
+          <p:nvPr>
+            <p:ph type="sldNum" sz="quarter" idx="5"/>
+          </p:nvPr>
+        </p:nvSpPr>
+        <p:spPr/>
+        <p:txBody>
+          <a:bodyPr/>
+          <a:lstStyle/>
+          <a:p>
+            <a:fld id="{1773E84B-E594-4DC7-9C67-2F5A45A50CE3}" type="slidenum">
+              <a:rPr lang="en-US" smtClean="0"/>
+              <a:t>17</a:t>
+            </a:fld>
+            <a:endParaRPr lang="en-US"/>
+          </a:p>
+        </p:txBody>
+      </p:sp>
+    </p:spTree>
+    <p:extLst>
+      <p:ext uri="{BB962C8B-B14F-4D97-AF65-F5344CB8AC3E}">
+        <p14:creationId xmlns:p14="http://schemas.microsoft.com/office/powerpoint/2010/main" val="2686734312"/>
+      </p:ext>
+    </p:extLst>
+  </p:cSld>
+  <p:clrMapOvr>
+    <a:masterClrMapping/>
+  </p:clrMapOvr>
+</p:notes>
+</file>
+
+<file path=ppt/notesSlides/notesSlide14.xml><?xml version="1.0" encoding="utf-8"?>
+<p:notes xmlns:a="http://schemas.openxmlformats.org/drawingml/2006/main" xmlns:r="http://schemas.openxmlformats.org/officeDocument/2006/relationships" xmlns:p="http://schemas.openxmlformats.org/presentationml/2006/main">
+  <p:cSld>
+    <p:spTree>
+      <p:nvGrpSpPr>
+        <p:cNvPr id="1" name=""/>
+        <p:cNvGrpSpPr/>
+        <p:nvPr/>
+      </p:nvGrpSpPr>
+      <p:grpSpPr>
+        <a:xfrm>
+          <a:off x="0" y="0"/>
+          <a:ext cx="0" cy="0"/>
+          <a:chOff x="0" y="0"/>
+          <a:chExt cx="0" cy="0"/>
+        </a:xfrm>
+      </p:grpSpPr>
+      <p:sp>
+        <p:nvSpPr>
+          <p:cNvPr id="2" name="Slide Image Placeholder 1"/>
+          <p:cNvSpPr>
+            <a:spLocks noGrp="1" noRot="1" noChangeAspect="1"/>
+          </p:cNvSpPr>
+          <p:nvPr>
+            <p:ph type="sldImg"/>
+          </p:nvPr>
+        </p:nvSpPr>
+        <p:spPr/>
+      </p:sp>
+      <p:sp>
+        <p:nvSpPr>
+          <p:cNvPr id="3" name="Notes Placeholder 2"/>
+          <p:cNvSpPr>
+            <a:spLocks noGrp="1"/>
+          </p:cNvSpPr>
+          <p:nvPr>
+            <p:ph type="body" idx="1"/>
+          </p:nvPr>
+        </p:nvSpPr>
+        <p:spPr/>
+        <p:txBody>
+          <a:bodyPr/>
+          <a:lstStyle/>
+          <a:p>
+            <a:endParaRPr lang="en-US" dirty="0"/>
+          </a:p>
+        </p:txBody>
+      </p:sp>
+      <p:sp>
+        <p:nvSpPr>
+          <p:cNvPr id="4" name="Slide Number Placeholder 3"/>
+          <p:cNvSpPr>
+            <a:spLocks noGrp="1"/>
+          </p:cNvSpPr>
+          <p:nvPr>
+            <p:ph type="sldNum" sz="quarter" idx="5"/>
+          </p:nvPr>
+        </p:nvSpPr>
+        <p:spPr/>
+        <p:txBody>
+          <a:bodyPr/>
+          <a:lstStyle/>
+          <a:p>
+            <a:fld id="{1773E84B-E594-4DC7-9C67-2F5A45A50CE3}" type="slidenum">
+              <a:rPr lang="en-US" smtClean="0"/>
+              <a:t>18</a:t>
+            </a:fld>
+            <a:endParaRPr lang="en-US"/>
+          </a:p>
+        </p:txBody>
+      </p:sp>
+    </p:spTree>
+    <p:extLst>
+      <p:ext uri="{BB962C8B-B14F-4D97-AF65-F5344CB8AC3E}">
+        <p14:creationId xmlns:p14="http://schemas.microsoft.com/office/powerpoint/2010/main" val="169840014"/>
+      </p:ext>
+    </p:extLst>
+  </p:cSld>
+  <p:clrMapOvr>
+    <a:masterClrMapping/>
+  </p:clrMapOvr>
+</p:notes>
+</file>
+
+<file path=ppt/notesSlides/notesSlide15.xml><?xml version="1.0" encoding="utf-8"?>
+<p:notes xmlns:a="http://schemas.openxmlformats.org/drawingml/2006/main" xmlns:r="http://schemas.openxmlformats.org/officeDocument/2006/relationships" xmlns:p="http://schemas.openxmlformats.org/presentationml/2006/main">
+  <p:cSld>
+    <p:spTree>
+      <p:nvGrpSpPr>
+        <p:cNvPr id="1" name=""/>
+        <p:cNvGrpSpPr/>
+        <p:nvPr/>
+      </p:nvGrpSpPr>
+      <p:grpSpPr>
+        <a:xfrm>
+          <a:off x="0" y="0"/>
+          <a:ext cx="0" cy="0"/>
+          <a:chOff x="0" y="0"/>
+          <a:chExt cx="0" cy="0"/>
+        </a:xfrm>
+      </p:grpSpPr>
+      <p:sp>
+        <p:nvSpPr>
+          <p:cNvPr id="2" name="Slide Image Placeholder 1"/>
+          <p:cNvSpPr>
+            <a:spLocks noGrp="1" noRot="1" noChangeAspect="1"/>
+          </p:cNvSpPr>
+          <p:nvPr>
+            <p:ph type="sldImg"/>
+          </p:nvPr>
+        </p:nvSpPr>
+        <p:spPr/>
+      </p:sp>
+      <p:sp>
+        <p:nvSpPr>
+          <p:cNvPr id="3" name="Notes Placeholder 2"/>
+          <p:cNvSpPr>
+            <a:spLocks noGrp="1"/>
+          </p:cNvSpPr>
+          <p:nvPr>
+            <p:ph type="body" idx="1"/>
+          </p:nvPr>
+        </p:nvSpPr>
+        <p:spPr/>
+        <p:txBody>
+          <a:bodyPr/>
+          <a:lstStyle/>
+          <a:p>
+            <a:endParaRPr lang="en-US" dirty="0"/>
+          </a:p>
+        </p:txBody>
+      </p:sp>
+      <p:sp>
+        <p:nvSpPr>
+          <p:cNvPr id="4" name="Slide Number Placeholder 3"/>
+          <p:cNvSpPr>
+            <a:spLocks noGrp="1"/>
+          </p:cNvSpPr>
+          <p:nvPr>
+            <p:ph type="sldNum" sz="quarter" idx="5"/>
+          </p:nvPr>
+        </p:nvSpPr>
+        <p:spPr/>
+        <p:txBody>
+          <a:bodyPr/>
+          <a:lstStyle/>
+          <a:p>
+            <a:fld id="{1773E84B-E594-4DC7-9C67-2F5A45A50CE3}" type="slidenum">
+              <a:rPr lang="en-US" smtClean="0"/>
+              <a:t>19</a:t>
+            </a:fld>
+            <a:endParaRPr lang="en-US"/>
+          </a:p>
+        </p:txBody>
+      </p:sp>
+    </p:spTree>
+    <p:extLst>
+      <p:ext uri="{BB962C8B-B14F-4D97-AF65-F5344CB8AC3E}">
+        <p14:creationId xmlns:p14="http://schemas.microsoft.com/office/powerpoint/2010/main" val="2498948509"/>
+      </p:ext>
+    </p:extLst>
+  </p:cSld>
+  <p:clrMapOvr>
+    <a:masterClrMapping/>
+  </p:clrMapOvr>
+</p:notes>
+</file>
+
+<file path=ppt/notesSlides/notesSlide16.xml><?xml version="1.0" encoding="utf-8"?>
+<p:notes xmlns:a="http://schemas.openxmlformats.org/drawingml/2006/main" xmlns:r="http://schemas.openxmlformats.org/officeDocument/2006/relationships" xmlns:p="http://schemas.openxmlformats.org/presentationml/2006/main">
+  <p:cSld>
+    <p:spTree>
+      <p:nvGrpSpPr>
+        <p:cNvPr id="1" name=""/>
+        <p:cNvGrpSpPr/>
+        <p:nvPr/>
+      </p:nvGrpSpPr>
+      <p:grpSpPr>
+        <a:xfrm>
+          <a:off x="0" y="0"/>
+          <a:ext cx="0" cy="0"/>
+          <a:chOff x="0" y="0"/>
+          <a:chExt cx="0" cy="0"/>
+        </a:xfrm>
+      </p:grpSpPr>
+      <p:sp>
+        <p:nvSpPr>
+          <p:cNvPr id="2" name="Slide Image Placeholder 1"/>
+          <p:cNvSpPr>
+            <a:spLocks noGrp="1" noRot="1" noChangeAspect="1"/>
+          </p:cNvSpPr>
+          <p:nvPr>
+            <p:ph type="sldImg"/>
+          </p:nvPr>
+        </p:nvSpPr>
+        <p:spPr/>
+      </p:sp>
+      <p:sp>
+        <p:nvSpPr>
+          <p:cNvPr id="3" name="Notes Placeholder 2"/>
+          <p:cNvSpPr>
+            <a:spLocks noGrp="1"/>
+          </p:cNvSpPr>
+          <p:nvPr>
+            <p:ph type="body" idx="1"/>
+          </p:nvPr>
+        </p:nvSpPr>
+        <p:spPr/>
+        <p:txBody>
+          <a:bodyPr/>
+          <a:lstStyle/>
+          <a:p>
+            <a:endParaRPr lang="en-US" dirty="0"/>
+          </a:p>
+        </p:txBody>
+      </p:sp>
+      <p:sp>
+        <p:nvSpPr>
+          <p:cNvPr id="4" name="Slide Number Placeholder 3"/>
+          <p:cNvSpPr>
+            <a:spLocks noGrp="1"/>
+          </p:cNvSpPr>
+          <p:nvPr>
+            <p:ph type="sldNum" sz="quarter" idx="5"/>
+          </p:nvPr>
+        </p:nvSpPr>
+        <p:spPr/>
+        <p:txBody>
+          <a:bodyPr/>
+          <a:lstStyle/>
+          <a:p>
+            <a:fld id="{1773E84B-E594-4DC7-9C67-2F5A45A50CE3}" type="slidenum">
+              <a:rPr lang="en-US" smtClean="0"/>
+              <a:t>20</a:t>
+            </a:fld>
+            <a:endParaRPr lang="en-US"/>
+          </a:p>
+        </p:txBody>
+      </p:sp>
+    </p:spTree>
+    <p:extLst>
+      <p:ext uri="{BB962C8B-B14F-4D97-AF65-F5344CB8AC3E}">
+        <p14:creationId xmlns:p14="http://schemas.microsoft.com/office/powerpoint/2010/main" val="369377297"/>
+      </p:ext>
+    </p:extLst>
+  </p:cSld>
+  <p:clrMapOvr>
+    <a:masterClrMapping/>
+  </p:clrMapOvr>
+</p:notes>
+</file>
+
+<file path=ppt/notesSlides/notesSlide17.xml><?xml version="1.0" encoding="utf-8"?>
+<p:notes xmlns:a="http://schemas.openxmlformats.org/drawingml/2006/main" xmlns:r="http://schemas.openxmlformats.org/officeDocument/2006/relationships" xmlns:p="http://schemas.openxmlformats.org/presentationml/2006/main">
+  <p:cSld>
+    <p:spTree>
+      <p:nvGrpSpPr>
+        <p:cNvPr id="1" name=""/>
+        <p:cNvGrpSpPr/>
+        <p:nvPr/>
+      </p:nvGrpSpPr>
+      <p:grpSpPr>
+        <a:xfrm>
+          <a:off x="0" y="0"/>
+          <a:ext cx="0" cy="0"/>
+          <a:chOff x="0" y="0"/>
+          <a:chExt cx="0" cy="0"/>
+        </a:xfrm>
+      </p:grpSpPr>
+      <p:sp>
+        <p:nvSpPr>
+          <p:cNvPr id="2" name="Slide Image Placeholder 1"/>
+          <p:cNvSpPr>
+            <a:spLocks noGrp="1" noRot="1" noChangeAspect="1"/>
+          </p:cNvSpPr>
+          <p:nvPr>
+            <p:ph type="sldImg"/>
+          </p:nvPr>
+        </p:nvSpPr>
+        <p:spPr/>
+      </p:sp>
+      <p:sp>
+        <p:nvSpPr>
+          <p:cNvPr id="3" name="Notes Placeholder 2"/>
+          <p:cNvSpPr>
+            <a:spLocks noGrp="1"/>
+          </p:cNvSpPr>
+          <p:nvPr>
+            <p:ph type="body" idx="1"/>
+          </p:nvPr>
+        </p:nvSpPr>
+        <p:spPr/>
+        <p:txBody>
+          <a:bodyPr/>
+          <a:lstStyle/>
+          <a:p>
+            <a:endParaRPr lang="en-US" dirty="0"/>
+          </a:p>
+        </p:txBody>
+      </p:sp>
+      <p:sp>
+        <p:nvSpPr>
+          <p:cNvPr id="4" name="Slide Number Placeholder 3"/>
+          <p:cNvSpPr>
+            <a:spLocks noGrp="1"/>
+          </p:cNvSpPr>
+          <p:nvPr>
+            <p:ph type="sldNum" sz="quarter" idx="5"/>
+          </p:nvPr>
+        </p:nvSpPr>
+        <p:spPr/>
+        <p:txBody>
+          <a:bodyPr/>
+          <a:lstStyle/>
+          <a:p>
+            <a:fld id="{1773E84B-E594-4DC7-9C67-2F5A45A50CE3}" type="slidenum">
+              <a:rPr lang="en-US" smtClean="0"/>
+              <a:t>21</a:t>
+            </a:fld>
+            <a:endParaRPr lang="en-US"/>
+          </a:p>
+        </p:txBody>
+      </p:sp>
+    </p:spTree>
+    <p:extLst>
+      <p:ext uri="{BB962C8B-B14F-4D97-AF65-F5344CB8AC3E}">
+        <p14:creationId xmlns:p14="http://schemas.microsoft.com/office/powerpoint/2010/main" val="2904865433"/>
+      </p:ext>
+    </p:extLst>
+  </p:cSld>
+  <p:clrMapOvr>
+    <a:masterClrMapping/>
+  </p:clrMapOvr>
+</p:notes>
+</file>
+
+<file path=ppt/notesSlides/notesSlide18.xml><?xml version="1.0" encoding="utf-8"?>
+<p:notes xmlns:a="http://schemas.openxmlformats.org/drawingml/2006/main" xmlns:r="http://schemas.openxmlformats.org/officeDocument/2006/relationships" xmlns:p="http://schemas.openxmlformats.org/presentationml/2006/main">
+  <p:cSld>
+    <p:spTree>
+      <p:nvGrpSpPr>
+        <p:cNvPr id="1" name=""/>
+        <p:cNvGrpSpPr/>
+        <p:nvPr/>
+      </p:nvGrpSpPr>
+      <p:grpSpPr>
+        <a:xfrm>
+          <a:off x="0" y="0"/>
+          <a:ext cx="0" cy="0"/>
+          <a:chOff x="0" y="0"/>
+          <a:chExt cx="0" cy="0"/>
+        </a:xfrm>
+      </p:grpSpPr>
+      <p:sp>
+        <p:nvSpPr>
+          <p:cNvPr id="2" name="Slide Image Placeholder 1"/>
+          <p:cNvSpPr>
+            <a:spLocks noGrp="1" noRot="1" noChangeAspect="1"/>
+          </p:cNvSpPr>
+          <p:nvPr>
+            <p:ph type="sldImg"/>
+          </p:nvPr>
+        </p:nvSpPr>
+        <p:spPr/>
+      </p:sp>
+      <p:sp>
+        <p:nvSpPr>
+          <p:cNvPr id="3" name="Notes Placeholder 2"/>
+          <p:cNvSpPr>
+            <a:spLocks noGrp="1"/>
+          </p:cNvSpPr>
+          <p:nvPr>
+            <p:ph type="body" idx="1"/>
+          </p:nvPr>
+        </p:nvSpPr>
+        <p:spPr/>
+        <p:txBody>
+          <a:bodyPr/>
+          <a:lstStyle/>
+          <a:p>
+            <a:endParaRPr lang="en-US" dirty="0"/>
+          </a:p>
+        </p:txBody>
+      </p:sp>
+      <p:sp>
+        <p:nvSpPr>
+          <p:cNvPr id="4" name="Slide Number Placeholder 3"/>
+          <p:cNvSpPr>
+            <a:spLocks noGrp="1"/>
+          </p:cNvSpPr>
+          <p:nvPr>
+            <p:ph type="sldNum" sz="quarter" idx="5"/>
+          </p:nvPr>
+        </p:nvSpPr>
+        <p:spPr/>
+        <p:txBody>
+          <a:bodyPr/>
+          <a:lstStyle/>
+          <a:p>
+            <a:fld id="{1773E84B-E594-4DC7-9C67-2F5A45A50CE3}" type="slidenum">
+              <a:rPr lang="en-US" smtClean="0"/>
+              <a:t>22</a:t>
+            </a:fld>
+            <a:endParaRPr lang="en-US"/>
+          </a:p>
+        </p:txBody>
+      </p:sp>
+    </p:spTree>
+    <p:extLst>
+      <p:ext uri="{BB962C8B-B14F-4D97-AF65-F5344CB8AC3E}">
+        <p14:creationId xmlns:p14="http://schemas.microsoft.com/office/powerpoint/2010/main" val="3291556099"/>
+      </p:ext>
+    </p:extLst>
+  </p:cSld>
+  <p:clrMapOvr>
+    <a:masterClrMapping/>
+  </p:clrMapOvr>
+</p:notes>
+</file>
+
 <file path=ppt/notesSlides/notesSlide2.xml><?xml version="1.0" encoding="utf-8"?>
 <p:notes xmlns:a="http://schemas.openxmlformats.org/drawingml/2006/main" xmlns:r="http://schemas.openxmlformats.org/officeDocument/2006/relationships" xmlns:p="http://schemas.openxmlformats.org/presentationml/2006/main">
   <p:cSld>
@@ -798,6 +1568,426 @@
     <p:extLst>
       <p:ext uri="{BB962C8B-B14F-4D97-AF65-F5344CB8AC3E}">
         <p14:creationId xmlns:p14="http://schemas.microsoft.com/office/powerpoint/2010/main" val="2698582567"/>
+      </p:ext>
+    </p:extLst>
+  </p:cSld>
+  <p:clrMapOvr>
+    <a:masterClrMapping/>
+  </p:clrMapOvr>
+</p:notes>
+</file>
+
+<file path=ppt/notesSlides/notesSlide5.xml><?xml version="1.0" encoding="utf-8"?>
+<p:notes xmlns:a="http://schemas.openxmlformats.org/drawingml/2006/main" xmlns:r="http://schemas.openxmlformats.org/officeDocument/2006/relationships" xmlns:p="http://schemas.openxmlformats.org/presentationml/2006/main">
+  <p:cSld>
+    <p:spTree>
+      <p:nvGrpSpPr>
+        <p:cNvPr id="1" name=""/>
+        <p:cNvGrpSpPr/>
+        <p:nvPr/>
+      </p:nvGrpSpPr>
+      <p:grpSpPr>
+        <a:xfrm>
+          <a:off x="0" y="0"/>
+          <a:ext cx="0" cy="0"/>
+          <a:chOff x="0" y="0"/>
+          <a:chExt cx="0" cy="0"/>
+        </a:xfrm>
+      </p:grpSpPr>
+      <p:sp>
+        <p:nvSpPr>
+          <p:cNvPr id="2" name="Slide Image Placeholder 1"/>
+          <p:cNvSpPr>
+            <a:spLocks noGrp="1" noRot="1" noChangeAspect="1"/>
+          </p:cNvSpPr>
+          <p:nvPr>
+            <p:ph type="sldImg"/>
+          </p:nvPr>
+        </p:nvSpPr>
+        <p:spPr/>
+      </p:sp>
+      <p:sp>
+        <p:nvSpPr>
+          <p:cNvPr id="3" name="Notes Placeholder 2"/>
+          <p:cNvSpPr>
+            <a:spLocks noGrp="1"/>
+          </p:cNvSpPr>
+          <p:nvPr>
+            <p:ph type="body" idx="1"/>
+          </p:nvPr>
+        </p:nvSpPr>
+        <p:spPr/>
+        <p:txBody>
+          <a:bodyPr/>
+          <a:lstStyle/>
+          <a:p>
+            <a:endParaRPr lang="en-US" dirty="0"/>
+          </a:p>
+        </p:txBody>
+      </p:sp>
+      <p:sp>
+        <p:nvSpPr>
+          <p:cNvPr id="4" name="Slide Number Placeholder 3"/>
+          <p:cNvSpPr>
+            <a:spLocks noGrp="1"/>
+          </p:cNvSpPr>
+          <p:nvPr>
+            <p:ph type="sldNum" sz="quarter" idx="5"/>
+          </p:nvPr>
+        </p:nvSpPr>
+        <p:spPr/>
+        <p:txBody>
+          <a:bodyPr/>
+          <a:lstStyle/>
+          <a:p>
+            <a:fld id="{1773E84B-E594-4DC7-9C67-2F5A45A50CE3}" type="slidenum">
+              <a:rPr lang="en-US" smtClean="0"/>
+              <a:t>9</a:t>
+            </a:fld>
+            <a:endParaRPr lang="en-US"/>
+          </a:p>
+        </p:txBody>
+      </p:sp>
+    </p:spTree>
+    <p:extLst>
+      <p:ext uri="{BB962C8B-B14F-4D97-AF65-F5344CB8AC3E}">
+        <p14:creationId xmlns:p14="http://schemas.microsoft.com/office/powerpoint/2010/main" val="4294565305"/>
+      </p:ext>
+    </p:extLst>
+  </p:cSld>
+  <p:clrMapOvr>
+    <a:masterClrMapping/>
+  </p:clrMapOvr>
+</p:notes>
+</file>
+
+<file path=ppt/notesSlides/notesSlide6.xml><?xml version="1.0" encoding="utf-8"?>
+<p:notes xmlns:a="http://schemas.openxmlformats.org/drawingml/2006/main" xmlns:r="http://schemas.openxmlformats.org/officeDocument/2006/relationships" xmlns:p="http://schemas.openxmlformats.org/presentationml/2006/main">
+  <p:cSld>
+    <p:spTree>
+      <p:nvGrpSpPr>
+        <p:cNvPr id="1" name=""/>
+        <p:cNvGrpSpPr/>
+        <p:nvPr/>
+      </p:nvGrpSpPr>
+      <p:grpSpPr>
+        <a:xfrm>
+          <a:off x="0" y="0"/>
+          <a:ext cx="0" cy="0"/>
+          <a:chOff x="0" y="0"/>
+          <a:chExt cx="0" cy="0"/>
+        </a:xfrm>
+      </p:grpSpPr>
+      <p:sp>
+        <p:nvSpPr>
+          <p:cNvPr id="2" name="Slide Image Placeholder 1"/>
+          <p:cNvSpPr>
+            <a:spLocks noGrp="1" noRot="1" noChangeAspect="1"/>
+          </p:cNvSpPr>
+          <p:nvPr>
+            <p:ph type="sldImg"/>
+          </p:nvPr>
+        </p:nvSpPr>
+        <p:spPr/>
+      </p:sp>
+      <p:sp>
+        <p:nvSpPr>
+          <p:cNvPr id="3" name="Notes Placeholder 2"/>
+          <p:cNvSpPr>
+            <a:spLocks noGrp="1"/>
+          </p:cNvSpPr>
+          <p:nvPr>
+            <p:ph type="body" idx="1"/>
+          </p:nvPr>
+        </p:nvSpPr>
+        <p:spPr/>
+        <p:txBody>
+          <a:bodyPr/>
+          <a:lstStyle/>
+          <a:p>
+            <a:endParaRPr lang="en-US" dirty="0"/>
+          </a:p>
+        </p:txBody>
+      </p:sp>
+      <p:sp>
+        <p:nvSpPr>
+          <p:cNvPr id="4" name="Slide Number Placeholder 3"/>
+          <p:cNvSpPr>
+            <a:spLocks noGrp="1"/>
+          </p:cNvSpPr>
+          <p:nvPr>
+            <p:ph type="sldNum" sz="quarter" idx="5"/>
+          </p:nvPr>
+        </p:nvSpPr>
+        <p:spPr/>
+        <p:txBody>
+          <a:bodyPr/>
+          <a:lstStyle/>
+          <a:p>
+            <a:fld id="{1773E84B-E594-4DC7-9C67-2F5A45A50CE3}" type="slidenum">
+              <a:rPr lang="en-US" smtClean="0"/>
+              <a:t>10</a:t>
+            </a:fld>
+            <a:endParaRPr lang="en-US"/>
+          </a:p>
+        </p:txBody>
+      </p:sp>
+    </p:spTree>
+    <p:extLst>
+      <p:ext uri="{BB962C8B-B14F-4D97-AF65-F5344CB8AC3E}">
+        <p14:creationId xmlns:p14="http://schemas.microsoft.com/office/powerpoint/2010/main" val="3888540453"/>
+      </p:ext>
+    </p:extLst>
+  </p:cSld>
+  <p:clrMapOvr>
+    <a:masterClrMapping/>
+  </p:clrMapOvr>
+</p:notes>
+</file>
+
+<file path=ppt/notesSlides/notesSlide7.xml><?xml version="1.0" encoding="utf-8"?>
+<p:notes xmlns:a="http://schemas.openxmlformats.org/drawingml/2006/main" xmlns:r="http://schemas.openxmlformats.org/officeDocument/2006/relationships" xmlns:p="http://schemas.openxmlformats.org/presentationml/2006/main">
+  <p:cSld>
+    <p:spTree>
+      <p:nvGrpSpPr>
+        <p:cNvPr id="1" name=""/>
+        <p:cNvGrpSpPr/>
+        <p:nvPr/>
+      </p:nvGrpSpPr>
+      <p:grpSpPr>
+        <a:xfrm>
+          <a:off x="0" y="0"/>
+          <a:ext cx="0" cy="0"/>
+          <a:chOff x="0" y="0"/>
+          <a:chExt cx="0" cy="0"/>
+        </a:xfrm>
+      </p:grpSpPr>
+      <p:sp>
+        <p:nvSpPr>
+          <p:cNvPr id="2" name="Slide Image Placeholder 1"/>
+          <p:cNvSpPr>
+            <a:spLocks noGrp="1" noRot="1" noChangeAspect="1"/>
+          </p:cNvSpPr>
+          <p:nvPr>
+            <p:ph type="sldImg"/>
+          </p:nvPr>
+        </p:nvSpPr>
+        <p:spPr/>
+      </p:sp>
+      <p:sp>
+        <p:nvSpPr>
+          <p:cNvPr id="3" name="Notes Placeholder 2"/>
+          <p:cNvSpPr>
+            <a:spLocks noGrp="1"/>
+          </p:cNvSpPr>
+          <p:nvPr>
+            <p:ph type="body" idx="1"/>
+          </p:nvPr>
+        </p:nvSpPr>
+        <p:spPr/>
+        <p:txBody>
+          <a:bodyPr/>
+          <a:lstStyle/>
+          <a:p>
+            <a:endParaRPr lang="en-US" dirty="0"/>
+          </a:p>
+        </p:txBody>
+      </p:sp>
+      <p:sp>
+        <p:nvSpPr>
+          <p:cNvPr id="4" name="Slide Number Placeholder 3"/>
+          <p:cNvSpPr>
+            <a:spLocks noGrp="1"/>
+          </p:cNvSpPr>
+          <p:nvPr>
+            <p:ph type="sldNum" sz="quarter" idx="5"/>
+          </p:nvPr>
+        </p:nvSpPr>
+        <p:spPr/>
+        <p:txBody>
+          <a:bodyPr/>
+          <a:lstStyle/>
+          <a:p>
+            <a:fld id="{1773E84B-E594-4DC7-9C67-2F5A45A50CE3}" type="slidenum">
+              <a:rPr lang="en-US" smtClean="0"/>
+              <a:t>11</a:t>
+            </a:fld>
+            <a:endParaRPr lang="en-US"/>
+          </a:p>
+        </p:txBody>
+      </p:sp>
+    </p:spTree>
+    <p:extLst>
+      <p:ext uri="{BB962C8B-B14F-4D97-AF65-F5344CB8AC3E}">
+        <p14:creationId xmlns:p14="http://schemas.microsoft.com/office/powerpoint/2010/main" val="1872496350"/>
+      </p:ext>
+    </p:extLst>
+  </p:cSld>
+  <p:clrMapOvr>
+    <a:masterClrMapping/>
+  </p:clrMapOvr>
+</p:notes>
+</file>
+
+<file path=ppt/notesSlides/notesSlide8.xml><?xml version="1.0" encoding="utf-8"?>
+<p:notes xmlns:a="http://schemas.openxmlformats.org/drawingml/2006/main" xmlns:r="http://schemas.openxmlformats.org/officeDocument/2006/relationships" xmlns:p="http://schemas.openxmlformats.org/presentationml/2006/main">
+  <p:cSld>
+    <p:spTree>
+      <p:nvGrpSpPr>
+        <p:cNvPr id="1" name=""/>
+        <p:cNvGrpSpPr/>
+        <p:nvPr/>
+      </p:nvGrpSpPr>
+      <p:grpSpPr>
+        <a:xfrm>
+          <a:off x="0" y="0"/>
+          <a:ext cx="0" cy="0"/>
+          <a:chOff x="0" y="0"/>
+          <a:chExt cx="0" cy="0"/>
+        </a:xfrm>
+      </p:grpSpPr>
+      <p:sp>
+        <p:nvSpPr>
+          <p:cNvPr id="2" name="Slide Image Placeholder 1"/>
+          <p:cNvSpPr>
+            <a:spLocks noGrp="1" noRot="1" noChangeAspect="1"/>
+          </p:cNvSpPr>
+          <p:nvPr>
+            <p:ph type="sldImg"/>
+          </p:nvPr>
+        </p:nvSpPr>
+        <p:spPr/>
+      </p:sp>
+      <p:sp>
+        <p:nvSpPr>
+          <p:cNvPr id="3" name="Notes Placeholder 2"/>
+          <p:cNvSpPr>
+            <a:spLocks noGrp="1"/>
+          </p:cNvSpPr>
+          <p:nvPr>
+            <p:ph type="body" idx="1"/>
+          </p:nvPr>
+        </p:nvSpPr>
+        <p:spPr/>
+        <p:txBody>
+          <a:bodyPr/>
+          <a:lstStyle/>
+          <a:p>
+            <a:endParaRPr lang="en-US" dirty="0"/>
+          </a:p>
+        </p:txBody>
+      </p:sp>
+      <p:sp>
+        <p:nvSpPr>
+          <p:cNvPr id="4" name="Slide Number Placeholder 3"/>
+          <p:cNvSpPr>
+            <a:spLocks noGrp="1"/>
+          </p:cNvSpPr>
+          <p:nvPr>
+            <p:ph type="sldNum" sz="quarter" idx="5"/>
+          </p:nvPr>
+        </p:nvSpPr>
+        <p:spPr/>
+        <p:txBody>
+          <a:bodyPr/>
+          <a:lstStyle/>
+          <a:p>
+            <a:fld id="{1773E84B-E594-4DC7-9C67-2F5A45A50CE3}" type="slidenum">
+              <a:rPr lang="en-US" smtClean="0"/>
+              <a:t>12</a:t>
+            </a:fld>
+            <a:endParaRPr lang="en-US"/>
+          </a:p>
+        </p:txBody>
+      </p:sp>
+    </p:spTree>
+    <p:extLst>
+      <p:ext uri="{BB962C8B-B14F-4D97-AF65-F5344CB8AC3E}">
+        <p14:creationId xmlns:p14="http://schemas.microsoft.com/office/powerpoint/2010/main" val="4007336786"/>
+      </p:ext>
+    </p:extLst>
+  </p:cSld>
+  <p:clrMapOvr>
+    <a:masterClrMapping/>
+  </p:clrMapOvr>
+</p:notes>
+</file>
+
+<file path=ppt/notesSlides/notesSlide9.xml><?xml version="1.0" encoding="utf-8"?>
+<p:notes xmlns:a="http://schemas.openxmlformats.org/drawingml/2006/main" xmlns:r="http://schemas.openxmlformats.org/officeDocument/2006/relationships" xmlns:p="http://schemas.openxmlformats.org/presentationml/2006/main">
+  <p:cSld>
+    <p:spTree>
+      <p:nvGrpSpPr>
+        <p:cNvPr id="1" name=""/>
+        <p:cNvGrpSpPr/>
+        <p:nvPr/>
+      </p:nvGrpSpPr>
+      <p:grpSpPr>
+        <a:xfrm>
+          <a:off x="0" y="0"/>
+          <a:ext cx="0" cy="0"/>
+          <a:chOff x="0" y="0"/>
+          <a:chExt cx="0" cy="0"/>
+        </a:xfrm>
+      </p:grpSpPr>
+      <p:sp>
+        <p:nvSpPr>
+          <p:cNvPr id="2" name="Slide Image Placeholder 1"/>
+          <p:cNvSpPr>
+            <a:spLocks noGrp="1" noRot="1" noChangeAspect="1"/>
+          </p:cNvSpPr>
+          <p:nvPr>
+            <p:ph type="sldImg"/>
+          </p:nvPr>
+        </p:nvSpPr>
+        <p:spPr/>
+      </p:sp>
+      <p:sp>
+        <p:nvSpPr>
+          <p:cNvPr id="3" name="Notes Placeholder 2"/>
+          <p:cNvSpPr>
+            <a:spLocks noGrp="1"/>
+          </p:cNvSpPr>
+          <p:nvPr>
+            <p:ph type="body" idx="1"/>
+          </p:nvPr>
+        </p:nvSpPr>
+        <p:spPr/>
+        <p:txBody>
+          <a:bodyPr/>
+          <a:lstStyle/>
+          <a:p>
+            <a:endParaRPr lang="en-US" dirty="0"/>
+          </a:p>
+        </p:txBody>
+      </p:sp>
+      <p:sp>
+        <p:nvSpPr>
+          <p:cNvPr id="4" name="Slide Number Placeholder 3"/>
+          <p:cNvSpPr>
+            <a:spLocks noGrp="1"/>
+          </p:cNvSpPr>
+          <p:nvPr>
+            <p:ph type="sldNum" sz="quarter" idx="5"/>
+          </p:nvPr>
+        </p:nvSpPr>
+        <p:spPr/>
+        <p:txBody>
+          <a:bodyPr/>
+          <a:lstStyle/>
+          <a:p>
+            <a:fld id="{1773E84B-E594-4DC7-9C67-2F5A45A50CE3}" type="slidenum">
+              <a:rPr lang="en-US" smtClean="0"/>
+              <a:t>13</a:t>
+            </a:fld>
+            <a:endParaRPr lang="en-US"/>
+          </a:p>
+        </p:txBody>
+      </p:sp>
+    </p:spTree>
+    <p:extLst>
+      <p:ext uri="{BB962C8B-B14F-4D97-AF65-F5344CB8AC3E}">
+        <p14:creationId xmlns:p14="http://schemas.microsoft.com/office/powerpoint/2010/main" val="3077008789"/>
       </p:ext>
     </p:extLst>
   </p:cSld>
@@ -1210,7 +2400,7 @@
           <a:p>
             <a:fld id="{E7E98992-F9BC-4325-BDEC-D59B877EF259}" type="datetimeFigureOut">
               <a:rPr lang="en-US" smtClean="0"/>
-              <a:t>2/2/2023</a:t>
+              <a:t>2/3/2023</a:t>
             </a:fld>
             <a:endParaRPr lang="en-US"/>
           </a:p>
@@ -1389,7 +2579,7 @@
           <a:p>
             <a:fld id="{E7E98992-F9BC-4325-BDEC-D59B877EF259}" type="datetimeFigureOut">
               <a:rPr lang="en-US" smtClean="0"/>
-              <a:t>2/2/2023</a:t>
+              <a:t>2/3/2023</a:t>
             </a:fld>
             <a:endParaRPr lang="en-US"/>
           </a:p>
@@ -1569,7 +2759,7 @@
           <a:p>
             <a:fld id="{E7E98992-F9BC-4325-BDEC-D59B877EF259}" type="datetimeFigureOut">
               <a:rPr lang="en-US" smtClean="0"/>
-              <a:t>2/2/2023</a:t>
+              <a:t>2/3/2023</a:t>
             </a:fld>
             <a:endParaRPr lang="en-US"/>
           </a:p>
@@ -1739,7 +2929,7 @@
           <a:p>
             <a:fld id="{E7E98992-F9BC-4325-BDEC-D59B877EF259}" type="datetimeFigureOut">
               <a:rPr lang="en-US" smtClean="0"/>
-              <a:t>2/2/2023</a:t>
+              <a:t>2/3/2023</a:t>
             </a:fld>
             <a:endParaRPr lang="en-US"/>
           </a:p>
@@ -2052,7 +3242,7 @@
           <a:p>
             <a:fld id="{E7E98992-F9BC-4325-BDEC-D59B877EF259}" type="datetimeFigureOut">
               <a:rPr lang="en-US" smtClean="0"/>
-              <a:t>2/2/2023</a:t>
+              <a:t>2/3/2023</a:t>
             </a:fld>
             <a:endParaRPr lang="en-US"/>
           </a:p>
@@ -2438,7 +3628,7 @@
           <a:p>
             <a:fld id="{E7E98992-F9BC-4325-BDEC-D59B877EF259}" type="datetimeFigureOut">
               <a:rPr lang="en-US" smtClean="0"/>
-              <a:t>2/2/2023</a:t>
+              <a:t>2/3/2023</a:t>
             </a:fld>
             <a:endParaRPr lang="en-US"/>
           </a:p>
@@ -2872,7 +4062,7 @@
           <a:p>
             <a:fld id="{E7E98992-F9BC-4325-BDEC-D59B877EF259}" type="datetimeFigureOut">
               <a:rPr lang="en-US" smtClean="0"/>
-              <a:t>2/2/2023</a:t>
+              <a:t>2/3/2023</a:t>
             </a:fld>
             <a:endParaRPr lang="en-US"/>
           </a:p>
@@ -2990,7 +4180,7 @@
           <a:p>
             <a:fld id="{E7E98992-F9BC-4325-BDEC-D59B877EF259}" type="datetimeFigureOut">
               <a:rPr lang="en-US" smtClean="0"/>
-              <a:t>2/2/2023</a:t>
+              <a:t>2/3/2023</a:t>
             </a:fld>
             <a:endParaRPr lang="en-US"/>
           </a:p>
@@ -3085,7 +4275,7 @@
           <a:p>
             <a:fld id="{E7E98992-F9BC-4325-BDEC-D59B877EF259}" type="datetimeFigureOut">
               <a:rPr lang="en-US" smtClean="0"/>
-              <a:t>2/2/2023</a:t>
+              <a:t>2/3/2023</a:t>
             </a:fld>
             <a:endParaRPr lang="en-US"/>
           </a:p>
@@ -3435,7 +4625,7 @@
           <a:p>
             <a:fld id="{E7E98992-F9BC-4325-BDEC-D59B877EF259}" type="datetimeFigureOut">
               <a:rPr lang="en-US" smtClean="0"/>
-              <a:t>2/2/2023</a:t>
+              <a:t>2/3/2023</a:t>
             </a:fld>
             <a:endParaRPr lang="en-US"/>
           </a:p>
@@ -3860,7 +5050,7 @@
           <a:p>
             <a:fld id="{E7E98992-F9BC-4325-BDEC-D59B877EF259}" type="datetimeFigureOut">
               <a:rPr lang="en-US" smtClean="0"/>
-              <a:t>2/2/2023</a:t>
+              <a:t>2/3/2023</a:t>
             </a:fld>
             <a:endParaRPr lang="en-US"/>
           </a:p>
@@ -4141,7 +5331,7 @@
           <a:p>
             <a:fld id="{E7E98992-F9BC-4325-BDEC-D59B877EF259}" type="datetimeFigureOut">
               <a:rPr lang="en-US" smtClean="0"/>
-              <a:t>2/2/2023</a:t>
+              <a:t>2/3/2023</a:t>
             </a:fld>
             <a:endParaRPr lang="en-US"/>
           </a:p>
@@ -4843,6 +6033,4117 @@
 </p:sld>
 </file>
 
+<file path=ppt/slides/slide10.xml><?xml version="1.0" encoding="utf-8"?>
+<p:sld xmlns:a="http://schemas.openxmlformats.org/drawingml/2006/main" xmlns:r="http://schemas.openxmlformats.org/officeDocument/2006/relationships" xmlns:p="http://schemas.openxmlformats.org/presentationml/2006/main">
+  <p:cSld>
+    <p:spTree>
+      <p:nvGrpSpPr>
+        <p:cNvPr id="1" name=""/>
+        <p:cNvGrpSpPr/>
+        <p:nvPr/>
+      </p:nvGrpSpPr>
+      <p:grpSpPr>
+        <a:xfrm>
+          <a:off x="0" y="0"/>
+          <a:ext cx="0" cy="0"/>
+          <a:chOff x="0" y="0"/>
+          <a:chExt cx="0" cy="0"/>
+        </a:xfrm>
+      </p:grpSpPr>
+      <p:sp>
+        <p:nvSpPr>
+          <p:cNvPr id="2" name="Title 1">
+            <a:extLst>
+              <a:ext uri="{FF2B5EF4-FFF2-40B4-BE49-F238E27FC236}">
+                <a16:creationId xmlns:a16="http://schemas.microsoft.com/office/drawing/2014/main" id="{7F5DF0F3-1719-2780-C62C-9B940F424FBC}"/>
+              </a:ext>
+            </a:extLst>
+          </p:cNvPr>
+          <p:cNvSpPr>
+            <a:spLocks noGrp="1"/>
+          </p:cNvSpPr>
+          <p:nvPr>
+            <p:ph type="title"/>
+          </p:nvPr>
+        </p:nvSpPr>
+        <p:spPr/>
+        <p:txBody>
+          <a:bodyPr/>
+          <a:lstStyle/>
+          <a:p>
+            <a:r>
+              <a:rPr lang="en-US" dirty="0"/>
+              <a:t>Detecting Goal-post and Ball</a:t>
+            </a:r>
+          </a:p>
+        </p:txBody>
+      </p:sp>
+      <p:sp>
+        <p:nvSpPr>
+          <p:cNvPr id="3" name="Content Placeholder 2">
+            <a:extLst>
+              <a:ext uri="{FF2B5EF4-FFF2-40B4-BE49-F238E27FC236}">
+                <a16:creationId xmlns:a16="http://schemas.microsoft.com/office/drawing/2014/main" id="{25EC3A3A-EAF6-6E13-A57B-9EB5FD5E4832}"/>
+              </a:ext>
+            </a:extLst>
+          </p:cNvPr>
+          <p:cNvSpPr>
+            <a:spLocks noGrp="1"/>
+          </p:cNvSpPr>
+          <p:nvPr>
+            <p:ph idx="1"/>
+          </p:nvPr>
+        </p:nvSpPr>
+        <p:spPr>
+          <a:xfrm>
+            <a:off x="1063751" y="1972118"/>
+            <a:ext cx="9952591" cy="4401250"/>
+          </a:xfrm>
+        </p:spPr>
+        <p:txBody>
+          <a:bodyPr>
+            <a:normAutofit/>
+          </a:bodyPr>
+          <a:lstStyle/>
+          <a:p>
+            <a:r>
+              <a:rPr lang="en-US" dirty="0"/>
+              <a:t>The red robot can see an orange ball and a red goal-post through the camera</a:t>
+            </a:r>
+          </a:p>
+          <a:p>
+            <a:r>
+              <a:rPr lang="en-US" dirty="0"/>
+              <a:t>We need to detect the ball first</a:t>
+            </a:r>
+          </a:p>
+          <a:p>
+            <a:r>
+              <a:rPr lang="en-US" dirty="0"/>
+              <a:t>Then we need to detect the goal-post</a:t>
+            </a:r>
+          </a:p>
+          <a:p>
+            <a:r>
+              <a:rPr lang="en-US" dirty="0"/>
+              <a:t>Finally, we need to push the ball towards the goal-post</a:t>
+            </a:r>
+          </a:p>
+        </p:txBody>
+      </p:sp>
+    </p:spTree>
+    <p:extLst>
+      <p:ext uri="{BB962C8B-B14F-4D97-AF65-F5344CB8AC3E}">
+        <p14:creationId xmlns:p14="http://schemas.microsoft.com/office/powerpoint/2010/main" val="3603856400"/>
+      </p:ext>
+    </p:extLst>
+  </p:cSld>
+  <p:clrMapOvr>
+    <a:masterClrMapping/>
+  </p:clrMapOvr>
+</p:sld>
+</file>
+
+<file path=ppt/slides/slide11.xml><?xml version="1.0" encoding="utf-8"?>
+<p:sld xmlns:a="http://schemas.openxmlformats.org/drawingml/2006/main" xmlns:r="http://schemas.openxmlformats.org/officeDocument/2006/relationships" xmlns:p="http://schemas.openxmlformats.org/presentationml/2006/main">
+  <p:cSld>
+    <p:spTree>
+      <p:nvGrpSpPr>
+        <p:cNvPr id="1" name=""/>
+        <p:cNvGrpSpPr/>
+        <p:nvPr/>
+      </p:nvGrpSpPr>
+      <p:grpSpPr>
+        <a:xfrm>
+          <a:off x="0" y="0"/>
+          <a:ext cx="0" cy="0"/>
+          <a:chOff x="0" y="0"/>
+          <a:chExt cx="0" cy="0"/>
+        </a:xfrm>
+      </p:grpSpPr>
+      <p:sp>
+        <p:nvSpPr>
+          <p:cNvPr id="2" name="Title 1">
+            <a:extLst>
+              <a:ext uri="{FF2B5EF4-FFF2-40B4-BE49-F238E27FC236}">
+                <a16:creationId xmlns:a16="http://schemas.microsoft.com/office/drawing/2014/main" id="{230F044B-5842-499A-AE2D-91DF245AAF59}"/>
+              </a:ext>
+            </a:extLst>
+          </p:cNvPr>
+          <p:cNvSpPr>
+            <a:spLocks noGrp="1"/>
+          </p:cNvSpPr>
+          <p:nvPr>
+            <p:ph type="title"/>
+          </p:nvPr>
+        </p:nvSpPr>
+        <p:spPr/>
+        <p:txBody>
+          <a:bodyPr/>
+          <a:lstStyle/>
+          <a:p>
+            <a:r>
+              <a:rPr lang="en-US" dirty="0"/>
+              <a:t>Color Channels</a:t>
+            </a:r>
+          </a:p>
+        </p:txBody>
+      </p:sp>
+      <p:sp>
+        <p:nvSpPr>
+          <p:cNvPr id="3" name="Content Placeholder 2">
+            <a:extLst>
+              <a:ext uri="{FF2B5EF4-FFF2-40B4-BE49-F238E27FC236}">
+                <a16:creationId xmlns:a16="http://schemas.microsoft.com/office/drawing/2014/main" id="{1F08A432-1AE6-1381-8CC4-5EE5C502051D}"/>
+              </a:ext>
+            </a:extLst>
+          </p:cNvPr>
+          <p:cNvSpPr>
+            <a:spLocks noGrp="1"/>
+          </p:cNvSpPr>
+          <p:nvPr>
+            <p:ph idx="1"/>
+          </p:nvPr>
+        </p:nvSpPr>
+        <p:spPr/>
+        <p:txBody>
+          <a:bodyPr/>
+          <a:lstStyle/>
+          <a:p>
+            <a:r>
+              <a:rPr lang="en-US" dirty="0"/>
+              <a:t>RGB images have 3 color channels – Red, Green and Blue</a:t>
+            </a:r>
+          </a:p>
+          <a:p>
+            <a:r>
+              <a:rPr lang="en-US" dirty="0"/>
+              <a:t>Images are represented as 3 layers of 2D arrays</a:t>
+            </a:r>
+          </a:p>
+          <a:p>
+            <a:r>
+              <a:rPr lang="en-US" dirty="0"/>
+              <a:t>In each channel, higher color intensity appears bright</a:t>
+            </a:r>
+          </a:p>
+          <a:p>
+            <a:endParaRPr lang="en-US" dirty="0"/>
+          </a:p>
+        </p:txBody>
+      </p:sp>
+      <p:sp>
+        <p:nvSpPr>
+          <p:cNvPr id="4" name="Rectangle 3">
+            <a:extLst>
+              <a:ext uri="{FF2B5EF4-FFF2-40B4-BE49-F238E27FC236}">
+                <a16:creationId xmlns:a16="http://schemas.microsoft.com/office/drawing/2014/main" id="{6CCAA993-A892-1611-0087-CC272D9B4944}"/>
+              </a:ext>
+            </a:extLst>
+          </p:cNvPr>
+          <p:cNvSpPr/>
+          <p:nvPr/>
+        </p:nvSpPr>
+        <p:spPr>
+          <a:xfrm>
+            <a:off x="9288379" y="381000"/>
+            <a:ext cx="1241659" cy="1190164"/>
+          </a:xfrm>
+          <a:prstGeom prst="rect">
+            <a:avLst/>
+          </a:prstGeom>
+          <a:solidFill>
+            <a:srgbClr val="FF0000"/>
+          </a:solidFill>
+          <a:ln>
+            <a:noFill/>
+          </a:ln>
+        </p:spPr>
+        <p:style>
+          <a:lnRef idx="2">
+            <a:schemeClr val="accent1">
+              <a:shade val="50000"/>
+            </a:schemeClr>
+          </a:lnRef>
+          <a:fillRef idx="1">
+            <a:schemeClr val="accent1"/>
+          </a:fillRef>
+          <a:effectRef idx="0">
+            <a:schemeClr val="accent1"/>
+          </a:effectRef>
+          <a:fontRef idx="minor">
+            <a:schemeClr val="lt1"/>
+          </a:fontRef>
+        </p:style>
+        <p:txBody>
+          <a:bodyPr rtlCol="0" anchor="ctr"/>
+          <a:lstStyle/>
+          <a:p>
+            <a:pPr algn="ctr"/>
+            <a:endParaRPr lang="en-US"/>
+          </a:p>
+        </p:txBody>
+      </p:sp>
+      <p:sp>
+        <p:nvSpPr>
+          <p:cNvPr id="6" name="Rectangle 5">
+            <a:extLst>
+              <a:ext uri="{FF2B5EF4-FFF2-40B4-BE49-F238E27FC236}">
+                <a16:creationId xmlns:a16="http://schemas.microsoft.com/office/drawing/2014/main" id="{2393BED4-1EAA-EADA-EDD9-74FB97A04EFA}"/>
+              </a:ext>
+            </a:extLst>
+          </p:cNvPr>
+          <p:cNvSpPr/>
+          <p:nvPr/>
+        </p:nvSpPr>
+        <p:spPr>
+          <a:xfrm>
+            <a:off x="9440779" y="533400"/>
+            <a:ext cx="1241659" cy="1190164"/>
+          </a:xfrm>
+          <a:prstGeom prst="rect">
+            <a:avLst/>
+          </a:prstGeom>
+          <a:solidFill>
+            <a:srgbClr val="00B050"/>
+          </a:solidFill>
+          <a:ln>
+            <a:noFill/>
+          </a:ln>
+        </p:spPr>
+        <p:style>
+          <a:lnRef idx="2">
+            <a:schemeClr val="accent1">
+              <a:shade val="50000"/>
+            </a:schemeClr>
+          </a:lnRef>
+          <a:fillRef idx="1">
+            <a:schemeClr val="accent1"/>
+          </a:fillRef>
+          <a:effectRef idx="0">
+            <a:schemeClr val="accent1"/>
+          </a:effectRef>
+          <a:fontRef idx="minor">
+            <a:schemeClr val="lt1"/>
+          </a:fontRef>
+        </p:style>
+        <p:txBody>
+          <a:bodyPr rtlCol="0" anchor="ctr"/>
+          <a:lstStyle/>
+          <a:p>
+            <a:pPr algn="ctr"/>
+            <a:endParaRPr lang="en-US"/>
+          </a:p>
+        </p:txBody>
+      </p:sp>
+      <p:sp>
+        <p:nvSpPr>
+          <p:cNvPr id="7" name="Rectangle 6">
+            <a:extLst>
+              <a:ext uri="{FF2B5EF4-FFF2-40B4-BE49-F238E27FC236}">
+                <a16:creationId xmlns:a16="http://schemas.microsoft.com/office/drawing/2014/main" id="{3757B390-B349-2A24-32DF-1EA2A6FB516A}"/>
+              </a:ext>
+            </a:extLst>
+          </p:cNvPr>
+          <p:cNvSpPr/>
+          <p:nvPr/>
+        </p:nvSpPr>
+        <p:spPr>
+          <a:xfrm>
+            <a:off x="9593179" y="685800"/>
+            <a:ext cx="1241659" cy="1190164"/>
+          </a:xfrm>
+          <a:prstGeom prst="rect">
+            <a:avLst/>
+          </a:prstGeom>
+          <a:solidFill>
+            <a:srgbClr val="0070C0"/>
+          </a:solidFill>
+          <a:ln>
+            <a:noFill/>
+          </a:ln>
+        </p:spPr>
+        <p:style>
+          <a:lnRef idx="2">
+            <a:schemeClr val="accent1">
+              <a:shade val="50000"/>
+            </a:schemeClr>
+          </a:lnRef>
+          <a:fillRef idx="1">
+            <a:schemeClr val="accent1"/>
+          </a:fillRef>
+          <a:effectRef idx="0">
+            <a:schemeClr val="accent1"/>
+          </a:effectRef>
+          <a:fontRef idx="minor">
+            <a:schemeClr val="lt1"/>
+          </a:fontRef>
+        </p:style>
+        <p:txBody>
+          <a:bodyPr rtlCol="0" anchor="ctr"/>
+          <a:lstStyle/>
+          <a:p>
+            <a:pPr algn="ctr"/>
+            <a:endParaRPr lang="en-US"/>
+          </a:p>
+        </p:txBody>
+      </p:sp>
+      <p:sp>
+        <p:nvSpPr>
+          <p:cNvPr id="9" name="TextBox 8">
+            <a:extLst>
+              <a:ext uri="{FF2B5EF4-FFF2-40B4-BE49-F238E27FC236}">
+                <a16:creationId xmlns:a16="http://schemas.microsoft.com/office/drawing/2014/main" id="{F17977DB-1606-47BE-14DB-9BCE3414A7C0}"/>
+              </a:ext>
+            </a:extLst>
+          </p:cNvPr>
+          <p:cNvSpPr txBox="1"/>
+          <p:nvPr/>
+        </p:nvSpPr>
+        <p:spPr>
+          <a:xfrm>
+            <a:off x="10682438" y="1128482"/>
+            <a:ext cx="1340318" cy="369332"/>
+          </a:xfrm>
+          <a:prstGeom prst="rect">
+            <a:avLst/>
+          </a:prstGeom>
+          <a:noFill/>
+        </p:spPr>
+        <p:txBody>
+          <a:bodyPr wrap="square">
+            <a:spAutoFit/>
+          </a:bodyPr>
+          <a:lstStyle/>
+          <a:p>
+            <a:pPr algn="ctr"/>
+            <a:r>
+              <a:rPr lang="en-US"/>
+              <a:t>Height</a:t>
+            </a:r>
+            <a:endParaRPr lang="en-US" dirty="0"/>
+          </a:p>
+        </p:txBody>
+      </p:sp>
+      <p:sp>
+        <p:nvSpPr>
+          <p:cNvPr id="11" name="TextBox 10">
+            <a:extLst>
+              <a:ext uri="{FF2B5EF4-FFF2-40B4-BE49-F238E27FC236}">
+                <a16:creationId xmlns:a16="http://schemas.microsoft.com/office/drawing/2014/main" id="{A40731FE-F488-556B-50AE-234045A93DAC}"/>
+              </a:ext>
+            </a:extLst>
+          </p:cNvPr>
+          <p:cNvSpPr txBox="1"/>
+          <p:nvPr/>
+        </p:nvSpPr>
+        <p:spPr>
+          <a:xfrm>
+            <a:off x="9593179" y="2013846"/>
+            <a:ext cx="1089259" cy="369332"/>
+          </a:xfrm>
+          <a:prstGeom prst="rect">
+            <a:avLst/>
+          </a:prstGeom>
+          <a:noFill/>
+        </p:spPr>
+        <p:txBody>
+          <a:bodyPr wrap="square">
+            <a:spAutoFit/>
+          </a:bodyPr>
+          <a:lstStyle/>
+          <a:p>
+            <a:pPr algn="ctr"/>
+            <a:r>
+              <a:rPr lang="en-US" dirty="0"/>
+              <a:t>Width</a:t>
+            </a:r>
+          </a:p>
+        </p:txBody>
+      </p:sp>
+      <p:pic>
+        <p:nvPicPr>
+          <p:cNvPr id="13" name="Picture 12">
+            <a:extLst>
+              <a:ext uri="{FF2B5EF4-FFF2-40B4-BE49-F238E27FC236}">
+                <a16:creationId xmlns:a16="http://schemas.microsoft.com/office/drawing/2014/main" id="{7F913DFB-632A-C70C-DC93-81D58BE951DE}"/>
+              </a:ext>
+            </a:extLst>
+          </p:cNvPr>
+          <p:cNvPicPr>
+            <a:picLocks noChangeAspect="1"/>
+          </p:cNvPicPr>
+          <p:nvPr/>
+        </p:nvPicPr>
+        <p:blipFill>
+          <a:blip r:embed="rId3" cstate="print">
+            <a:extLst>
+              <a:ext uri="{28A0092B-C50C-407E-A947-70E740481C1C}">
+                <a14:useLocalDpi xmlns:a14="http://schemas.microsoft.com/office/drawing/2010/main" val="0"/>
+              </a:ext>
+            </a:extLst>
+          </a:blip>
+          <a:stretch>
+            <a:fillRect/>
+          </a:stretch>
+        </p:blipFill>
+        <p:spPr>
+          <a:xfrm>
+            <a:off x="1069848" y="3636214"/>
+            <a:ext cx="2895784" cy="2160000"/>
+          </a:xfrm>
+          <a:prstGeom prst="rect">
+            <a:avLst/>
+          </a:prstGeom>
+        </p:spPr>
+      </p:pic>
+      <p:pic>
+        <p:nvPicPr>
+          <p:cNvPr id="15" name="Picture 14">
+            <a:extLst>
+              <a:ext uri="{FF2B5EF4-FFF2-40B4-BE49-F238E27FC236}">
+                <a16:creationId xmlns:a16="http://schemas.microsoft.com/office/drawing/2014/main" id="{C7E59691-47DA-E9B3-33E5-B7B211A0B687}"/>
+              </a:ext>
+            </a:extLst>
+          </p:cNvPr>
+          <p:cNvPicPr>
+            <a:picLocks noChangeAspect="1"/>
+          </p:cNvPicPr>
+          <p:nvPr/>
+        </p:nvPicPr>
+        <p:blipFill>
+          <a:blip r:embed="rId4" cstate="print">
+            <a:extLst>
+              <a:ext uri="{28A0092B-C50C-407E-A947-70E740481C1C}">
+                <a14:useLocalDpi xmlns:a14="http://schemas.microsoft.com/office/drawing/2010/main" val="0"/>
+              </a:ext>
+            </a:extLst>
+          </a:blip>
+          <a:stretch>
+            <a:fillRect/>
+          </a:stretch>
+        </p:blipFill>
+        <p:spPr>
+          <a:xfrm>
+            <a:off x="4648108" y="3636214"/>
+            <a:ext cx="2895784" cy="2160000"/>
+          </a:xfrm>
+          <a:prstGeom prst="rect">
+            <a:avLst/>
+          </a:prstGeom>
+        </p:spPr>
+      </p:pic>
+      <p:pic>
+        <p:nvPicPr>
+          <p:cNvPr id="17" name="Picture 16">
+            <a:extLst>
+              <a:ext uri="{FF2B5EF4-FFF2-40B4-BE49-F238E27FC236}">
+                <a16:creationId xmlns:a16="http://schemas.microsoft.com/office/drawing/2014/main" id="{90B02E51-443F-099D-496A-6238CD84CCDE}"/>
+              </a:ext>
+            </a:extLst>
+          </p:cNvPr>
+          <p:cNvPicPr>
+            <a:picLocks noChangeAspect="1"/>
+          </p:cNvPicPr>
+          <p:nvPr/>
+        </p:nvPicPr>
+        <p:blipFill>
+          <a:blip r:embed="rId5" cstate="print">
+            <a:extLst>
+              <a:ext uri="{28A0092B-C50C-407E-A947-70E740481C1C}">
+                <a14:useLocalDpi xmlns:a14="http://schemas.microsoft.com/office/drawing/2010/main" val="0"/>
+              </a:ext>
+            </a:extLst>
+          </a:blip>
+          <a:stretch>
+            <a:fillRect/>
+          </a:stretch>
+        </p:blipFill>
+        <p:spPr>
+          <a:xfrm>
+            <a:off x="8226368" y="3636214"/>
+            <a:ext cx="2895784" cy="2160000"/>
+          </a:xfrm>
+          <a:prstGeom prst="rect">
+            <a:avLst/>
+          </a:prstGeom>
+        </p:spPr>
+      </p:pic>
+      <p:sp>
+        <p:nvSpPr>
+          <p:cNvPr id="18" name="TextBox 17">
+            <a:extLst>
+              <a:ext uri="{FF2B5EF4-FFF2-40B4-BE49-F238E27FC236}">
+                <a16:creationId xmlns:a16="http://schemas.microsoft.com/office/drawing/2014/main" id="{0C7FFE07-5A24-79B3-F715-08C942443F42}"/>
+              </a:ext>
+            </a:extLst>
+          </p:cNvPr>
+          <p:cNvSpPr txBox="1"/>
+          <p:nvPr/>
+        </p:nvSpPr>
+        <p:spPr>
+          <a:xfrm>
+            <a:off x="1468586" y="5987534"/>
+            <a:ext cx="2098308" cy="369332"/>
+          </a:xfrm>
+          <a:prstGeom prst="rect">
+            <a:avLst/>
+          </a:prstGeom>
+          <a:noFill/>
+        </p:spPr>
+        <p:txBody>
+          <a:bodyPr wrap="square">
+            <a:spAutoFit/>
+          </a:bodyPr>
+          <a:lstStyle/>
+          <a:p>
+            <a:pPr algn="ctr"/>
+            <a:r>
+              <a:rPr lang="en-US" dirty="0"/>
+              <a:t>Blue Channel</a:t>
+            </a:r>
+          </a:p>
+        </p:txBody>
+      </p:sp>
+      <p:sp>
+        <p:nvSpPr>
+          <p:cNvPr id="19" name="TextBox 18">
+            <a:extLst>
+              <a:ext uri="{FF2B5EF4-FFF2-40B4-BE49-F238E27FC236}">
+                <a16:creationId xmlns:a16="http://schemas.microsoft.com/office/drawing/2014/main" id="{E0706D4D-125D-FAC5-0128-289CEB3C3EDF}"/>
+              </a:ext>
+            </a:extLst>
+          </p:cNvPr>
+          <p:cNvSpPr txBox="1"/>
+          <p:nvPr/>
+        </p:nvSpPr>
+        <p:spPr>
+          <a:xfrm>
+            <a:off x="5046846" y="5987534"/>
+            <a:ext cx="2098308" cy="369332"/>
+          </a:xfrm>
+          <a:prstGeom prst="rect">
+            <a:avLst/>
+          </a:prstGeom>
+          <a:noFill/>
+        </p:spPr>
+        <p:txBody>
+          <a:bodyPr wrap="square">
+            <a:spAutoFit/>
+          </a:bodyPr>
+          <a:lstStyle/>
+          <a:p>
+            <a:pPr algn="ctr"/>
+            <a:r>
+              <a:rPr lang="en-US" dirty="0"/>
+              <a:t>Green Channel</a:t>
+            </a:r>
+          </a:p>
+        </p:txBody>
+      </p:sp>
+      <p:sp>
+        <p:nvSpPr>
+          <p:cNvPr id="20" name="TextBox 19">
+            <a:extLst>
+              <a:ext uri="{FF2B5EF4-FFF2-40B4-BE49-F238E27FC236}">
+                <a16:creationId xmlns:a16="http://schemas.microsoft.com/office/drawing/2014/main" id="{E95247CC-B1D2-A9C9-5E30-35701A3D678A}"/>
+              </a:ext>
+            </a:extLst>
+          </p:cNvPr>
+          <p:cNvSpPr txBox="1"/>
+          <p:nvPr/>
+        </p:nvSpPr>
+        <p:spPr>
+          <a:xfrm>
+            <a:off x="8860054" y="5987534"/>
+            <a:ext cx="2098308" cy="369332"/>
+          </a:xfrm>
+          <a:prstGeom prst="rect">
+            <a:avLst/>
+          </a:prstGeom>
+          <a:noFill/>
+        </p:spPr>
+        <p:txBody>
+          <a:bodyPr wrap="square">
+            <a:spAutoFit/>
+          </a:bodyPr>
+          <a:lstStyle/>
+          <a:p>
+            <a:pPr algn="ctr"/>
+            <a:r>
+              <a:rPr lang="en-US" dirty="0"/>
+              <a:t>Red Channel</a:t>
+            </a:r>
+          </a:p>
+        </p:txBody>
+      </p:sp>
+    </p:spTree>
+    <p:extLst>
+      <p:ext uri="{BB962C8B-B14F-4D97-AF65-F5344CB8AC3E}">
+        <p14:creationId xmlns:p14="http://schemas.microsoft.com/office/powerpoint/2010/main" val="1989352150"/>
+      </p:ext>
+    </p:extLst>
+  </p:cSld>
+  <p:clrMapOvr>
+    <a:masterClrMapping/>
+  </p:clrMapOvr>
+</p:sld>
+</file>
+
+<file path=ppt/slides/slide12.xml><?xml version="1.0" encoding="utf-8"?>
+<p:sld xmlns:a="http://schemas.openxmlformats.org/drawingml/2006/main" xmlns:r="http://schemas.openxmlformats.org/officeDocument/2006/relationships" xmlns:p="http://schemas.openxmlformats.org/presentationml/2006/main">
+  <p:cSld>
+    <p:spTree>
+      <p:nvGrpSpPr>
+        <p:cNvPr id="1" name=""/>
+        <p:cNvGrpSpPr/>
+        <p:nvPr/>
+      </p:nvGrpSpPr>
+      <p:grpSpPr>
+        <a:xfrm>
+          <a:off x="0" y="0"/>
+          <a:ext cx="0" cy="0"/>
+          <a:chOff x="0" y="0"/>
+          <a:chExt cx="0" cy="0"/>
+        </a:xfrm>
+      </p:grpSpPr>
+      <p:sp>
+        <p:nvSpPr>
+          <p:cNvPr id="2" name="Title 1">
+            <a:extLst>
+              <a:ext uri="{FF2B5EF4-FFF2-40B4-BE49-F238E27FC236}">
+                <a16:creationId xmlns:a16="http://schemas.microsoft.com/office/drawing/2014/main" id="{230F044B-5842-499A-AE2D-91DF245AAF59}"/>
+              </a:ext>
+            </a:extLst>
+          </p:cNvPr>
+          <p:cNvSpPr>
+            <a:spLocks noGrp="1"/>
+          </p:cNvSpPr>
+          <p:nvPr>
+            <p:ph type="title"/>
+          </p:nvPr>
+        </p:nvSpPr>
+        <p:spPr/>
+        <p:txBody>
+          <a:bodyPr/>
+          <a:lstStyle/>
+          <a:p>
+            <a:r>
+              <a:rPr lang="en-US" dirty="0"/>
+              <a:t>Color Channels</a:t>
+            </a:r>
+          </a:p>
+        </p:txBody>
+      </p:sp>
+      <p:sp>
+        <p:nvSpPr>
+          <p:cNvPr id="3" name="Content Placeholder 2">
+            <a:extLst>
+              <a:ext uri="{FF2B5EF4-FFF2-40B4-BE49-F238E27FC236}">
+                <a16:creationId xmlns:a16="http://schemas.microsoft.com/office/drawing/2014/main" id="{1F08A432-1AE6-1381-8CC4-5EE5C502051D}"/>
+              </a:ext>
+            </a:extLst>
+          </p:cNvPr>
+          <p:cNvSpPr>
+            <a:spLocks noGrp="1"/>
+          </p:cNvSpPr>
+          <p:nvPr>
+            <p:ph idx="1"/>
+          </p:nvPr>
+        </p:nvSpPr>
+        <p:spPr/>
+        <p:txBody>
+          <a:bodyPr/>
+          <a:lstStyle/>
+          <a:p>
+            <a:r>
+              <a:rPr lang="en-US" dirty="0"/>
+              <a:t>Blue opponent appears brighter in the blue image</a:t>
+            </a:r>
+          </a:p>
+          <a:p>
+            <a:r>
+              <a:rPr lang="en-US" dirty="0"/>
+              <a:t>The orange ball appears brighter in the red channel</a:t>
+            </a:r>
+          </a:p>
+          <a:p>
+            <a:r>
+              <a:rPr lang="en-US" dirty="0"/>
+              <a:t>White walls appear brighter in all 3 channels</a:t>
+            </a:r>
+          </a:p>
+          <a:p>
+            <a:endParaRPr lang="en-US" dirty="0"/>
+          </a:p>
+        </p:txBody>
+      </p:sp>
+      <p:pic>
+        <p:nvPicPr>
+          <p:cNvPr id="13" name="Picture 12">
+            <a:extLst>
+              <a:ext uri="{FF2B5EF4-FFF2-40B4-BE49-F238E27FC236}">
+                <a16:creationId xmlns:a16="http://schemas.microsoft.com/office/drawing/2014/main" id="{7F913DFB-632A-C70C-DC93-81D58BE951DE}"/>
+              </a:ext>
+            </a:extLst>
+          </p:cNvPr>
+          <p:cNvPicPr>
+            <a:picLocks noChangeAspect="1"/>
+          </p:cNvPicPr>
+          <p:nvPr/>
+        </p:nvPicPr>
+        <p:blipFill>
+          <a:blip r:embed="rId3" cstate="print">
+            <a:extLst>
+              <a:ext uri="{28A0092B-C50C-407E-A947-70E740481C1C}">
+                <a14:useLocalDpi xmlns:a14="http://schemas.microsoft.com/office/drawing/2010/main" val="0"/>
+              </a:ext>
+            </a:extLst>
+          </a:blip>
+          <a:stretch>
+            <a:fillRect/>
+          </a:stretch>
+        </p:blipFill>
+        <p:spPr>
+          <a:xfrm>
+            <a:off x="1069848" y="3636214"/>
+            <a:ext cx="2895784" cy="2160000"/>
+          </a:xfrm>
+          <a:prstGeom prst="rect">
+            <a:avLst/>
+          </a:prstGeom>
+        </p:spPr>
+      </p:pic>
+      <p:pic>
+        <p:nvPicPr>
+          <p:cNvPr id="15" name="Picture 14">
+            <a:extLst>
+              <a:ext uri="{FF2B5EF4-FFF2-40B4-BE49-F238E27FC236}">
+                <a16:creationId xmlns:a16="http://schemas.microsoft.com/office/drawing/2014/main" id="{C7E59691-47DA-E9B3-33E5-B7B211A0B687}"/>
+              </a:ext>
+            </a:extLst>
+          </p:cNvPr>
+          <p:cNvPicPr>
+            <a:picLocks noChangeAspect="1"/>
+          </p:cNvPicPr>
+          <p:nvPr/>
+        </p:nvPicPr>
+        <p:blipFill>
+          <a:blip r:embed="rId4" cstate="print">
+            <a:extLst>
+              <a:ext uri="{28A0092B-C50C-407E-A947-70E740481C1C}">
+                <a14:useLocalDpi xmlns:a14="http://schemas.microsoft.com/office/drawing/2010/main" val="0"/>
+              </a:ext>
+            </a:extLst>
+          </a:blip>
+          <a:stretch>
+            <a:fillRect/>
+          </a:stretch>
+        </p:blipFill>
+        <p:spPr>
+          <a:xfrm>
+            <a:off x="4648108" y="3636214"/>
+            <a:ext cx="2895784" cy="2160000"/>
+          </a:xfrm>
+          <a:prstGeom prst="rect">
+            <a:avLst/>
+          </a:prstGeom>
+        </p:spPr>
+      </p:pic>
+      <p:pic>
+        <p:nvPicPr>
+          <p:cNvPr id="17" name="Picture 16">
+            <a:extLst>
+              <a:ext uri="{FF2B5EF4-FFF2-40B4-BE49-F238E27FC236}">
+                <a16:creationId xmlns:a16="http://schemas.microsoft.com/office/drawing/2014/main" id="{90B02E51-443F-099D-496A-6238CD84CCDE}"/>
+              </a:ext>
+            </a:extLst>
+          </p:cNvPr>
+          <p:cNvPicPr>
+            <a:picLocks noChangeAspect="1"/>
+          </p:cNvPicPr>
+          <p:nvPr/>
+        </p:nvPicPr>
+        <p:blipFill>
+          <a:blip r:embed="rId5" cstate="print">
+            <a:extLst>
+              <a:ext uri="{28A0092B-C50C-407E-A947-70E740481C1C}">
+                <a14:useLocalDpi xmlns:a14="http://schemas.microsoft.com/office/drawing/2010/main" val="0"/>
+              </a:ext>
+            </a:extLst>
+          </a:blip>
+          <a:stretch>
+            <a:fillRect/>
+          </a:stretch>
+        </p:blipFill>
+        <p:spPr>
+          <a:xfrm>
+            <a:off x="8226368" y="3636214"/>
+            <a:ext cx="2895784" cy="2160000"/>
+          </a:xfrm>
+          <a:prstGeom prst="rect">
+            <a:avLst/>
+          </a:prstGeom>
+        </p:spPr>
+      </p:pic>
+      <p:sp>
+        <p:nvSpPr>
+          <p:cNvPr id="18" name="TextBox 17">
+            <a:extLst>
+              <a:ext uri="{FF2B5EF4-FFF2-40B4-BE49-F238E27FC236}">
+                <a16:creationId xmlns:a16="http://schemas.microsoft.com/office/drawing/2014/main" id="{0C7FFE07-5A24-79B3-F715-08C942443F42}"/>
+              </a:ext>
+            </a:extLst>
+          </p:cNvPr>
+          <p:cNvSpPr txBox="1"/>
+          <p:nvPr/>
+        </p:nvSpPr>
+        <p:spPr>
+          <a:xfrm>
+            <a:off x="1468586" y="5987534"/>
+            <a:ext cx="2098308" cy="369332"/>
+          </a:xfrm>
+          <a:prstGeom prst="rect">
+            <a:avLst/>
+          </a:prstGeom>
+          <a:noFill/>
+        </p:spPr>
+        <p:txBody>
+          <a:bodyPr wrap="square">
+            <a:spAutoFit/>
+          </a:bodyPr>
+          <a:lstStyle/>
+          <a:p>
+            <a:pPr algn="ctr"/>
+            <a:r>
+              <a:rPr lang="en-US" dirty="0"/>
+              <a:t>Blue Channel</a:t>
+            </a:r>
+          </a:p>
+        </p:txBody>
+      </p:sp>
+      <p:sp>
+        <p:nvSpPr>
+          <p:cNvPr id="19" name="TextBox 18">
+            <a:extLst>
+              <a:ext uri="{FF2B5EF4-FFF2-40B4-BE49-F238E27FC236}">
+                <a16:creationId xmlns:a16="http://schemas.microsoft.com/office/drawing/2014/main" id="{E0706D4D-125D-FAC5-0128-289CEB3C3EDF}"/>
+              </a:ext>
+            </a:extLst>
+          </p:cNvPr>
+          <p:cNvSpPr txBox="1"/>
+          <p:nvPr/>
+        </p:nvSpPr>
+        <p:spPr>
+          <a:xfrm>
+            <a:off x="5046846" y="5987534"/>
+            <a:ext cx="2098308" cy="369332"/>
+          </a:xfrm>
+          <a:prstGeom prst="rect">
+            <a:avLst/>
+          </a:prstGeom>
+          <a:noFill/>
+        </p:spPr>
+        <p:txBody>
+          <a:bodyPr wrap="square">
+            <a:spAutoFit/>
+          </a:bodyPr>
+          <a:lstStyle/>
+          <a:p>
+            <a:pPr algn="ctr"/>
+            <a:r>
+              <a:rPr lang="en-US" dirty="0"/>
+              <a:t>Green Channel</a:t>
+            </a:r>
+          </a:p>
+        </p:txBody>
+      </p:sp>
+      <p:sp>
+        <p:nvSpPr>
+          <p:cNvPr id="20" name="TextBox 19">
+            <a:extLst>
+              <a:ext uri="{FF2B5EF4-FFF2-40B4-BE49-F238E27FC236}">
+                <a16:creationId xmlns:a16="http://schemas.microsoft.com/office/drawing/2014/main" id="{E95247CC-B1D2-A9C9-5E30-35701A3D678A}"/>
+              </a:ext>
+            </a:extLst>
+          </p:cNvPr>
+          <p:cNvSpPr txBox="1"/>
+          <p:nvPr/>
+        </p:nvSpPr>
+        <p:spPr>
+          <a:xfrm>
+            <a:off x="8860054" y="5987534"/>
+            <a:ext cx="2098308" cy="369332"/>
+          </a:xfrm>
+          <a:prstGeom prst="rect">
+            <a:avLst/>
+          </a:prstGeom>
+          <a:noFill/>
+        </p:spPr>
+        <p:txBody>
+          <a:bodyPr wrap="square">
+            <a:spAutoFit/>
+          </a:bodyPr>
+          <a:lstStyle/>
+          <a:p>
+            <a:pPr algn="ctr"/>
+            <a:r>
+              <a:rPr lang="en-US" dirty="0"/>
+              <a:t>Red Channel</a:t>
+            </a:r>
+          </a:p>
+        </p:txBody>
+      </p:sp>
+      <p:pic>
+        <p:nvPicPr>
+          <p:cNvPr id="5" name="Content Placeholder 4">
+            <a:extLst>
+              <a:ext uri="{FF2B5EF4-FFF2-40B4-BE49-F238E27FC236}">
+                <a16:creationId xmlns:a16="http://schemas.microsoft.com/office/drawing/2014/main" id="{52609E75-2613-B0B1-EEDD-2114CFBC0ED8}"/>
+              </a:ext>
+            </a:extLst>
+          </p:cNvPr>
+          <p:cNvPicPr>
+            <a:picLocks noChangeAspect="1"/>
+          </p:cNvPicPr>
+          <p:nvPr/>
+        </p:nvPicPr>
+        <p:blipFill>
+          <a:blip r:embed="rId6"/>
+          <a:stretch>
+            <a:fillRect/>
+          </a:stretch>
+        </p:blipFill>
+        <p:spPr>
+          <a:xfrm>
+            <a:off x="8226368" y="932147"/>
+            <a:ext cx="2894472" cy="2160000"/>
+          </a:xfrm>
+          <a:prstGeom prst="rect">
+            <a:avLst/>
+          </a:prstGeom>
+        </p:spPr>
+      </p:pic>
+    </p:spTree>
+    <p:extLst>
+      <p:ext uri="{BB962C8B-B14F-4D97-AF65-F5344CB8AC3E}">
+        <p14:creationId xmlns:p14="http://schemas.microsoft.com/office/powerpoint/2010/main" val="910605819"/>
+      </p:ext>
+    </p:extLst>
+  </p:cSld>
+  <p:clrMapOvr>
+    <a:masterClrMapping/>
+  </p:clrMapOvr>
+</p:sld>
+</file>
+
+<file path=ppt/slides/slide13.xml><?xml version="1.0" encoding="utf-8"?>
+<p:sld xmlns:a="http://schemas.openxmlformats.org/drawingml/2006/main" xmlns:r="http://schemas.openxmlformats.org/officeDocument/2006/relationships" xmlns:p="http://schemas.openxmlformats.org/presentationml/2006/main">
+  <p:cSld>
+    <p:spTree>
+      <p:nvGrpSpPr>
+        <p:cNvPr id="1" name=""/>
+        <p:cNvGrpSpPr/>
+        <p:nvPr/>
+      </p:nvGrpSpPr>
+      <p:grpSpPr>
+        <a:xfrm>
+          <a:off x="0" y="0"/>
+          <a:ext cx="0" cy="0"/>
+          <a:chOff x="0" y="0"/>
+          <a:chExt cx="0" cy="0"/>
+        </a:xfrm>
+      </p:grpSpPr>
+      <p:sp>
+        <p:nvSpPr>
+          <p:cNvPr id="2" name="Title 1">
+            <a:extLst>
+              <a:ext uri="{FF2B5EF4-FFF2-40B4-BE49-F238E27FC236}">
+                <a16:creationId xmlns:a16="http://schemas.microsoft.com/office/drawing/2014/main" id="{230F044B-5842-499A-AE2D-91DF245AAF59}"/>
+              </a:ext>
+            </a:extLst>
+          </p:cNvPr>
+          <p:cNvSpPr>
+            <a:spLocks noGrp="1"/>
+          </p:cNvSpPr>
+          <p:nvPr>
+            <p:ph type="title"/>
+          </p:nvPr>
+        </p:nvSpPr>
+        <p:spPr/>
+        <p:txBody>
+          <a:bodyPr/>
+          <a:lstStyle/>
+          <a:p>
+            <a:r>
+              <a:rPr lang="en-US" dirty="0"/>
+              <a:t>RGB and HSV space</a:t>
+            </a:r>
+          </a:p>
+        </p:txBody>
+      </p:sp>
+      <p:sp>
+        <p:nvSpPr>
+          <p:cNvPr id="3" name="Content Placeholder 2">
+            <a:extLst>
+              <a:ext uri="{FF2B5EF4-FFF2-40B4-BE49-F238E27FC236}">
+                <a16:creationId xmlns:a16="http://schemas.microsoft.com/office/drawing/2014/main" id="{1F08A432-1AE6-1381-8CC4-5EE5C502051D}"/>
+              </a:ext>
+            </a:extLst>
+          </p:cNvPr>
+          <p:cNvSpPr>
+            <a:spLocks noGrp="1"/>
+          </p:cNvSpPr>
+          <p:nvPr>
+            <p:ph idx="1"/>
+          </p:nvPr>
+        </p:nvSpPr>
+        <p:spPr/>
+        <p:txBody>
+          <a:bodyPr/>
+          <a:lstStyle/>
+          <a:p>
+            <a:r>
+              <a:rPr lang="en-US" dirty="0"/>
+              <a:t>RGB color channels are sensitive to image brightness (all three channels appear bright for white colors)</a:t>
+            </a:r>
+          </a:p>
+          <a:p>
+            <a:r>
+              <a:rPr lang="en-US" dirty="0"/>
+              <a:t>A better way to detect colors accurately regardless of illumination is the HSV color space.</a:t>
+            </a:r>
+          </a:p>
+          <a:p>
+            <a:endParaRPr lang="en-US" dirty="0"/>
+          </a:p>
+        </p:txBody>
+      </p:sp>
+      <p:pic>
+        <p:nvPicPr>
+          <p:cNvPr id="1026" name="Picture 2" descr="undefined">
+            <a:extLst>
+              <a:ext uri="{FF2B5EF4-FFF2-40B4-BE49-F238E27FC236}">
+                <a16:creationId xmlns:a16="http://schemas.microsoft.com/office/drawing/2014/main" id="{1D3AE239-6E59-0F6F-A3CC-2CA31114C53C}"/>
+              </a:ext>
+            </a:extLst>
+          </p:cNvPr>
+          <p:cNvPicPr>
+            <a:picLocks noChangeAspect="1" noChangeArrowheads="1"/>
+          </p:cNvPicPr>
+          <p:nvPr/>
+        </p:nvPicPr>
+        <p:blipFill>
+          <a:blip r:embed="rId3">
+            <a:extLst>
+              <a:ext uri="{28A0092B-C50C-407E-A947-70E740481C1C}">
+                <a14:useLocalDpi xmlns:a14="http://schemas.microsoft.com/office/drawing/2010/main" val="0"/>
+              </a:ext>
+            </a:extLst>
+          </a:blip>
+          <a:srcRect/>
+          <a:stretch>
+            <a:fillRect/>
+          </a:stretch>
+        </p:blipFill>
+        <p:spPr bwMode="auto">
+          <a:xfrm>
+            <a:off x="2221130" y="3429000"/>
+            <a:ext cx="8096250" cy="3105150"/>
+          </a:xfrm>
+          <a:prstGeom prst="rect">
+            <a:avLst/>
+          </a:prstGeom>
+          <a:noFill/>
+          <a:extLst>
+            <a:ext uri="{909E8E84-426E-40DD-AFC4-6F175D3DCCD1}">
+              <a14:hiddenFill xmlns:a14="http://schemas.microsoft.com/office/drawing/2010/main">
+                <a:solidFill>
+                  <a:srgbClr val="FFFFFF"/>
+                </a:solidFill>
+              </a14:hiddenFill>
+            </a:ext>
+          </a:extLst>
+        </p:spPr>
+      </p:pic>
+    </p:spTree>
+    <p:extLst>
+      <p:ext uri="{BB962C8B-B14F-4D97-AF65-F5344CB8AC3E}">
+        <p14:creationId xmlns:p14="http://schemas.microsoft.com/office/powerpoint/2010/main" val="2206872513"/>
+      </p:ext>
+    </p:extLst>
+  </p:cSld>
+  <p:clrMapOvr>
+    <a:masterClrMapping/>
+  </p:clrMapOvr>
+</p:sld>
+</file>
+
+<file path=ppt/slides/slide14.xml><?xml version="1.0" encoding="utf-8"?>
+<p:sld xmlns:a="http://schemas.openxmlformats.org/drawingml/2006/main" xmlns:r="http://schemas.openxmlformats.org/officeDocument/2006/relationships" xmlns:p="http://schemas.openxmlformats.org/presentationml/2006/main">
+  <p:cSld>
+    <p:spTree>
+      <p:nvGrpSpPr>
+        <p:cNvPr id="1" name=""/>
+        <p:cNvGrpSpPr/>
+        <p:nvPr/>
+      </p:nvGrpSpPr>
+      <p:grpSpPr>
+        <a:xfrm>
+          <a:off x="0" y="0"/>
+          <a:ext cx="0" cy="0"/>
+          <a:chOff x="0" y="0"/>
+          <a:chExt cx="0" cy="0"/>
+        </a:xfrm>
+      </p:grpSpPr>
+      <p:sp>
+        <p:nvSpPr>
+          <p:cNvPr id="2" name="Title 1">
+            <a:extLst>
+              <a:ext uri="{FF2B5EF4-FFF2-40B4-BE49-F238E27FC236}">
+                <a16:creationId xmlns:a16="http://schemas.microsoft.com/office/drawing/2014/main" id="{230F044B-5842-499A-AE2D-91DF245AAF59}"/>
+              </a:ext>
+            </a:extLst>
+          </p:cNvPr>
+          <p:cNvSpPr>
+            <a:spLocks noGrp="1"/>
+          </p:cNvSpPr>
+          <p:nvPr>
+            <p:ph type="title"/>
+          </p:nvPr>
+        </p:nvSpPr>
+        <p:spPr/>
+        <p:txBody>
+          <a:bodyPr/>
+          <a:lstStyle/>
+          <a:p>
+            <a:r>
+              <a:rPr lang="en-US" dirty="0"/>
+              <a:t>Detecting Color with Hue</a:t>
+            </a:r>
+          </a:p>
+        </p:txBody>
+      </p:sp>
+      <p:sp>
+        <p:nvSpPr>
+          <p:cNvPr id="3" name="Content Placeholder 2">
+            <a:extLst>
+              <a:ext uri="{FF2B5EF4-FFF2-40B4-BE49-F238E27FC236}">
+                <a16:creationId xmlns:a16="http://schemas.microsoft.com/office/drawing/2014/main" id="{1F08A432-1AE6-1381-8CC4-5EE5C502051D}"/>
+              </a:ext>
+            </a:extLst>
+          </p:cNvPr>
+          <p:cNvSpPr>
+            <a:spLocks noGrp="1"/>
+          </p:cNvSpPr>
+          <p:nvPr>
+            <p:ph idx="1"/>
+          </p:nvPr>
+        </p:nvSpPr>
+        <p:spPr/>
+        <p:txBody>
+          <a:bodyPr/>
+          <a:lstStyle/>
+          <a:p>
+            <a:r>
+              <a:rPr lang="en-US" dirty="0"/>
+              <a:t>Each color has a specific range of Hue value for it</a:t>
+            </a:r>
+          </a:p>
+          <a:p>
+            <a:r>
+              <a:rPr lang="en-US" dirty="0"/>
+              <a:t>We can find colors by checking which pixels fall in the given hue range</a:t>
+            </a:r>
+          </a:p>
+          <a:p>
+            <a:endParaRPr lang="en-US" dirty="0"/>
+          </a:p>
+        </p:txBody>
+      </p:sp>
+      <p:pic>
+        <p:nvPicPr>
+          <p:cNvPr id="1026" name="Picture 2" descr="undefined">
+            <a:extLst>
+              <a:ext uri="{FF2B5EF4-FFF2-40B4-BE49-F238E27FC236}">
+                <a16:creationId xmlns:a16="http://schemas.microsoft.com/office/drawing/2014/main" id="{1D3AE239-6E59-0F6F-A3CC-2CA31114C53C}"/>
+              </a:ext>
+            </a:extLst>
+          </p:cNvPr>
+          <p:cNvPicPr>
+            <a:picLocks noChangeAspect="1" noChangeArrowheads="1"/>
+          </p:cNvPicPr>
+          <p:nvPr/>
+        </p:nvPicPr>
+        <p:blipFill rotWithShape="1">
+          <a:blip r:embed="rId3">
+            <a:extLst>
+              <a:ext uri="{28A0092B-C50C-407E-A947-70E740481C1C}">
+                <a14:useLocalDpi xmlns:a14="http://schemas.microsoft.com/office/drawing/2010/main" val="0"/>
+              </a:ext>
+            </a:extLst>
+          </a:blip>
+          <a:srcRect l="47860"/>
+          <a:stretch/>
+        </p:blipFill>
+        <p:spPr bwMode="auto">
+          <a:xfrm>
+            <a:off x="3660808" y="3268218"/>
+            <a:ext cx="4221380" cy="3105150"/>
+          </a:xfrm>
+          <a:prstGeom prst="rect">
+            <a:avLst/>
+          </a:prstGeom>
+          <a:noFill/>
+          <a:extLst>
+            <a:ext uri="{909E8E84-426E-40DD-AFC4-6F175D3DCCD1}">
+              <a14:hiddenFill xmlns:a14="http://schemas.microsoft.com/office/drawing/2010/main">
+                <a:solidFill>
+                  <a:srgbClr val="FFFFFF"/>
+                </a:solidFill>
+              </a14:hiddenFill>
+            </a:ext>
+          </a:extLst>
+        </p:spPr>
+      </p:pic>
+    </p:spTree>
+    <p:extLst>
+      <p:ext uri="{BB962C8B-B14F-4D97-AF65-F5344CB8AC3E}">
+        <p14:creationId xmlns:p14="http://schemas.microsoft.com/office/powerpoint/2010/main" val="2826438714"/>
+      </p:ext>
+    </p:extLst>
+  </p:cSld>
+  <p:clrMapOvr>
+    <a:masterClrMapping/>
+  </p:clrMapOvr>
+</p:sld>
+</file>
+
+<file path=ppt/slides/slide15.xml><?xml version="1.0" encoding="utf-8"?>
+<p:sld xmlns:a="http://schemas.openxmlformats.org/drawingml/2006/main" xmlns:r="http://schemas.openxmlformats.org/officeDocument/2006/relationships" xmlns:p="http://schemas.openxmlformats.org/presentationml/2006/main">
+  <p:cSld>
+    <p:spTree>
+      <p:nvGrpSpPr>
+        <p:cNvPr id="1" name=""/>
+        <p:cNvGrpSpPr/>
+        <p:nvPr/>
+      </p:nvGrpSpPr>
+      <p:grpSpPr>
+        <a:xfrm>
+          <a:off x="0" y="0"/>
+          <a:ext cx="0" cy="0"/>
+          <a:chOff x="0" y="0"/>
+          <a:chExt cx="0" cy="0"/>
+        </a:xfrm>
+      </p:grpSpPr>
+      <p:sp>
+        <p:nvSpPr>
+          <p:cNvPr id="2" name="Title 1">
+            <a:extLst>
+              <a:ext uri="{FF2B5EF4-FFF2-40B4-BE49-F238E27FC236}">
+                <a16:creationId xmlns:a16="http://schemas.microsoft.com/office/drawing/2014/main" id="{230F044B-5842-499A-AE2D-91DF245AAF59}"/>
+              </a:ext>
+            </a:extLst>
+          </p:cNvPr>
+          <p:cNvSpPr>
+            <a:spLocks noGrp="1"/>
+          </p:cNvSpPr>
+          <p:nvPr>
+            <p:ph type="title"/>
+          </p:nvPr>
+        </p:nvSpPr>
+        <p:spPr/>
+        <p:txBody>
+          <a:bodyPr/>
+          <a:lstStyle/>
+          <a:p>
+            <a:r>
+              <a:rPr lang="en-US" dirty="0"/>
+              <a:t>Detecting Color with Hue</a:t>
+            </a:r>
+          </a:p>
+        </p:txBody>
+      </p:sp>
+      <p:sp>
+        <p:nvSpPr>
+          <p:cNvPr id="3" name="Content Placeholder 2">
+            <a:extLst>
+              <a:ext uri="{FF2B5EF4-FFF2-40B4-BE49-F238E27FC236}">
+                <a16:creationId xmlns:a16="http://schemas.microsoft.com/office/drawing/2014/main" id="{1F08A432-1AE6-1381-8CC4-5EE5C502051D}"/>
+              </a:ext>
+            </a:extLst>
+          </p:cNvPr>
+          <p:cNvSpPr>
+            <a:spLocks noGrp="1"/>
+          </p:cNvSpPr>
+          <p:nvPr>
+            <p:ph idx="1"/>
+          </p:nvPr>
+        </p:nvSpPr>
+        <p:spPr/>
+        <p:txBody>
+          <a:bodyPr/>
+          <a:lstStyle/>
+          <a:p>
+            <a:r>
+              <a:rPr lang="en-US" dirty="0"/>
+              <a:t>We will find the parts in the image where </a:t>
+            </a:r>
+          </a:p>
+          <a:p>
+            <a:pPr lvl="1"/>
+            <a:r>
+              <a:rPr lang="en-US" dirty="0"/>
+              <a:t>Hue = 0 to 20</a:t>
+            </a:r>
+          </a:p>
+          <a:p>
+            <a:pPr lvl="1"/>
+            <a:r>
+              <a:rPr lang="en-US" dirty="0"/>
+              <a:t>Saturation = 10 to 255</a:t>
+            </a:r>
+          </a:p>
+          <a:p>
+            <a:pPr lvl="1"/>
+            <a:r>
+              <a:rPr lang="en-US" dirty="0"/>
+              <a:t>Value = 10 to 255</a:t>
+            </a:r>
+          </a:p>
+          <a:p>
+            <a:r>
+              <a:rPr lang="en-US" dirty="0"/>
+              <a:t>This is created as a mask (Binary image)</a:t>
+            </a:r>
+          </a:p>
+        </p:txBody>
+      </p:sp>
+      <p:pic>
+        <p:nvPicPr>
+          <p:cNvPr id="5" name="Picture 4">
+            <a:extLst>
+              <a:ext uri="{FF2B5EF4-FFF2-40B4-BE49-F238E27FC236}">
+                <a16:creationId xmlns:a16="http://schemas.microsoft.com/office/drawing/2014/main" id="{BBB6C506-6956-E459-B4BE-E1F0576601C7}"/>
+              </a:ext>
+            </a:extLst>
+          </p:cNvPr>
+          <p:cNvPicPr>
+            <a:picLocks noChangeAspect="1"/>
+          </p:cNvPicPr>
+          <p:nvPr/>
+        </p:nvPicPr>
+        <p:blipFill>
+          <a:blip r:embed="rId3" cstate="print">
+            <a:extLst>
+              <a:ext uri="{28A0092B-C50C-407E-A947-70E740481C1C}">
+                <a14:useLocalDpi xmlns:a14="http://schemas.microsoft.com/office/drawing/2010/main" val="0"/>
+              </a:ext>
+            </a:extLst>
+          </a:blip>
+          <a:stretch>
+            <a:fillRect/>
+          </a:stretch>
+        </p:blipFill>
+        <p:spPr>
+          <a:xfrm>
+            <a:off x="4648108" y="4031300"/>
+            <a:ext cx="2895783" cy="2160000"/>
+          </a:xfrm>
+          <a:prstGeom prst="rect">
+            <a:avLst/>
+          </a:prstGeom>
+        </p:spPr>
+      </p:pic>
+      <p:pic>
+        <p:nvPicPr>
+          <p:cNvPr id="7" name="Picture 6">
+            <a:extLst>
+              <a:ext uri="{FF2B5EF4-FFF2-40B4-BE49-F238E27FC236}">
+                <a16:creationId xmlns:a16="http://schemas.microsoft.com/office/drawing/2014/main" id="{9A81A17E-9498-D8C7-0DB5-11EA1650AE27}"/>
+              </a:ext>
+            </a:extLst>
+          </p:cNvPr>
+          <p:cNvPicPr>
+            <a:picLocks noChangeAspect="1"/>
+          </p:cNvPicPr>
+          <p:nvPr/>
+        </p:nvPicPr>
+        <p:blipFill>
+          <a:blip r:embed="rId4" cstate="print">
+            <a:extLst>
+              <a:ext uri="{28A0092B-C50C-407E-A947-70E740481C1C}">
+                <a14:useLocalDpi xmlns:a14="http://schemas.microsoft.com/office/drawing/2010/main" val="0"/>
+              </a:ext>
+            </a:extLst>
+          </a:blip>
+          <a:stretch>
+            <a:fillRect/>
+          </a:stretch>
+        </p:blipFill>
+        <p:spPr>
+          <a:xfrm>
+            <a:off x="8005591" y="4031300"/>
+            <a:ext cx="2895783" cy="2160000"/>
+          </a:xfrm>
+          <a:prstGeom prst="rect">
+            <a:avLst/>
+          </a:prstGeom>
+        </p:spPr>
+      </p:pic>
+      <p:pic>
+        <p:nvPicPr>
+          <p:cNvPr id="9" name="Picture 8">
+            <a:extLst>
+              <a:ext uri="{FF2B5EF4-FFF2-40B4-BE49-F238E27FC236}">
+                <a16:creationId xmlns:a16="http://schemas.microsoft.com/office/drawing/2014/main" id="{32846BEA-4A3E-91EE-B9C5-D7C244E83D8B}"/>
+              </a:ext>
+            </a:extLst>
+          </p:cNvPr>
+          <p:cNvPicPr>
+            <a:picLocks noChangeAspect="1"/>
+          </p:cNvPicPr>
+          <p:nvPr/>
+        </p:nvPicPr>
+        <p:blipFill>
+          <a:blip r:embed="rId5" cstate="print">
+            <a:extLst>
+              <a:ext uri="{28A0092B-C50C-407E-A947-70E740481C1C}">
+                <a14:useLocalDpi xmlns:a14="http://schemas.microsoft.com/office/drawing/2010/main" val="0"/>
+              </a:ext>
+            </a:extLst>
+          </a:blip>
+          <a:stretch>
+            <a:fillRect/>
+          </a:stretch>
+        </p:blipFill>
+        <p:spPr>
+          <a:xfrm>
+            <a:off x="1290626" y="4031300"/>
+            <a:ext cx="2895783" cy="2160000"/>
+          </a:xfrm>
+          <a:prstGeom prst="rect">
+            <a:avLst/>
+          </a:prstGeom>
+        </p:spPr>
+      </p:pic>
+      <p:sp>
+        <p:nvSpPr>
+          <p:cNvPr id="10" name="TextBox 9">
+            <a:extLst>
+              <a:ext uri="{FF2B5EF4-FFF2-40B4-BE49-F238E27FC236}">
+                <a16:creationId xmlns:a16="http://schemas.microsoft.com/office/drawing/2014/main" id="{218BD78F-33AA-25E4-FF3B-4E398AFDA377}"/>
+              </a:ext>
+            </a:extLst>
+          </p:cNvPr>
+          <p:cNvSpPr txBox="1"/>
+          <p:nvPr/>
+        </p:nvSpPr>
+        <p:spPr>
+          <a:xfrm>
+            <a:off x="1689363" y="6208914"/>
+            <a:ext cx="2098308" cy="369332"/>
+          </a:xfrm>
+          <a:prstGeom prst="rect">
+            <a:avLst/>
+          </a:prstGeom>
+          <a:noFill/>
+        </p:spPr>
+        <p:txBody>
+          <a:bodyPr wrap="square">
+            <a:spAutoFit/>
+          </a:bodyPr>
+          <a:lstStyle/>
+          <a:p>
+            <a:pPr algn="ctr"/>
+            <a:r>
+              <a:rPr lang="en-US" dirty="0"/>
+              <a:t>Original Image</a:t>
+            </a:r>
+          </a:p>
+        </p:txBody>
+      </p:sp>
+      <p:sp>
+        <p:nvSpPr>
+          <p:cNvPr id="11" name="TextBox 10">
+            <a:extLst>
+              <a:ext uri="{FF2B5EF4-FFF2-40B4-BE49-F238E27FC236}">
+                <a16:creationId xmlns:a16="http://schemas.microsoft.com/office/drawing/2014/main" id="{BDE4627F-AC2C-8B9F-78A8-EA5945BE4184}"/>
+              </a:ext>
+            </a:extLst>
+          </p:cNvPr>
+          <p:cNvSpPr txBox="1"/>
+          <p:nvPr/>
+        </p:nvSpPr>
+        <p:spPr>
+          <a:xfrm>
+            <a:off x="5046846" y="6208914"/>
+            <a:ext cx="2098308" cy="369332"/>
+          </a:xfrm>
+          <a:prstGeom prst="rect">
+            <a:avLst/>
+          </a:prstGeom>
+          <a:noFill/>
+        </p:spPr>
+        <p:txBody>
+          <a:bodyPr wrap="square">
+            <a:spAutoFit/>
+          </a:bodyPr>
+          <a:lstStyle/>
+          <a:p>
+            <a:pPr algn="ctr"/>
+            <a:r>
+              <a:rPr lang="en-US" dirty="0"/>
+              <a:t>Green Channel</a:t>
+            </a:r>
+          </a:p>
+        </p:txBody>
+      </p:sp>
+      <p:sp>
+        <p:nvSpPr>
+          <p:cNvPr id="12" name="TextBox 11">
+            <a:extLst>
+              <a:ext uri="{FF2B5EF4-FFF2-40B4-BE49-F238E27FC236}">
+                <a16:creationId xmlns:a16="http://schemas.microsoft.com/office/drawing/2014/main" id="{4A915BF3-5E14-D8DA-15BA-4C79D0355CB1}"/>
+              </a:ext>
+            </a:extLst>
+          </p:cNvPr>
+          <p:cNvSpPr txBox="1"/>
+          <p:nvPr/>
+        </p:nvSpPr>
+        <p:spPr>
+          <a:xfrm>
+            <a:off x="8404329" y="6199632"/>
+            <a:ext cx="2098308" cy="369332"/>
+          </a:xfrm>
+          <a:prstGeom prst="rect">
+            <a:avLst/>
+          </a:prstGeom>
+          <a:noFill/>
+        </p:spPr>
+        <p:txBody>
+          <a:bodyPr wrap="square">
+            <a:spAutoFit/>
+          </a:bodyPr>
+          <a:lstStyle/>
+          <a:p>
+            <a:pPr algn="ctr"/>
+            <a:r>
+              <a:rPr lang="en-US" dirty="0"/>
+              <a:t>Red Channel</a:t>
+            </a:r>
+          </a:p>
+        </p:txBody>
+      </p:sp>
+    </p:spTree>
+    <p:extLst>
+      <p:ext uri="{BB962C8B-B14F-4D97-AF65-F5344CB8AC3E}">
+        <p14:creationId xmlns:p14="http://schemas.microsoft.com/office/powerpoint/2010/main" val="1001497351"/>
+      </p:ext>
+    </p:extLst>
+  </p:cSld>
+  <p:clrMapOvr>
+    <a:masterClrMapping/>
+  </p:clrMapOvr>
+</p:sld>
+</file>
+
+<file path=ppt/slides/slide16.xml><?xml version="1.0" encoding="utf-8"?>
+<p:sld xmlns:a="http://schemas.openxmlformats.org/drawingml/2006/main" xmlns:r="http://schemas.openxmlformats.org/officeDocument/2006/relationships" xmlns:p="http://schemas.openxmlformats.org/presentationml/2006/main">
+  <p:cSld>
+    <p:spTree>
+      <p:nvGrpSpPr>
+        <p:cNvPr id="1" name=""/>
+        <p:cNvGrpSpPr/>
+        <p:nvPr/>
+      </p:nvGrpSpPr>
+      <p:grpSpPr>
+        <a:xfrm>
+          <a:off x="0" y="0"/>
+          <a:ext cx="0" cy="0"/>
+          <a:chOff x="0" y="0"/>
+          <a:chExt cx="0" cy="0"/>
+        </a:xfrm>
+      </p:grpSpPr>
+      <p:sp>
+        <p:nvSpPr>
+          <p:cNvPr id="2" name="Title 1">
+            <a:extLst>
+              <a:ext uri="{FF2B5EF4-FFF2-40B4-BE49-F238E27FC236}">
+                <a16:creationId xmlns:a16="http://schemas.microsoft.com/office/drawing/2014/main" id="{230F044B-5842-499A-AE2D-91DF245AAF59}"/>
+              </a:ext>
+            </a:extLst>
+          </p:cNvPr>
+          <p:cNvSpPr>
+            <a:spLocks noGrp="1"/>
+          </p:cNvSpPr>
+          <p:nvPr>
+            <p:ph type="title"/>
+          </p:nvPr>
+        </p:nvSpPr>
+        <p:spPr/>
+        <p:txBody>
+          <a:bodyPr/>
+          <a:lstStyle/>
+          <a:p>
+            <a:r>
+              <a:rPr lang="en-US" dirty="0"/>
+              <a:t>Detecting Color with Hue</a:t>
+            </a:r>
+          </a:p>
+        </p:txBody>
+      </p:sp>
+      <p:sp>
+        <p:nvSpPr>
+          <p:cNvPr id="3" name="Content Placeholder 2">
+            <a:extLst>
+              <a:ext uri="{FF2B5EF4-FFF2-40B4-BE49-F238E27FC236}">
+                <a16:creationId xmlns:a16="http://schemas.microsoft.com/office/drawing/2014/main" id="{1F08A432-1AE6-1381-8CC4-5EE5C502051D}"/>
+              </a:ext>
+            </a:extLst>
+          </p:cNvPr>
+          <p:cNvSpPr>
+            <a:spLocks noGrp="1"/>
+          </p:cNvSpPr>
+          <p:nvPr>
+            <p:ph idx="1"/>
+          </p:nvPr>
+        </p:nvSpPr>
+        <p:spPr/>
+        <p:txBody>
+          <a:bodyPr/>
+          <a:lstStyle/>
+          <a:p>
+            <a:r>
+              <a:rPr lang="en-US" dirty="0"/>
+              <a:t>For accurately finding the opposite goal post, opponent and the ball, some </a:t>
+            </a:r>
+            <a:r>
+              <a:rPr lang="en-US" b="1" dirty="0"/>
+              <a:t>experiment</a:t>
+            </a:r>
+            <a:r>
+              <a:rPr lang="en-US" dirty="0"/>
+              <a:t> is required</a:t>
+            </a:r>
+          </a:p>
+          <a:p>
+            <a:pPr lvl="1"/>
+            <a:r>
+              <a:rPr lang="en-US" dirty="0"/>
+              <a:t>Goal Post 	Red 	= Hue: 0 to 5</a:t>
+            </a:r>
+          </a:p>
+          <a:p>
+            <a:pPr lvl="1"/>
+            <a:r>
+              <a:rPr lang="en-US" dirty="0"/>
+              <a:t>Ball 		Orange	= Hue: 5 to 20</a:t>
+            </a:r>
+          </a:p>
+          <a:p>
+            <a:pPr lvl="1"/>
+            <a:r>
+              <a:rPr lang="en-US" dirty="0"/>
+              <a:t>Opponent 	Blue	= Hue: 100 to 160</a:t>
+            </a:r>
+          </a:p>
+          <a:p>
+            <a:pPr lvl="1"/>
+            <a:endParaRPr lang="en-US" dirty="0"/>
+          </a:p>
+        </p:txBody>
+      </p:sp>
+      <p:pic>
+        <p:nvPicPr>
+          <p:cNvPr id="6" name="Picture 5">
+            <a:extLst>
+              <a:ext uri="{FF2B5EF4-FFF2-40B4-BE49-F238E27FC236}">
+                <a16:creationId xmlns:a16="http://schemas.microsoft.com/office/drawing/2014/main" id="{2385BCD8-5D9D-1338-0E14-094E8E417370}"/>
+              </a:ext>
+            </a:extLst>
+          </p:cNvPr>
+          <p:cNvPicPr>
+            <a:picLocks noChangeAspect="1"/>
+          </p:cNvPicPr>
+          <p:nvPr/>
+        </p:nvPicPr>
+        <p:blipFill>
+          <a:blip r:embed="rId3" cstate="print">
+            <a:extLst>
+              <a:ext uri="{28A0092B-C50C-407E-A947-70E740481C1C}">
+                <a14:useLocalDpi xmlns:a14="http://schemas.microsoft.com/office/drawing/2010/main" val="0"/>
+              </a:ext>
+            </a:extLst>
+          </a:blip>
+          <a:stretch>
+            <a:fillRect/>
+          </a:stretch>
+        </p:blipFill>
+        <p:spPr>
+          <a:xfrm>
+            <a:off x="4648108" y="3997153"/>
+            <a:ext cx="2895784" cy="2160000"/>
+          </a:xfrm>
+          <a:prstGeom prst="rect">
+            <a:avLst/>
+          </a:prstGeom>
+        </p:spPr>
+      </p:pic>
+      <p:pic>
+        <p:nvPicPr>
+          <p:cNvPr id="10" name="Picture 9">
+            <a:extLst>
+              <a:ext uri="{FF2B5EF4-FFF2-40B4-BE49-F238E27FC236}">
+                <a16:creationId xmlns:a16="http://schemas.microsoft.com/office/drawing/2014/main" id="{2923C980-1B5C-A723-6C94-FBD5966743CE}"/>
+              </a:ext>
+            </a:extLst>
+          </p:cNvPr>
+          <p:cNvPicPr>
+            <a:picLocks noChangeAspect="1"/>
+          </p:cNvPicPr>
+          <p:nvPr/>
+        </p:nvPicPr>
+        <p:blipFill>
+          <a:blip r:embed="rId4" cstate="print">
+            <a:extLst>
+              <a:ext uri="{28A0092B-C50C-407E-A947-70E740481C1C}">
+                <a14:useLocalDpi xmlns:a14="http://schemas.microsoft.com/office/drawing/2010/main" val="0"/>
+              </a:ext>
+            </a:extLst>
+          </a:blip>
+          <a:stretch>
+            <a:fillRect/>
+          </a:stretch>
+        </p:blipFill>
+        <p:spPr>
+          <a:xfrm>
+            <a:off x="1266707" y="3997153"/>
+            <a:ext cx="2895784" cy="2160000"/>
+          </a:xfrm>
+          <a:prstGeom prst="rect">
+            <a:avLst/>
+          </a:prstGeom>
+        </p:spPr>
+      </p:pic>
+      <p:pic>
+        <p:nvPicPr>
+          <p:cNvPr id="12" name="Picture 11">
+            <a:extLst>
+              <a:ext uri="{FF2B5EF4-FFF2-40B4-BE49-F238E27FC236}">
+                <a16:creationId xmlns:a16="http://schemas.microsoft.com/office/drawing/2014/main" id="{63C8C8E8-B9D0-24A0-9A1D-DEE908D38F2D}"/>
+              </a:ext>
+            </a:extLst>
+          </p:cNvPr>
+          <p:cNvPicPr>
+            <a:picLocks noChangeAspect="1"/>
+          </p:cNvPicPr>
+          <p:nvPr/>
+        </p:nvPicPr>
+        <p:blipFill>
+          <a:blip r:embed="rId5" cstate="print">
+            <a:extLst>
+              <a:ext uri="{28A0092B-C50C-407E-A947-70E740481C1C}">
+                <a14:useLocalDpi xmlns:a14="http://schemas.microsoft.com/office/drawing/2010/main" val="0"/>
+              </a:ext>
+            </a:extLst>
+          </a:blip>
+          <a:stretch>
+            <a:fillRect/>
+          </a:stretch>
+        </p:blipFill>
+        <p:spPr>
+          <a:xfrm>
+            <a:off x="8029509" y="3997153"/>
+            <a:ext cx="2895784" cy="2160000"/>
+          </a:xfrm>
+          <a:prstGeom prst="rect">
+            <a:avLst/>
+          </a:prstGeom>
+        </p:spPr>
+      </p:pic>
+      <p:sp>
+        <p:nvSpPr>
+          <p:cNvPr id="13" name="TextBox 12">
+            <a:extLst>
+              <a:ext uri="{FF2B5EF4-FFF2-40B4-BE49-F238E27FC236}">
+                <a16:creationId xmlns:a16="http://schemas.microsoft.com/office/drawing/2014/main" id="{E56663D1-44D0-BCD3-0EB7-C0F4D218CAA5}"/>
+              </a:ext>
+            </a:extLst>
+          </p:cNvPr>
+          <p:cNvSpPr txBox="1"/>
+          <p:nvPr/>
+        </p:nvSpPr>
+        <p:spPr>
+          <a:xfrm>
+            <a:off x="1689363" y="6208914"/>
+            <a:ext cx="2098308" cy="369332"/>
+          </a:xfrm>
+          <a:prstGeom prst="rect">
+            <a:avLst/>
+          </a:prstGeom>
+          <a:noFill/>
+        </p:spPr>
+        <p:txBody>
+          <a:bodyPr wrap="square">
+            <a:spAutoFit/>
+          </a:bodyPr>
+          <a:lstStyle/>
+          <a:p>
+            <a:pPr algn="ctr"/>
+            <a:r>
+              <a:rPr lang="en-US" dirty="0"/>
+              <a:t>Goalpost</a:t>
+            </a:r>
+          </a:p>
+        </p:txBody>
+      </p:sp>
+      <p:sp>
+        <p:nvSpPr>
+          <p:cNvPr id="14" name="TextBox 13">
+            <a:extLst>
+              <a:ext uri="{FF2B5EF4-FFF2-40B4-BE49-F238E27FC236}">
+                <a16:creationId xmlns:a16="http://schemas.microsoft.com/office/drawing/2014/main" id="{8D216FD6-7C91-D365-0952-FAF9CF1210CD}"/>
+              </a:ext>
+            </a:extLst>
+          </p:cNvPr>
+          <p:cNvSpPr txBox="1"/>
+          <p:nvPr/>
+        </p:nvSpPr>
+        <p:spPr>
+          <a:xfrm>
+            <a:off x="5046846" y="6208914"/>
+            <a:ext cx="2098308" cy="369332"/>
+          </a:xfrm>
+          <a:prstGeom prst="rect">
+            <a:avLst/>
+          </a:prstGeom>
+          <a:noFill/>
+        </p:spPr>
+        <p:txBody>
+          <a:bodyPr wrap="square">
+            <a:spAutoFit/>
+          </a:bodyPr>
+          <a:lstStyle/>
+          <a:p>
+            <a:pPr algn="ctr"/>
+            <a:r>
+              <a:rPr lang="en-US" dirty="0"/>
+              <a:t>Ball</a:t>
+            </a:r>
+          </a:p>
+        </p:txBody>
+      </p:sp>
+      <p:sp>
+        <p:nvSpPr>
+          <p:cNvPr id="15" name="TextBox 14">
+            <a:extLst>
+              <a:ext uri="{FF2B5EF4-FFF2-40B4-BE49-F238E27FC236}">
+                <a16:creationId xmlns:a16="http://schemas.microsoft.com/office/drawing/2014/main" id="{993341CE-0BAE-29C0-0489-64EC22CB6CF2}"/>
+              </a:ext>
+            </a:extLst>
+          </p:cNvPr>
+          <p:cNvSpPr txBox="1"/>
+          <p:nvPr/>
+        </p:nvSpPr>
+        <p:spPr>
+          <a:xfrm>
+            <a:off x="8404329" y="6199632"/>
+            <a:ext cx="2098308" cy="369332"/>
+          </a:xfrm>
+          <a:prstGeom prst="rect">
+            <a:avLst/>
+          </a:prstGeom>
+          <a:noFill/>
+        </p:spPr>
+        <p:txBody>
+          <a:bodyPr wrap="square">
+            <a:spAutoFit/>
+          </a:bodyPr>
+          <a:lstStyle/>
+          <a:p>
+            <a:pPr algn="ctr"/>
+            <a:r>
+              <a:rPr lang="en-US" dirty="0"/>
+              <a:t>Opponent</a:t>
+            </a:r>
+          </a:p>
+        </p:txBody>
+      </p:sp>
+    </p:spTree>
+    <p:extLst>
+      <p:ext uri="{BB962C8B-B14F-4D97-AF65-F5344CB8AC3E}">
+        <p14:creationId xmlns:p14="http://schemas.microsoft.com/office/powerpoint/2010/main" val="3346816525"/>
+      </p:ext>
+    </p:extLst>
+  </p:cSld>
+  <p:clrMapOvr>
+    <a:masterClrMapping/>
+  </p:clrMapOvr>
+</p:sld>
+</file>
+
+<file path=ppt/slides/slide17.xml><?xml version="1.0" encoding="utf-8"?>
+<p:sld xmlns:a="http://schemas.openxmlformats.org/drawingml/2006/main" xmlns:r="http://schemas.openxmlformats.org/officeDocument/2006/relationships" xmlns:p="http://schemas.openxmlformats.org/presentationml/2006/main">
+  <p:cSld>
+    <p:spTree>
+      <p:nvGrpSpPr>
+        <p:cNvPr id="1" name=""/>
+        <p:cNvGrpSpPr/>
+        <p:nvPr/>
+      </p:nvGrpSpPr>
+      <p:grpSpPr>
+        <a:xfrm>
+          <a:off x="0" y="0"/>
+          <a:ext cx="0" cy="0"/>
+          <a:chOff x="0" y="0"/>
+          <a:chExt cx="0" cy="0"/>
+        </a:xfrm>
+      </p:grpSpPr>
+      <p:sp>
+        <p:nvSpPr>
+          <p:cNvPr id="2" name="Title 1">
+            <a:extLst>
+              <a:ext uri="{FF2B5EF4-FFF2-40B4-BE49-F238E27FC236}">
+                <a16:creationId xmlns:a16="http://schemas.microsoft.com/office/drawing/2014/main" id="{230F044B-5842-499A-AE2D-91DF245AAF59}"/>
+              </a:ext>
+            </a:extLst>
+          </p:cNvPr>
+          <p:cNvSpPr>
+            <a:spLocks noGrp="1"/>
+          </p:cNvSpPr>
+          <p:nvPr>
+            <p:ph type="title"/>
+          </p:nvPr>
+        </p:nvSpPr>
+        <p:spPr/>
+        <p:txBody>
+          <a:bodyPr/>
+          <a:lstStyle/>
+          <a:p>
+            <a:r>
+              <a:rPr lang="en-US" dirty="0"/>
+              <a:t>Detecting Contours</a:t>
+            </a:r>
+          </a:p>
+        </p:txBody>
+      </p:sp>
+      <p:sp>
+        <p:nvSpPr>
+          <p:cNvPr id="3" name="Content Placeholder 2">
+            <a:extLst>
+              <a:ext uri="{FF2B5EF4-FFF2-40B4-BE49-F238E27FC236}">
+                <a16:creationId xmlns:a16="http://schemas.microsoft.com/office/drawing/2014/main" id="{1F08A432-1AE6-1381-8CC4-5EE5C502051D}"/>
+              </a:ext>
+            </a:extLst>
+          </p:cNvPr>
+          <p:cNvSpPr>
+            <a:spLocks noGrp="1"/>
+          </p:cNvSpPr>
+          <p:nvPr>
+            <p:ph idx="1"/>
+          </p:nvPr>
+        </p:nvSpPr>
+        <p:spPr>
+          <a:xfrm>
+            <a:off x="798898" y="1938532"/>
+            <a:ext cx="5457524" cy="4434835"/>
+          </a:xfrm>
+        </p:spPr>
+        <p:txBody>
+          <a:bodyPr>
+            <a:normAutofit/>
+          </a:bodyPr>
+          <a:lstStyle/>
+          <a:p>
+            <a:r>
+              <a:rPr lang="en-US" dirty="0"/>
+              <a:t>OpenCV has functions for </a:t>
+            </a:r>
+            <a:r>
+              <a:rPr lang="en-US" b="1" dirty="0"/>
+              <a:t>detecting</a:t>
+            </a:r>
+            <a:r>
+              <a:rPr lang="en-US" dirty="0"/>
+              <a:t> </a:t>
+            </a:r>
+            <a:r>
+              <a:rPr lang="en-US" b="1" dirty="0"/>
+              <a:t>contours</a:t>
+            </a:r>
+            <a:r>
+              <a:rPr lang="en-US" dirty="0"/>
+              <a:t> inside an image mask.</a:t>
+            </a:r>
+          </a:p>
+          <a:p>
+            <a:pPr marL="274320" lvl="1" indent="0">
+              <a:buNone/>
+            </a:pPr>
+            <a:r>
+              <a:rPr lang="fr-FR" dirty="0">
+                <a:highlight>
+                  <a:srgbClr val="FFFF00"/>
+                </a:highlight>
+              </a:rPr>
+              <a:t>contours = cv2.findContours(</a:t>
+            </a:r>
+            <a:r>
+              <a:rPr lang="fr-FR" dirty="0" err="1">
+                <a:highlight>
+                  <a:srgbClr val="FFFF00"/>
+                </a:highlight>
+              </a:rPr>
+              <a:t>mask</a:t>
+            </a:r>
+            <a:r>
+              <a:rPr lang="fr-FR" dirty="0">
+                <a:highlight>
+                  <a:srgbClr val="FFFF00"/>
+                </a:highlight>
+              </a:rPr>
+              <a:t>, cv2.RETR_EXTERNAL, cv2.CHAIN_APPROX_SIMPLE)</a:t>
+            </a:r>
+            <a:endParaRPr lang="en-US" dirty="0">
+              <a:highlight>
+                <a:srgbClr val="FFFF00"/>
+              </a:highlight>
+            </a:endParaRPr>
+          </a:p>
+          <a:p>
+            <a:r>
+              <a:rPr lang="en-US" dirty="0"/>
+              <a:t>Sometimes random small pixels can be detected. We apply denoising to remove them (</a:t>
+            </a:r>
+            <a:r>
+              <a:rPr lang="en-US" b="1" dirty="0"/>
+              <a:t>morphological</a:t>
+            </a:r>
+            <a:r>
+              <a:rPr lang="en-US" dirty="0"/>
+              <a:t> </a:t>
+            </a:r>
+            <a:r>
+              <a:rPr lang="en-US" b="1" dirty="0"/>
+              <a:t>opening</a:t>
+            </a:r>
+            <a:r>
+              <a:rPr lang="en-US" dirty="0"/>
+              <a:t> – next slide)</a:t>
+            </a:r>
+          </a:p>
+          <a:p>
+            <a:r>
+              <a:rPr lang="en-US" dirty="0"/>
+              <a:t>Applying this function on all three masks (goalpost, ball, opponent) – we can find out their corresponding </a:t>
+            </a:r>
+            <a:r>
+              <a:rPr lang="en-US" dirty="0" err="1"/>
+              <a:t>boundingboxes</a:t>
+            </a:r>
+            <a:r>
+              <a:rPr lang="en-US" dirty="0"/>
+              <a:t> – letting us know their locations in frame</a:t>
+            </a:r>
+          </a:p>
+          <a:p>
+            <a:r>
+              <a:rPr lang="en-US" dirty="0"/>
+              <a:t>Now that we can find all these, time to make our robot approach the ball</a:t>
+            </a:r>
+          </a:p>
+          <a:p>
+            <a:endParaRPr lang="en-US" dirty="0"/>
+          </a:p>
+          <a:p>
+            <a:pPr lvl="1"/>
+            <a:endParaRPr lang="en-US" dirty="0"/>
+          </a:p>
+        </p:txBody>
+      </p:sp>
+      <p:pic>
+        <p:nvPicPr>
+          <p:cNvPr id="5" name="Picture 4">
+            <a:extLst>
+              <a:ext uri="{FF2B5EF4-FFF2-40B4-BE49-F238E27FC236}">
+                <a16:creationId xmlns:a16="http://schemas.microsoft.com/office/drawing/2014/main" id="{3606056B-9197-0A20-3EEE-49D9426D335F}"/>
+              </a:ext>
+            </a:extLst>
+          </p:cNvPr>
+          <p:cNvPicPr>
+            <a:picLocks noChangeAspect="1"/>
+          </p:cNvPicPr>
+          <p:nvPr/>
+        </p:nvPicPr>
+        <p:blipFill>
+          <a:blip r:embed="rId3">
+            <a:extLst>
+              <a:ext uri="{28A0092B-C50C-407E-A947-70E740481C1C}">
+                <a14:useLocalDpi xmlns:a14="http://schemas.microsoft.com/office/drawing/2010/main" val="0"/>
+              </a:ext>
+            </a:extLst>
+          </a:blip>
+          <a:stretch>
+            <a:fillRect/>
+          </a:stretch>
+        </p:blipFill>
+        <p:spPr>
+          <a:xfrm>
+            <a:off x="6527372" y="1938533"/>
+            <a:ext cx="5183047" cy="3866097"/>
+          </a:xfrm>
+          <a:prstGeom prst="rect">
+            <a:avLst/>
+          </a:prstGeom>
+        </p:spPr>
+      </p:pic>
+    </p:spTree>
+    <p:extLst>
+      <p:ext uri="{BB962C8B-B14F-4D97-AF65-F5344CB8AC3E}">
+        <p14:creationId xmlns:p14="http://schemas.microsoft.com/office/powerpoint/2010/main" val="52075871"/>
+      </p:ext>
+    </p:extLst>
+  </p:cSld>
+  <p:clrMapOvr>
+    <a:masterClrMapping/>
+  </p:clrMapOvr>
+</p:sld>
+</file>
+
+<file path=ppt/slides/slide18.xml><?xml version="1.0" encoding="utf-8"?>
+<p:sld xmlns:a="http://schemas.openxmlformats.org/drawingml/2006/main" xmlns:r="http://schemas.openxmlformats.org/officeDocument/2006/relationships" xmlns:p="http://schemas.openxmlformats.org/presentationml/2006/main">
+  <p:cSld>
+    <p:spTree>
+      <p:nvGrpSpPr>
+        <p:cNvPr id="1" name=""/>
+        <p:cNvGrpSpPr/>
+        <p:nvPr/>
+      </p:nvGrpSpPr>
+      <p:grpSpPr>
+        <a:xfrm>
+          <a:off x="0" y="0"/>
+          <a:ext cx="0" cy="0"/>
+          <a:chOff x="0" y="0"/>
+          <a:chExt cx="0" cy="0"/>
+        </a:xfrm>
+      </p:grpSpPr>
+      <p:sp>
+        <p:nvSpPr>
+          <p:cNvPr id="2" name="Title 1">
+            <a:extLst>
+              <a:ext uri="{FF2B5EF4-FFF2-40B4-BE49-F238E27FC236}">
+                <a16:creationId xmlns:a16="http://schemas.microsoft.com/office/drawing/2014/main" id="{230F044B-5842-499A-AE2D-91DF245AAF59}"/>
+              </a:ext>
+            </a:extLst>
+          </p:cNvPr>
+          <p:cNvSpPr>
+            <a:spLocks noGrp="1"/>
+          </p:cNvSpPr>
+          <p:nvPr>
+            <p:ph type="title"/>
+          </p:nvPr>
+        </p:nvSpPr>
+        <p:spPr/>
+        <p:txBody>
+          <a:bodyPr>
+            <a:normAutofit/>
+          </a:bodyPr>
+          <a:lstStyle/>
+          <a:p>
+            <a:r>
+              <a:rPr lang="en-US" sz="3200" dirty="0" err="1"/>
+              <a:t>Mophological</a:t>
+            </a:r>
+            <a:r>
+              <a:rPr lang="en-US" sz="3200" dirty="0"/>
+              <a:t> Transformations</a:t>
+            </a:r>
+          </a:p>
+        </p:txBody>
+      </p:sp>
+      <p:pic>
+        <p:nvPicPr>
+          <p:cNvPr id="2050" name="Picture 2">
+            <a:extLst>
+              <a:ext uri="{FF2B5EF4-FFF2-40B4-BE49-F238E27FC236}">
+                <a16:creationId xmlns:a16="http://schemas.microsoft.com/office/drawing/2014/main" id="{1457215D-2CB4-0B48-1FB3-E6540BA6002A}"/>
+              </a:ext>
+            </a:extLst>
+          </p:cNvPr>
+          <p:cNvPicPr>
+            <a:picLocks noChangeAspect="1" noChangeArrowheads="1"/>
+          </p:cNvPicPr>
+          <p:nvPr/>
+        </p:nvPicPr>
+        <p:blipFill>
+          <a:blip r:embed="rId3">
+            <a:extLst>
+              <a:ext uri="{28A0092B-C50C-407E-A947-70E740481C1C}">
+                <a14:useLocalDpi xmlns:a14="http://schemas.microsoft.com/office/drawing/2010/main" val="0"/>
+              </a:ext>
+            </a:extLst>
+          </a:blip>
+          <a:srcRect/>
+          <a:stretch>
+            <a:fillRect/>
+          </a:stretch>
+        </p:blipFill>
+        <p:spPr bwMode="auto">
+          <a:xfrm>
+            <a:off x="3211629" y="2093976"/>
+            <a:ext cx="1066800" cy="1428750"/>
+          </a:xfrm>
+          <a:prstGeom prst="rect">
+            <a:avLst/>
+          </a:prstGeom>
+          <a:noFill/>
+          <a:extLst>
+            <a:ext uri="{909E8E84-426E-40DD-AFC4-6F175D3DCCD1}">
+              <a14:hiddenFill xmlns:a14="http://schemas.microsoft.com/office/drawing/2010/main">
+                <a:solidFill>
+                  <a:srgbClr val="FFFFFF"/>
+                </a:solidFill>
+              </a14:hiddenFill>
+            </a:ext>
+          </a:extLst>
+        </p:spPr>
+      </p:pic>
+      <p:pic>
+        <p:nvPicPr>
+          <p:cNvPr id="2052" name="Picture 4">
+            <a:extLst>
+              <a:ext uri="{FF2B5EF4-FFF2-40B4-BE49-F238E27FC236}">
+                <a16:creationId xmlns:a16="http://schemas.microsoft.com/office/drawing/2014/main" id="{E1A9C40B-33AD-A73B-6FFB-72278DC0AF35}"/>
+              </a:ext>
+            </a:extLst>
+          </p:cNvPr>
+          <p:cNvPicPr>
+            <a:picLocks noChangeAspect="1" noChangeArrowheads="1"/>
+          </p:cNvPicPr>
+          <p:nvPr/>
+        </p:nvPicPr>
+        <p:blipFill>
+          <a:blip r:embed="rId4">
+            <a:extLst>
+              <a:ext uri="{28A0092B-C50C-407E-A947-70E740481C1C}">
+                <a14:useLocalDpi xmlns:a14="http://schemas.microsoft.com/office/drawing/2010/main" val="0"/>
+              </a:ext>
+            </a:extLst>
+          </a:blip>
+          <a:srcRect/>
+          <a:stretch>
+            <a:fillRect/>
+          </a:stretch>
+        </p:blipFill>
+        <p:spPr bwMode="auto">
+          <a:xfrm>
+            <a:off x="1583356" y="4290583"/>
+            <a:ext cx="1066800" cy="1428750"/>
+          </a:xfrm>
+          <a:prstGeom prst="rect">
+            <a:avLst/>
+          </a:prstGeom>
+          <a:noFill/>
+          <a:extLst>
+            <a:ext uri="{909E8E84-426E-40DD-AFC4-6F175D3DCCD1}">
+              <a14:hiddenFill xmlns:a14="http://schemas.microsoft.com/office/drawing/2010/main">
+                <a:solidFill>
+                  <a:srgbClr val="FFFFFF"/>
+                </a:solidFill>
+              </a14:hiddenFill>
+            </a:ext>
+          </a:extLst>
+        </p:spPr>
+      </p:pic>
+      <p:pic>
+        <p:nvPicPr>
+          <p:cNvPr id="2054" name="Picture 6">
+            <a:extLst>
+              <a:ext uri="{FF2B5EF4-FFF2-40B4-BE49-F238E27FC236}">
+                <a16:creationId xmlns:a16="http://schemas.microsoft.com/office/drawing/2014/main" id="{29CD8EA3-88FE-C055-455F-198FC3F70ABD}"/>
+              </a:ext>
+            </a:extLst>
+          </p:cNvPr>
+          <p:cNvPicPr>
+            <a:picLocks noChangeAspect="1" noChangeArrowheads="1"/>
+          </p:cNvPicPr>
+          <p:nvPr/>
+        </p:nvPicPr>
+        <p:blipFill>
+          <a:blip r:embed="rId5">
+            <a:extLst>
+              <a:ext uri="{28A0092B-C50C-407E-A947-70E740481C1C}">
+                <a14:useLocalDpi xmlns:a14="http://schemas.microsoft.com/office/drawing/2010/main" val="0"/>
+              </a:ext>
+            </a:extLst>
+          </a:blip>
+          <a:srcRect/>
+          <a:stretch>
+            <a:fillRect/>
+          </a:stretch>
+        </p:blipFill>
+        <p:spPr bwMode="auto">
+          <a:xfrm>
+            <a:off x="4938561" y="4290583"/>
+            <a:ext cx="1066800" cy="1428750"/>
+          </a:xfrm>
+          <a:prstGeom prst="rect">
+            <a:avLst/>
+          </a:prstGeom>
+          <a:noFill/>
+          <a:extLst>
+            <a:ext uri="{909E8E84-426E-40DD-AFC4-6F175D3DCCD1}">
+              <a14:hiddenFill xmlns:a14="http://schemas.microsoft.com/office/drawing/2010/main">
+                <a:solidFill>
+                  <a:srgbClr val="FFFFFF"/>
+                </a:solidFill>
+              </a14:hiddenFill>
+            </a:ext>
+          </a:extLst>
+        </p:spPr>
+      </p:pic>
+      <p:pic>
+        <p:nvPicPr>
+          <p:cNvPr id="2056" name="Picture 8">
+            <a:extLst>
+              <a:ext uri="{FF2B5EF4-FFF2-40B4-BE49-F238E27FC236}">
+                <a16:creationId xmlns:a16="http://schemas.microsoft.com/office/drawing/2014/main" id="{C359EE55-0AFA-062B-B7FA-1113FCA8A455}"/>
+              </a:ext>
+            </a:extLst>
+          </p:cNvPr>
+          <p:cNvPicPr>
+            <a:picLocks noChangeAspect="1" noChangeArrowheads="1"/>
+          </p:cNvPicPr>
+          <p:nvPr/>
+        </p:nvPicPr>
+        <p:blipFill>
+          <a:blip r:embed="rId6">
+            <a:extLst>
+              <a:ext uri="{28A0092B-C50C-407E-A947-70E740481C1C}">
+                <a14:useLocalDpi xmlns:a14="http://schemas.microsoft.com/office/drawing/2010/main" val="0"/>
+              </a:ext>
+            </a:extLst>
+          </a:blip>
+          <a:srcRect/>
+          <a:stretch>
+            <a:fillRect/>
+          </a:stretch>
+        </p:blipFill>
+        <p:spPr bwMode="auto">
+          <a:xfrm>
+            <a:off x="8061157" y="2215231"/>
+            <a:ext cx="2133600" cy="1428750"/>
+          </a:xfrm>
+          <a:prstGeom prst="rect">
+            <a:avLst/>
+          </a:prstGeom>
+          <a:noFill/>
+          <a:extLst>
+            <a:ext uri="{909E8E84-426E-40DD-AFC4-6F175D3DCCD1}">
+              <a14:hiddenFill xmlns:a14="http://schemas.microsoft.com/office/drawing/2010/main">
+                <a:solidFill>
+                  <a:srgbClr val="FFFFFF"/>
+                </a:solidFill>
+              </a14:hiddenFill>
+            </a:ext>
+          </a:extLst>
+        </p:spPr>
+      </p:pic>
+      <p:pic>
+        <p:nvPicPr>
+          <p:cNvPr id="2058" name="Picture 10">
+            <a:extLst>
+              <a:ext uri="{FF2B5EF4-FFF2-40B4-BE49-F238E27FC236}">
+                <a16:creationId xmlns:a16="http://schemas.microsoft.com/office/drawing/2014/main" id="{FC11C787-26C4-80B6-18FD-ED66F4E9AF0E}"/>
+              </a:ext>
+            </a:extLst>
+          </p:cNvPr>
+          <p:cNvPicPr>
+            <a:picLocks noChangeAspect="1" noChangeArrowheads="1"/>
+          </p:cNvPicPr>
+          <p:nvPr/>
+        </p:nvPicPr>
+        <p:blipFill>
+          <a:blip r:embed="rId7">
+            <a:extLst>
+              <a:ext uri="{28A0092B-C50C-407E-A947-70E740481C1C}">
+                <a14:useLocalDpi xmlns:a14="http://schemas.microsoft.com/office/drawing/2010/main" val="0"/>
+              </a:ext>
+            </a:extLst>
+          </a:blip>
+          <a:srcRect/>
+          <a:stretch>
+            <a:fillRect/>
+          </a:stretch>
+        </p:blipFill>
+        <p:spPr bwMode="auto">
+          <a:xfrm>
+            <a:off x="8061157" y="4261787"/>
+            <a:ext cx="2133600" cy="1428750"/>
+          </a:xfrm>
+          <a:prstGeom prst="rect">
+            <a:avLst/>
+          </a:prstGeom>
+          <a:noFill/>
+          <a:extLst>
+            <a:ext uri="{909E8E84-426E-40DD-AFC4-6F175D3DCCD1}">
+              <a14:hiddenFill xmlns:a14="http://schemas.microsoft.com/office/drawing/2010/main">
+                <a:solidFill>
+                  <a:srgbClr val="FFFFFF"/>
+                </a:solidFill>
+              </a14:hiddenFill>
+            </a:ext>
+          </a:extLst>
+        </p:spPr>
+      </p:pic>
+      <p:cxnSp>
+        <p:nvCxnSpPr>
+          <p:cNvPr id="8" name="Straight Arrow Connector 7">
+            <a:extLst>
+              <a:ext uri="{FF2B5EF4-FFF2-40B4-BE49-F238E27FC236}">
+                <a16:creationId xmlns:a16="http://schemas.microsoft.com/office/drawing/2014/main" id="{627FEBAA-A4B2-B56C-F0B7-92F793AF21B7}"/>
+              </a:ext>
+            </a:extLst>
+          </p:cNvPr>
+          <p:cNvCxnSpPr>
+            <a:cxnSpLocks/>
+          </p:cNvCxnSpPr>
+          <p:nvPr/>
+        </p:nvCxnSpPr>
+        <p:spPr>
+          <a:xfrm flipH="1">
+            <a:off x="2772076" y="3647975"/>
+            <a:ext cx="333675" cy="488963"/>
+          </a:xfrm>
+          <a:prstGeom prst="straightConnector1">
+            <a:avLst/>
+          </a:prstGeom>
+          <a:ln w="38100">
+            <a:solidFill>
+              <a:schemeClr val="tx1"/>
+            </a:solidFill>
+            <a:tailEnd type="triangle"/>
+          </a:ln>
+        </p:spPr>
+        <p:style>
+          <a:lnRef idx="1">
+            <a:schemeClr val="accent1"/>
+          </a:lnRef>
+          <a:fillRef idx="0">
+            <a:schemeClr val="accent1"/>
+          </a:fillRef>
+          <a:effectRef idx="0">
+            <a:schemeClr val="accent1"/>
+          </a:effectRef>
+          <a:fontRef idx="minor">
+            <a:schemeClr val="tx1"/>
+          </a:fontRef>
+        </p:style>
+      </p:cxnSp>
+      <p:cxnSp>
+        <p:nvCxnSpPr>
+          <p:cNvPr id="11" name="Straight Arrow Connector 10">
+            <a:extLst>
+              <a:ext uri="{FF2B5EF4-FFF2-40B4-BE49-F238E27FC236}">
+                <a16:creationId xmlns:a16="http://schemas.microsoft.com/office/drawing/2014/main" id="{84FA1E9C-7354-729D-EB8D-88D212267D8B}"/>
+              </a:ext>
+            </a:extLst>
+          </p:cNvPr>
+          <p:cNvCxnSpPr>
+            <a:cxnSpLocks/>
+          </p:cNvCxnSpPr>
+          <p:nvPr/>
+        </p:nvCxnSpPr>
+        <p:spPr>
+          <a:xfrm>
+            <a:off x="4416392" y="3647974"/>
+            <a:ext cx="333675" cy="488963"/>
+          </a:xfrm>
+          <a:prstGeom prst="straightConnector1">
+            <a:avLst/>
+          </a:prstGeom>
+          <a:ln w="38100">
+            <a:solidFill>
+              <a:schemeClr val="tx1"/>
+            </a:solidFill>
+            <a:tailEnd type="triangle"/>
+          </a:ln>
+        </p:spPr>
+        <p:style>
+          <a:lnRef idx="1">
+            <a:schemeClr val="accent1"/>
+          </a:lnRef>
+          <a:fillRef idx="0">
+            <a:schemeClr val="accent1"/>
+          </a:fillRef>
+          <a:effectRef idx="0">
+            <a:schemeClr val="accent1"/>
+          </a:effectRef>
+          <a:fontRef idx="minor">
+            <a:schemeClr val="tx1"/>
+          </a:fontRef>
+        </p:style>
+      </p:cxnSp>
+      <p:sp>
+        <p:nvSpPr>
+          <p:cNvPr id="17" name="TextBox 16">
+            <a:extLst>
+              <a:ext uri="{FF2B5EF4-FFF2-40B4-BE49-F238E27FC236}">
+                <a16:creationId xmlns:a16="http://schemas.microsoft.com/office/drawing/2014/main" id="{BD452442-D81A-2C3D-5373-1199FA8E9CBE}"/>
+              </a:ext>
+            </a:extLst>
+          </p:cNvPr>
+          <p:cNvSpPr txBox="1"/>
+          <p:nvPr/>
+        </p:nvSpPr>
+        <p:spPr>
+          <a:xfrm>
+            <a:off x="3021931" y="1724644"/>
+            <a:ext cx="1446196" cy="369332"/>
+          </a:xfrm>
+          <a:prstGeom prst="rect">
+            <a:avLst/>
+          </a:prstGeom>
+          <a:noFill/>
+        </p:spPr>
+        <p:txBody>
+          <a:bodyPr wrap="square">
+            <a:spAutoFit/>
+          </a:bodyPr>
+          <a:lstStyle/>
+          <a:p>
+            <a:pPr algn="ctr"/>
+            <a:r>
+              <a:rPr lang="en-US" dirty="0"/>
+              <a:t>Mask</a:t>
+            </a:r>
+          </a:p>
+        </p:txBody>
+      </p:sp>
+      <p:sp>
+        <p:nvSpPr>
+          <p:cNvPr id="18" name="TextBox 17">
+            <a:extLst>
+              <a:ext uri="{FF2B5EF4-FFF2-40B4-BE49-F238E27FC236}">
+                <a16:creationId xmlns:a16="http://schemas.microsoft.com/office/drawing/2014/main" id="{071D7549-B105-F411-9323-AD363258335E}"/>
+              </a:ext>
+            </a:extLst>
+          </p:cNvPr>
+          <p:cNvSpPr txBox="1"/>
+          <p:nvPr/>
+        </p:nvSpPr>
+        <p:spPr>
+          <a:xfrm>
+            <a:off x="1393658" y="3892455"/>
+            <a:ext cx="1446196" cy="369332"/>
+          </a:xfrm>
+          <a:prstGeom prst="rect">
+            <a:avLst/>
+          </a:prstGeom>
+          <a:noFill/>
+        </p:spPr>
+        <p:txBody>
+          <a:bodyPr wrap="square">
+            <a:spAutoFit/>
+          </a:bodyPr>
+          <a:lstStyle/>
+          <a:p>
+            <a:pPr algn="ctr"/>
+            <a:r>
+              <a:rPr lang="en-US" dirty="0"/>
+              <a:t>Erosion</a:t>
+            </a:r>
+          </a:p>
+        </p:txBody>
+      </p:sp>
+      <p:sp>
+        <p:nvSpPr>
+          <p:cNvPr id="19" name="TextBox 18">
+            <a:extLst>
+              <a:ext uri="{FF2B5EF4-FFF2-40B4-BE49-F238E27FC236}">
+                <a16:creationId xmlns:a16="http://schemas.microsoft.com/office/drawing/2014/main" id="{953BA1E3-6B66-E719-FC68-F927340C1E80}"/>
+              </a:ext>
+            </a:extLst>
+          </p:cNvPr>
+          <p:cNvSpPr txBox="1"/>
+          <p:nvPr/>
+        </p:nvSpPr>
+        <p:spPr>
+          <a:xfrm>
+            <a:off x="4750067" y="3883792"/>
+            <a:ext cx="1446196" cy="369332"/>
+          </a:xfrm>
+          <a:prstGeom prst="rect">
+            <a:avLst/>
+          </a:prstGeom>
+          <a:noFill/>
+        </p:spPr>
+        <p:txBody>
+          <a:bodyPr wrap="square">
+            <a:spAutoFit/>
+          </a:bodyPr>
+          <a:lstStyle/>
+          <a:p>
+            <a:pPr algn="ctr"/>
+            <a:r>
+              <a:rPr lang="en-US" dirty="0"/>
+              <a:t>Dilation</a:t>
+            </a:r>
+          </a:p>
+        </p:txBody>
+      </p:sp>
+      <p:sp>
+        <p:nvSpPr>
+          <p:cNvPr id="20" name="TextBox 19">
+            <a:extLst>
+              <a:ext uri="{FF2B5EF4-FFF2-40B4-BE49-F238E27FC236}">
+                <a16:creationId xmlns:a16="http://schemas.microsoft.com/office/drawing/2014/main" id="{05092683-630F-5970-8D25-9985F6329CC0}"/>
+              </a:ext>
+            </a:extLst>
+          </p:cNvPr>
+          <p:cNvSpPr txBox="1"/>
+          <p:nvPr/>
+        </p:nvSpPr>
+        <p:spPr>
+          <a:xfrm>
+            <a:off x="7286324" y="1821213"/>
+            <a:ext cx="3667225" cy="369332"/>
+          </a:xfrm>
+          <a:prstGeom prst="rect">
+            <a:avLst/>
+          </a:prstGeom>
+          <a:noFill/>
+        </p:spPr>
+        <p:txBody>
+          <a:bodyPr wrap="square">
+            <a:spAutoFit/>
+          </a:bodyPr>
+          <a:lstStyle/>
+          <a:p>
+            <a:pPr algn="ctr"/>
+            <a:r>
+              <a:rPr lang="en-US" dirty="0"/>
+              <a:t>Opening = Erosion </a:t>
+            </a:r>
+            <a:r>
+              <a:rPr lang="en-US" dirty="0">
+                <a:sym typeface="Wingdings" panose="05000000000000000000" pitchFamily="2" charset="2"/>
+              </a:rPr>
+              <a:t></a:t>
+            </a:r>
+            <a:r>
+              <a:rPr lang="en-US" dirty="0"/>
+              <a:t> Dilation</a:t>
+            </a:r>
+          </a:p>
+        </p:txBody>
+      </p:sp>
+      <p:sp>
+        <p:nvSpPr>
+          <p:cNvPr id="21" name="TextBox 20">
+            <a:extLst>
+              <a:ext uri="{FF2B5EF4-FFF2-40B4-BE49-F238E27FC236}">
+                <a16:creationId xmlns:a16="http://schemas.microsoft.com/office/drawing/2014/main" id="{083CDAA5-82FD-59A2-C763-9031EE735995}"/>
+              </a:ext>
+            </a:extLst>
+          </p:cNvPr>
+          <p:cNvSpPr txBox="1"/>
+          <p:nvPr/>
+        </p:nvSpPr>
+        <p:spPr>
+          <a:xfrm>
+            <a:off x="7294344" y="3884594"/>
+            <a:ext cx="3667225" cy="369332"/>
+          </a:xfrm>
+          <a:prstGeom prst="rect">
+            <a:avLst/>
+          </a:prstGeom>
+          <a:noFill/>
+        </p:spPr>
+        <p:txBody>
+          <a:bodyPr wrap="square">
+            <a:spAutoFit/>
+          </a:bodyPr>
+          <a:lstStyle/>
+          <a:p>
+            <a:pPr algn="ctr"/>
+            <a:r>
+              <a:rPr lang="en-US" dirty="0"/>
+              <a:t>Closing = Dilation </a:t>
+            </a:r>
+            <a:r>
+              <a:rPr lang="en-US" dirty="0">
+                <a:sym typeface="Wingdings" panose="05000000000000000000" pitchFamily="2" charset="2"/>
+              </a:rPr>
+              <a:t></a:t>
+            </a:r>
+            <a:r>
+              <a:rPr lang="en-US" dirty="0"/>
+              <a:t> Erosion</a:t>
+            </a:r>
+          </a:p>
+        </p:txBody>
+      </p:sp>
+    </p:spTree>
+    <p:extLst>
+      <p:ext uri="{BB962C8B-B14F-4D97-AF65-F5344CB8AC3E}">
+        <p14:creationId xmlns:p14="http://schemas.microsoft.com/office/powerpoint/2010/main" val="3911130066"/>
+      </p:ext>
+    </p:extLst>
+  </p:cSld>
+  <p:clrMapOvr>
+    <a:masterClrMapping/>
+  </p:clrMapOvr>
+</p:sld>
+</file>
+
+<file path=ppt/slides/slide19.xml><?xml version="1.0" encoding="utf-8"?>
+<p:sld xmlns:a="http://schemas.openxmlformats.org/drawingml/2006/main" xmlns:r="http://schemas.openxmlformats.org/officeDocument/2006/relationships" xmlns:p="http://schemas.openxmlformats.org/presentationml/2006/main">
+  <p:cSld>
+    <p:spTree>
+      <p:nvGrpSpPr>
+        <p:cNvPr id="1" name=""/>
+        <p:cNvGrpSpPr/>
+        <p:nvPr/>
+      </p:nvGrpSpPr>
+      <p:grpSpPr>
+        <a:xfrm>
+          <a:off x="0" y="0"/>
+          <a:ext cx="0" cy="0"/>
+          <a:chOff x="0" y="0"/>
+          <a:chExt cx="0" cy="0"/>
+        </a:xfrm>
+      </p:grpSpPr>
+      <p:sp>
+        <p:nvSpPr>
+          <p:cNvPr id="2" name="Title 1">
+            <a:extLst>
+              <a:ext uri="{FF2B5EF4-FFF2-40B4-BE49-F238E27FC236}">
+                <a16:creationId xmlns:a16="http://schemas.microsoft.com/office/drawing/2014/main" id="{230F044B-5842-499A-AE2D-91DF245AAF59}"/>
+              </a:ext>
+            </a:extLst>
+          </p:cNvPr>
+          <p:cNvSpPr>
+            <a:spLocks noGrp="1"/>
+          </p:cNvSpPr>
+          <p:nvPr>
+            <p:ph type="title"/>
+          </p:nvPr>
+        </p:nvSpPr>
+        <p:spPr/>
+        <p:txBody>
+          <a:bodyPr/>
+          <a:lstStyle/>
+          <a:p>
+            <a:r>
+              <a:rPr lang="en-US" dirty="0"/>
+              <a:t>Robot Control</a:t>
+            </a:r>
+          </a:p>
+        </p:txBody>
+      </p:sp>
+      <p:sp>
+        <p:nvSpPr>
+          <p:cNvPr id="3" name="Content Placeholder 2">
+            <a:extLst>
+              <a:ext uri="{FF2B5EF4-FFF2-40B4-BE49-F238E27FC236}">
+                <a16:creationId xmlns:a16="http://schemas.microsoft.com/office/drawing/2014/main" id="{1F08A432-1AE6-1381-8CC4-5EE5C502051D}"/>
+              </a:ext>
+            </a:extLst>
+          </p:cNvPr>
+          <p:cNvSpPr>
+            <a:spLocks noGrp="1"/>
+          </p:cNvSpPr>
+          <p:nvPr>
+            <p:ph idx="1"/>
+          </p:nvPr>
+        </p:nvSpPr>
+        <p:spPr/>
+        <p:txBody>
+          <a:bodyPr/>
+          <a:lstStyle/>
+          <a:p>
+            <a:r>
+              <a:rPr lang="en-US" dirty="0"/>
+              <a:t>The objective is to push the ball towards the goal-post</a:t>
+            </a:r>
+          </a:p>
+          <a:p>
+            <a:r>
+              <a:rPr lang="en-US" dirty="0"/>
+              <a:t>Robot can reach the ball by going forward while keeping it in the middle of the frame</a:t>
+            </a:r>
+          </a:p>
+          <a:p>
+            <a:pPr lvl="1"/>
+            <a:endParaRPr lang="en-US" dirty="0"/>
+          </a:p>
+        </p:txBody>
+      </p:sp>
+      <p:sp>
+        <p:nvSpPr>
+          <p:cNvPr id="5" name="Oval 4">
+            <a:extLst>
+              <a:ext uri="{FF2B5EF4-FFF2-40B4-BE49-F238E27FC236}">
+                <a16:creationId xmlns:a16="http://schemas.microsoft.com/office/drawing/2014/main" id="{5AB77544-978F-563E-F3A5-D1D278590D8B}"/>
+              </a:ext>
+            </a:extLst>
+          </p:cNvPr>
+          <p:cNvSpPr/>
+          <p:nvPr/>
+        </p:nvSpPr>
+        <p:spPr>
+          <a:xfrm>
+            <a:off x="703998" y="5038812"/>
+            <a:ext cx="450000" cy="450000"/>
+          </a:xfrm>
+          <a:prstGeom prst="ellipse">
+            <a:avLst/>
+          </a:prstGeom>
+          <a:solidFill>
+            <a:srgbClr val="FFC000"/>
+          </a:solidFill>
+          <a:ln>
+            <a:noFill/>
+          </a:ln>
+        </p:spPr>
+        <p:style>
+          <a:lnRef idx="2">
+            <a:schemeClr val="accent1">
+              <a:shade val="50000"/>
+            </a:schemeClr>
+          </a:lnRef>
+          <a:fillRef idx="1">
+            <a:schemeClr val="accent1"/>
+          </a:fillRef>
+          <a:effectRef idx="0">
+            <a:schemeClr val="accent1"/>
+          </a:effectRef>
+          <a:fontRef idx="minor">
+            <a:schemeClr val="lt1"/>
+          </a:fontRef>
+        </p:style>
+        <p:txBody>
+          <a:bodyPr rtlCol="0" anchor="ctr"/>
+          <a:lstStyle/>
+          <a:p>
+            <a:pPr algn="ctr"/>
+            <a:endParaRPr lang="en-US"/>
+          </a:p>
+        </p:txBody>
+      </p:sp>
+      <p:sp>
+        <p:nvSpPr>
+          <p:cNvPr id="7" name="Arrow: Right 6">
+            <a:extLst>
+              <a:ext uri="{FF2B5EF4-FFF2-40B4-BE49-F238E27FC236}">
+                <a16:creationId xmlns:a16="http://schemas.microsoft.com/office/drawing/2014/main" id="{AEFED65F-43F6-AC99-D79B-F5D0781331E5}"/>
+              </a:ext>
+            </a:extLst>
+          </p:cNvPr>
+          <p:cNvSpPr/>
+          <p:nvPr/>
+        </p:nvSpPr>
+        <p:spPr>
+          <a:xfrm rot="10800000">
+            <a:off x="9324278" y="4553199"/>
+            <a:ext cx="947294" cy="423040"/>
+          </a:xfrm>
+          <a:prstGeom prst="rightArrow">
+            <a:avLst/>
+          </a:prstGeom>
+        </p:spPr>
+        <p:style>
+          <a:lnRef idx="2">
+            <a:schemeClr val="accent1">
+              <a:shade val="50000"/>
+            </a:schemeClr>
+          </a:lnRef>
+          <a:fillRef idx="1">
+            <a:schemeClr val="accent1"/>
+          </a:fillRef>
+          <a:effectRef idx="0">
+            <a:schemeClr val="accent1"/>
+          </a:effectRef>
+          <a:fontRef idx="minor">
+            <a:schemeClr val="lt1"/>
+          </a:fontRef>
+        </p:style>
+        <p:txBody>
+          <a:bodyPr rtlCol="0" anchor="ctr"/>
+          <a:lstStyle/>
+          <a:p>
+            <a:pPr algn="ctr"/>
+            <a:endParaRPr lang="en-US"/>
+          </a:p>
+        </p:txBody>
+      </p:sp>
+      <p:sp>
+        <p:nvSpPr>
+          <p:cNvPr id="8" name="Arrow: Curved Right 7">
+            <a:extLst>
+              <a:ext uri="{FF2B5EF4-FFF2-40B4-BE49-F238E27FC236}">
+                <a16:creationId xmlns:a16="http://schemas.microsoft.com/office/drawing/2014/main" id="{ECC1BA66-FE2F-672A-C6A2-55691A375513}"/>
+              </a:ext>
+            </a:extLst>
+          </p:cNvPr>
+          <p:cNvSpPr/>
+          <p:nvPr/>
+        </p:nvSpPr>
+        <p:spPr>
+          <a:xfrm rot="6610042">
+            <a:off x="2468251" y="3321652"/>
+            <a:ext cx="702645" cy="1423069"/>
+          </a:xfrm>
+          <a:prstGeom prst="curvedRightArrow">
+            <a:avLst/>
+          </a:prstGeom>
+        </p:spPr>
+        <p:style>
+          <a:lnRef idx="2">
+            <a:schemeClr val="accent1">
+              <a:shade val="50000"/>
+            </a:schemeClr>
+          </a:lnRef>
+          <a:fillRef idx="1">
+            <a:schemeClr val="accent1"/>
+          </a:fillRef>
+          <a:effectRef idx="0">
+            <a:schemeClr val="accent1"/>
+          </a:effectRef>
+          <a:fontRef idx="minor">
+            <a:schemeClr val="lt1"/>
+          </a:fontRef>
+        </p:style>
+        <p:txBody>
+          <a:bodyPr rtlCol="0" anchor="ctr"/>
+          <a:lstStyle/>
+          <a:p>
+            <a:pPr algn="ctr"/>
+            <a:endParaRPr lang="en-US" dirty="0">
+              <a:solidFill>
+                <a:schemeClr val="tx1"/>
+              </a:solidFill>
+            </a:endParaRPr>
+          </a:p>
+        </p:txBody>
+      </p:sp>
+      <p:sp>
+        <p:nvSpPr>
+          <p:cNvPr id="11" name="Oval 10">
+            <a:extLst>
+              <a:ext uri="{FF2B5EF4-FFF2-40B4-BE49-F238E27FC236}">
+                <a16:creationId xmlns:a16="http://schemas.microsoft.com/office/drawing/2014/main" id="{B7613CDE-9459-1FA9-1055-57BFD626A9DD}"/>
+              </a:ext>
+            </a:extLst>
+          </p:cNvPr>
+          <p:cNvSpPr/>
+          <p:nvPr/>
+        </p:nvSpPr>
+        <p:spPr>
+          <a:xfrm>
+            <a:off x="4807206" y="4663186"/>
+            <a:ext cx="450000" cy="450000"/>
+          </a:xfrm>
+          <a:prstGeom prst="ellipse">
+            <a:avLst/>
+          </a:prstGeom>
+          <a:solidFill>
+            <a:srgbClr val="FFC000"/>
+          </a:solidFill>
+          <a:ln>
+            <a:noFill/>
+          </a:ln>
+        </p:spPr>
+        <p:style>
+          <a:lnRef idx="2">
+            <a:schemeClr val="accent1">
+              <a:shade val="50000"/>
+            </a:schemeClr>
+          </a:lnRef>
+          <a:fillRef idx="1">
+            <a:schemeClr val="accent1"/>
+          </a:fillRef>
+          <a:effectRef idx="0">
+            <a:schemeClr val="accent1"/>
+          </a:effectRef>
+          <a:fontRef idx="minor">
+            <a:schemeClr val="lt1"/>
+          </a:fontRef>
+        </p:style>
+        <p:txBody>
+          <a:bodyPr rtlCol="0" anchor="ctr"/>
+          <a:lstStyle/>
+          <a:p>
+            <a:pPr algn="ctr"/>
+            <a:endParaRPr lang="en-US"/>
+          </a:p>
+        </p:txBody>
+      </p:sp>
+      <p:sp>
+        <p:nvSpPr>
+          <p:cNvPr id="16" name="Arrow: Curved Right 15">
+            <a:extLst>
+              <a:ext uri="{FF2B5EF4-FFF2-40B4-BE49-F238E27FC236}">
+                <a16:creationId xmlns:a16="http://schemas.microsoft.com/office/drawing/2014/main" id="{2DDB8DE1-E04B-BC54-8D05-D2BB5E4FEB75}"/>
+              </a:ext>
+            </a:extLst>
+          </p:cNvPr>
+          <p:cNvSpPr/>
+          <p:nvPr/>
+        </p:nvSpPr>
+        <p:spPr>
+          <a:xfrm rot="14989958" flipV="1">
+            <a:off x="6286238" y="5460666"/>
+            <a:ext cx="702645" cy="1423069"/>
+          </a:xfrm>
+          <a:prstGeom prst="curvedRightArrow">
+            <a:avLst/>
+          </a:prstGeom>
+        </p:spPr>
+        <p:style>
+          <a:lnRef idx="2">
+            <a:schemeClr val="accent1">
+              <a:shade val="50000"/>
+            </a:schemeClr>
+          </a:lnRef>
+          <a:fillRef idx="1">
+            <a:schemeClr val="accent1"/>
+          </a:fillRef>
+          <a:effectRef idx="0">
+            <a:schemeClr val="accent1"/>
+          </a:effectRef>
+          <a:fontRef idx="minor">
+            <a:schemeClr val="lt1"/>
+          </a:fontRef>
+        </p:style>
+        <p:txBody>
+          <a:bodyPr rtlCol="0" anchor="ctr"/>
+          <a:lstStyle/>
+          <a:p>
+            <a:pPr algn="ctr"/>
+            <a:endParaRPr lang="en-US">
+              <a:solidFill>
+                <a:schemeClr val="tx1"/>
+              </a:solidFill>
+            </a:endParaRPr>
+          </a:p>
+        </p:txBody>
+      </p:sp>
+      <p:sp>
+        <p:nvSpPr>
+          <p:cNvPr id="17" name="Oval 16">
+            <a:extLst>
+              <a:ext uri="{FF2B5EF4-FFF2-40B4-BE49-F238E27FC236}">
+                <a16:creationId xmlns:a16="http://schemas.microsoft.com/office/drawing/2014/main" id="{9B10505F-B102-2A30-53C4-443F8EBAA5E3}"/>
+              </a:ext>
+            </a:extLst>
+          </p:cNvPr>
+          <p:cNvSpPr/>
+          <p:nvPr/>
+        </p:nvSpPr>
+        <p:spPr>
+          <a:xfrm>
+            <a:off x="8679315" y="4545490"/>
+            <a:ext cx="450000" cy="450000"/>
+          </a:xfrm>
+          <a:prstGeom prst="ellipse">
+            <a:avLst/>
+          </a:prstGeom>
+          <a:solidFill>
+            <a:srgbClr val="FFC000"/>
+          </a:solidFill>
+          <a:ln>
+            <a:noFill/>
+          </a:ln>
+        </p:spPr>
+        <p:style>
+          <a:lnRef idx="2">
+            <a:schemeClr val="accent1">
+              <a:shade val="50000"/>
+            </a:schemeClr>
+          </a:lnRef>
+          <a:fillRef idx="1">
+            <a:schemeClr val="accent1"/>
+          </a:fillRef>
+          <a:effectRef idx="0">
+            <a:schemeClr val="accent1"/>
+          </a:effectRef>
+          <a:fontRef idx="minor">
+            <a:schemeClr val="lt1"/>
+          </a:fontRef>
+        </p:style>
+        <p:txBody>
+          <a:bodyPr rtlCol="0" anchor="ctr"/>
+          <a:lstStyle/>
+          <a:p>
+            <a:pPr algn="ctr"/>
+            <a:endParaRPr lang="en-US"/>
+          </a:p>
+        </p:txBody>
+      </p:sp>
+      <p:grpSp>
+        <p:nvGrpSpPr>
+          <p:cNvPr id="24" name="Group 23">
+            <a:extLst>
+              <a:ext uri="{FF2B5EF4-FFF2-40B4-BE49-F238E27FC236}">
+                <a16:creationId xmlns:a16="http://schemas.microsoft.com/office/drawing/2014/main" id="{C06B00DB-BF23-0740-075A-40284EA3A071}"/>
+              </a:ext>
+            </a:extLst>
+          </p:cNvPr>
+          <p:cNvGrpSpPr/>
+          <p:nvPr/>
+        </p:nvGrpSpPr>
+        <p:grpSpPr>
+          <a:xfrm rot="19425363">
+            <a:off x="2039862" y="4941672"/>
+            <a:ext cx="1456000" cy="1085372"/>
+            <a:chOff x="462013" y="4200835"/>
+            <a:chExt cx="1456000" cy="1085372"/>
+          </a:xfrm>
+        </p:grpSpPr>
+        <p:sp>
+          <p:nvSpPr>
+            <p:cNvPr id="4" name="Rectangle 3">
+              <a:extLst>
+                <a:ext uri="{FF2B5EF4-FFF2-40B4-BE49-F238E27FC236}">
+                  <a16:creationId xmlns:a16="http://schemas.microsoft.com/office/drawing/2014/main" id="{B832E8FC-CE0C-F19C-46A5-E67934A33353}"/>
+                </a:ext>
+              </a:extLst>
+            </p:cNvPr>
+            <p:cNvSpPr/>
+            <p:nvPr/>
+          </p:nvSpPr>
+          <p:spPr>
+            <a:xfrm>
+              <a:off x="648851" y="4248961"/>
+              <a:ext cx="1097280" cy="933651"/>
+            </a:xfrm>
+            <a:prstGeom prst="rect">
+              <a:avLst/>
+            </a:prstGeom>
+            <a:solidFill>
+              <a:schemeClr val="accent2">
+                <a:lumMod val="40000"/>
+                <a:lumOff val="60000"/>
+              </a:schemeClr>
+            </a:solidFill>
+            <a:ln>
+              <a:noFill/>
+            </a:ln>
+          </p:spPr>
+          <p:style>
+            <a:lnRef idx="2">
+              <a:schemeClr val="accent1">
+                <a:shade val="50000"/>
+              </a:schemeClr>
+            </a:lnRef>
+            <a:fillRef idx="1">
+              <a:schemeClr val="accent1"/>
+            </a:fillRef>
+            <a:effectRef idx="0">
+              <a:schemeClr val="accent1"/>
+            </a:effectRef>
+            <a:fontRef idx="minor">
+              <a:schemeClr val="lt1"/>
+            </a:fontRef>
+          </p:style>
+          <p:txBody>
+            <a:bodyPr rtlCol="0" anchor="ctr"/>
+            <a:lstStyle/>
+            <a:p>
+              <a:pPr algn="ctr"/>
+              <a:endParaRPr lang="en-US"/>
+            </a:p>
+          </p:txBody>
+        </p:sp>
+        <p:sp>
+          <p:nvSpPr>
+            <p:cNvPr id="19" name="Rectangle: Rounded Corners 18">
+              <a:extLst>
+                <a:ext uri="{FF2B5EF4-FFF2-40B4-BE49-F238E27FC236}">
+                  <a16:creationId xmlns:a16="http://schemas.microsoft.com/office/drawing/2014/main" id="{91FF8852-E4CC-5677-C41D-2959A70DFABD}"/>
+                </a:ext>
+              </a:extLst>
+            </p:cNvPr>
+            <p:cNvSpPr/>
+            <p:nvPr/>
+          </p:nvSpPr>
+          <p:spPr>
+            <a:xfrm>
+              <a:off x="462013" y="4200836"/>
+              <a:ext cx="178388" cy="428917"/>
+            </a:xfrm>
+            <a:prstGeom prst="roundRect">
+              <a:avLst/>
+            </a:prstGeom>
+            <a:solidFill>
+              <a:schemeClr val="accent6">
+                <a:lumMod val="60000"/>
+                <a:lumOff val="40000"/>
+              </a:schemeClr>
+            </a:solidFill>
+            <a:ln>
+              <a:solidFill>
+                <a:schemeClr val="tx1">
+                  <a:lumMod val="65000"/>
+                  <a:lumOff val="35000"/>
+                </a:schemeClr>
+              </a:solidFill>
+            </a:ln>
+          </p:spPr>
+          <p:style>
+            <a:lnRef idx="2">
+              <a:schemeClr val="accent1">
+                <a:shade val="50000"/>
+              </a:schemeClr>
+            </a:lnRef>
+            <a:fillRef idx="1">
+              <a:schemeClr val="accent1"/>
+            </a:fillRef>
+            <a:effectRef idx="0">
+              <a:schemeClr val="accent1"/>
+            </a:effectRef>
+            <a:fontRef idx="minor">
+              <a:schemeClr val="lt1"/>
+            </a:fontRef>
+          </p:style>
+          <p:txBody>
+            <a:bodyPr rtlCol="0" anchor="ctr"/>
+            <a:lstStyle/>
+            <a:p>
+              <a:pPr algn="ctr"/>
+              <a:endParaRPr lang="en-US"/>
+            </a:p>
+          </p:txBody>
+        </p:sp>
+        <p:sp>
+          <p:nvSpPr>
+            <p:cNvPr id="21" name="Rectangle: Rounded Corners 20">
+              <a:extLst>
+                <a:ext uri="{FF2B5EF4-FFF2-40B4-BE49-F238E27FC236}">
+                  <a16:creationId xmlns:a16="http://schemas.microsoft.com/office/drawing/2014/main" id="{37B2445F-B025-B41B-2495-82CB807C0759}"/>
+                </a:ext>
+              </a:extLst>
+            </p:cNvPr>
+            <p:cNvSpPr/>
+            <p:nvPr/>
+          </p:nvSpPr>
+          <p:spPr>
+            <a:xfrm>
+              <a:off x="470463" y="4857290"/>
+              <a:ext cx="178388" cy="428917"/>
+            </a:xfrm>
+            <a:prstGeom prst="roundRect">
+              <a:avLst/>
+            </a:prstGeom>
+            <a:solidFill>
+              <a:schemeClr val="accent6">
+                <a:lumMod val="60000"/>
+                <a:lumOff val="40000"/>
+              </a:schemeClr>
+            </a:solidFill>
+            <a:ln>
+              <a:solidFill>
+                <a:schemeClr val="tx1">
+                  <a:lumMod val="65000"/>
+                  <a:lumOff val="35000"/>
+                </a:schemeClr>
+              </a:solidFill>
+            </a:ln>
+          </p:spPr>
+          <p:style>
+            <a:lnRef idx="2">
+              <a:schemeClr val="accent1">
+                <a:shade val="50000"/>
+              </a:schemeClr>
+            </a:lnRef>
+            <a:fillRef idx="1">
+              <a:schemeClr val="accent1"/>
+            </a:fillRef>
+            <a:effectRef idx="0">
+              <a:schemeClr val="accent1"/>
+            </a:effectRef>
+            <a:fontRef idx="minor">
+              <a:schemeClr val="lt1"/>
+            </a:fontRef>
+          </p:style>
+          <p:txBody>
+            <a:bodyPr rtlCol="0" anchor="ctr"/>
+            <a:lstStyle/>
+            <a:p>
+              <a:pPr algn="ctr"/>
+              <a:endParaRPr lang="en-US"/>
+            </a:p>
+          </p:txBody>
+        </p:sp>
+        <p:sp>
+          <p:nvSpPr>
+            <p:cNvPr id="22" name="Rectangle: Rounded Corners 21">
+              <a:extLst>
+                <a:ext uri="{FF2B5EF4-FFF2-40B4-BE49-F238E27FC236}">
+                  <a16:creationId xmlns:a16="http://schemas.microsoft.com/office/drawing/2014/main" id="{D2F4715D-A102-83D6-DC7F-3DE5E3E88BE8}"/>
+                </a:ext>
+              </a:extLst>
+            </p:cNvPr>
+            <p:cNvSpPr/>
+            <p:nvPr/>
+          </p:nvSpPr>
+          <p:spPr>
+            <a:xfrm>
+              <a:off x="1739625" y="4200835"/>
+              <a:ext cx="178388" cy="428917"/>
+            </a:xfrm>
+            <a:prstGeom prst="roundRect">
+              <a:avLst/>
+            </a:prstGeom>
+            <a:solidFill>
+              <a:schemeClr val="accent6">
+                <a:lumMod val="60000"/>
+                <a:lumOff val="40000"/>
+              </a:schemeClr>
+            </a:solidFill>
+            <a:ln>
+              <a:solidFill>
+                <a:schemeClr val="tx1">
+                  <a:lumMod val="65000"/>
+                  <a:lumOff val="35000"/>
+                </a:schemeClr>
+              </a:solidFill>
+            </a:ln>
+          </p:spPr>
+          <p:style>
+            <a:lnRef idx="2">
+              <a:schemeClr val="accent1">
+                <a:shade val="50000"/>
+              </a:schemeClr>
+            </a:lnRef>
+            <a:fillRef idx="1">
+              <a:schemeClr val="accent1"/>
+            </a:fillRef>
+            <a:effectRef idx="0">
+              <a:schemeClr val="accent1"/>
+            </a:effectRef>
+            <a:fontRef idx="minor">
+              <a:schemeClr val="lt1"/>
+            </a:fontRef>
+          </p:style>
+          <p:txBody>
+            <a:bodyPr rtlCol="0" anchor="ctr"/>
+            <a:lstStyle/>
+            <a:p>
+              <a:pPr algn="ctr"/>
+              <a:endParaRPr lang="en-US"/>
+            </a:p>
+          </p:txBody>
+        </p:sp>
+        <p:sp>
+          <p:nvSpPr>
+            <p:cNvPr id="23" name="Rectangle: Rounded Corners 22">
+              <a:extLst>
+                <a:ext uri="{FF2B5EF4-FFF2-40B4-BE49-F238E27FC236}">
+                  <a16:creationId xmlns:a16="http://schemas.microsoft.com/office/drawing/2014/main" id="{73A26FC5-F20F-E0C6-2082-C9C990252C28}"/>
+                </a:ext>
+              </a:extLst>
+            </p:cNvPr>
+            <p:cNvSpPr/>
+            <p:nvPr/>
+          </p:nvSpPr>
+          <p:spPr>
+            <a:xfrm>
+              <a:off x="1733119" y="4857289"/>
+              <a:ext cx="178388" cy="428917"/>
+            </a:xfrm>
+            <a:prstGeom prst="roundRect">
+              <a:avLst/>
+            </a:prstGeom>
+            <a:solidFill>
+              <a:schemeClr val="accent6">
+                <a:lumMod val="60000"/>
+                <a:lumOff val="40000"/>
+              </a:schemeClr>
+            </a:solidFill>
+            <a:ln>
+              <a:solidFill>
+                <a:schemeClr val="tx1">
+                  <a:lumMod val="65000"/>
+                  <a:lumOff val="35000"/>
+                </a:schemeClr>
+              </a:solidFill>
+            </a:ln>
+          </p:spPr>
+          <p:style>
+            <a:lnRef idx="2">
+              <a:schemeClr val="accent1">
+                <a:shade val="50000"/>
+              </a:schemeClr>
+            </a:lnRef>
+            <a:fillRef idx="1">
+              <a:schemeClr val="accent1"/>
+            </a:fillRef>
+            <a:effectRef idx="0">
+              <a:schemeClr val="accent1"/>
+            </a:effectRef>
+            <a:fontRef idx="minor">
+              <a:schemeClr val="lt1"/>
+            </a:fontRef>
+          </p:style>
+          <p:txBody>
+            <a:bodyPr rtlCol="0" anchor="ctr"/>
+            <a:lstStyle/>
+            <a:p>
+              <a:pPr algn="ctr"/>
+              <a:endParaRPr lang="en-US"/>
+            </a:p>
+          </p:txBody>
+        </p:sp>
+      </p:grpSp>
+      <p:grpSp>
+        <p:nvGrpSpPr>
+          <p:cNvPr id="25" name="Group 24">
+            <a:extLst>
+              <a:ext uri="{FF2B5EF4-FFF2-40B4-BE49-F238E27FC236}">
+                <a16:creationId xmlns:a16="http://schemas.microsoft.com/office/drawing/2014/main" id="{4C042586-67F3-695A-B160-3559EB3572EC}"/>
+              </a:ext>
+            </a:extLst>
+          </p:cNvPr>
+          <p:cNvGrpSpPr/>
+          <p:nvPr/>
+        </p:nvGrpSpPr>
+        <p:grpSpPr>
+          <a:xfrm rot="13412358">
+            <a:off x="6023663" y="4103015"/>
+            <a:ext cx="1456000" cy="1085372"/>
+            <a:chOff x="462013" y="4200835"/>
+            <a:chExt cx="1456000" cy="1085372"/>
+          </a:xfrm>
+        </p:grpSpPr>
+        <p:sp>
+          <p:nvSpPr>
+            <p:cNvPr id="26" name="Rectangle 25">
+              <a:extLst>
+                <a:ext uri="{FF2B5EF4-FFF2-40B4-BE49-F238E27FC236}">
+                  <a16:creationId xmlns:a16="http://schemas.microsoft.com/office/drawing/2014/main" id="{EB20E03E-1B09-A30F-290A-17DFC8047EA8}"/>
+                </a:ext>
+              </a:extLst>
+            </p:cNvPr>
+            <p:cNvSpPr/>
+            <p:nvPr/>
+          </p:nvSpPr>
+          <p:spPr>
+            <a:xfrm>
+              <a:off x="648851" y="4248961"/>
+              <a:ext cx="1097280" cy="933651"/>
+            </a:xfrm>
+            <a:prstGeom prst="rect">
+              <a:avLst/>
+            </a:prstGeom>
+            <a:solidFill>
+              <a:schemeClr val="accent2">
+                <a:lumMod val="40000"/>
+                <a:lumOff val="60000"/>
+              </a:schemeClr>
+            </a:solidFill>
+            <a:ln>
+              <a:noFill/>
+            </a:ln>
+          </p:spPr>
+          <p:style>
+            <a:lnRef idx="2">
+              <a:schemeClr val="accent1">
+                <a:shade val="50000"/>
+              </a:schemeClr>
+            </a:lnRef>
+            <a:fillRef idx="1">
+              <a:schemeClr val="accent1"/>
+            </a:fillRef>
+            <a:effectRef idx="0">
+              <a:schemeClr val="accent1"/>
+            </a:effectRef>
+            <a:fontRef idx="minor">
+              <a:schemeClr val="lt1"/>
+            </a:fontRef>
+          </p:style>
+          <p:txBody>
+            <a:bodyPr rtlCol="0" anchor="ctr"/>
+            <a:lstStyle/>
+            <a:p>
+              <a:pPr algn="ctr"/>
+              <a:endParaRPr lang="en-US"/>
+            </a:p>
+          </p:txBody>
+        </p:sp>
+        <p:sp>
+          <p:nvSpPr>
+            <p:cNvPr id="27" name="Rectangle: Rounded Corners 26">
+              <a:extLst>
+                <a:ext uri="{FF2B5EF4-FFF2-40B4-BE49-F238E27FC236}">
+                  <a16:creationId xmlns:a16="http://schemas.microsoft.com/office/drawing/2014/main" id="{EE3C6C2C-8EF3-C89D-EFE5-6B6851FF3F0B}"/>
+                </a:ext>
+              </a:extLst>
+            </p:cNvPr>
+            <p:cNvSpPr/>
+            <p:nvPr/>
+          </p:nvSpPr>
+          <p:spPr>
+            <a:xfrm>
+              <a:off x="462013" y="4200836"/>
+              <a:ext cx="178388" cy="428917"/>
+            </a:xfrm>
+            <a:prstGeom prst="roundRect">
+              <a:avLst/>
+            </a:prstGeom>
+            <a:solidFill>
+              <a:schemeClr val="accent6">
+                <a:lumMod val="60000"/>
+                <a:lumOff val="40000"/>
+              </a:schemeClr>
+            </a:solidFill>
+            <a:ln>
+              <a:solidFill>
+                <a:schemeClr val="tx1">
+                  <a:lumMod val="65000"/>
+                  <a:lumOff val="35000"/>
+                </a:schemeClr>
+              </a:solidFill>
+            </a:ln>
+          </p:spPr>
+          <p:style>
+            <a:lnRef idx="2">
+              <a:schemeClr val="accent1">
+                <a:shade val="50000"/>
+              </a:schemeClr>
+            </a:lnRef>
+            <a:fillRef idx="1">
+              <a:schemeClr val="accent1"/>
+            </a:fillRef>
+            <a:effectRef idx="0">
+              <a:schemeClr val="accent1"/>
+            </a:effectRef>
+            <a:fontRef idx="minor">
+              <a:schemeClr val="lt1"/>
+            </a:fontRef>
+          </p:style>
+          <p:txBody>
+            <a:bodyPr rtlCol="0" anchor="ctr"/>
+            <a:lstStyle/>
+            <a:p>
+              <a:pPr algn="ctr"/>
+              <a:endParaRPr lang="en-US"/>
+            </a:p>
+          </p:txBody>
+        </p:sp>
+        <p:sp>
+          <p:nvSpPr>
+            <p:cNvPr id="28" name="Rectangle: Rounded Corners 27">
+              <a:extLst>
+                <a:ext uri="{FF2B5EF4-FFF2-40B4-BE49-F238E27FC236}">
+                  <a16:creationId xmlns:a16="http://schemas.microsoft.com/office/drawing/2014/main" id="{90CE2949-6ABF-65F2-1E03-00E28C4B63AA}"/>
+                </a:ext>
+              </a:extLst>
+            </p:cNvPr>
+            <p:cNvSpPr/>
+            <p:nvPr/>
+          </p:nvSpPr>
+          <p:spPr>
+            <a:xfrm>
+              <a:off x="470463" y="4857290"/>
+              <a:ext cx="178388" cy="428917"/>
+            </a:xfrm>
+            <a:prstGeom prst="roundRect">
+              <a:avLst/>
+            </a:prstGeom>
+            <a:solidFill>
+              <a:schemeClr val="accent6">
+                <a:lumMod val="60000"/>
+                <a:lumOff val="40000"/>
+              </a:schemeClr>
+            </a:solidFill>
+            <a:ln>
+              <a:solidFill>
+                <a:schemeClr val="tx1">
+                  <a:lumMod val="65000"/>
+                  <a:lumOff val="35000"/>
+                </a:schemeClr>
+              </a:solidFill>
+            </a:ln>
+          </p:spPr>
+          <p:style>
+            <a:lnRef idx="2">
+              <a:schemeClr val="accent1">
+                <a:shade val="50000"/>
+              </a:schemeClr>
+            </a:lnRef>
+            <a:fillRef idx="1">
+              <a:schemeClr val="accent1"/>
+            </a:fillRef>
+            <a:effectRef idx="0">
+              <a:schemeClr val="accent1"/>
+            </a:effectRef>
+            <a:fontRef idx="minor">
+              <a:schemeClr val="lt1"/>
+            </a:fontRef>
+          </p:style>
+          <p:txBody>
+            <a:bodyPr rtlCol="0" anchor="ctr"/>
+            <a:lstStyle/>
+            <a:p>
+              <a:pPr algn="ctr"/>
+              <a:endParaRPr lang="en-US"/>
+            </a:p>
+          </p:txBody>
+        </p:sp>
+        <p:sp>
+          <p:nvSpPr>
+            <p:cNvPr id="29" name="Rectangle: Rounded Corners 28">
+              <a:extLst>
+                <a:ext uri="{FF2B5EF4-FFF2-40B4-BE49-F238E27FC236}">
+                  <a16:creationId xmlns:a16="http://schemas.microsoft.com/office/drawing/2014/main" id="{8E7D90B4-A2C7-6360-8CB3-3F0B9181DD8C}"/>
+                </a:ext>
+              </a:extLst>
+            </p:cNvPr>
+            <p:cNvSpPr/>
+            <p:nvPr/>
+          </p:nvSpPr>
+          <p:spPr>
+            <a:xfrm>
+              <a:off x="1739625" y="4200835"/>
+              <a:ext cx="178388" cy="428917"/>
+            </a:xfrm>
+            <a:prstGeom prst="roundRect">
+              <a:avLst/>
+            </a:prstGeom>
+            <a:solidFill>
+              <a:schemeClr val="accent6">
+                <a:lumMod val="60000"/>
+                <a:lumOff val="40000"/>
+              </a:schemeClr>
+            </a:solidFill>
+            <a:ln>
+              <a:solidFill>
+                <a:schemeClr val="tx1">
+                  <a:lumMod val="65000"/>
+                  <a:lumOff val="35000"/>
+                </a:schemeClr>
+              </a:solidFill>
+            </a:ln>
+          </p:spPr>
+          <p:style>
+            <a:lnRef idx="2">
+              <a:schemeClr val="accent1">
+                <a:shade val="50000"/>
+              </a:schemeClr>
+            </a:lnRef>
+            <a:fillRef idx="1">
+              <a:schemeClr val="accent1"/>
+            </a:fillRef>
+            <a:effectRef idx="0">
+              <a:schemeClr val="accent1"/>
+            </a:effectRef>
+            <a:fontRef idx="minor">
+              <a:schemeClr val="lt1"/>
+            </a:fontRef>
+          </p:style>
+          <p:txBody>
+            <a:bodyPr rtlCol="0" anchor="ctr"/>
+            <a:lstStyle/>
+            <a:p>
+              <a:pPr algn="ctr"/>
+              <a:endParaRPr lang="en-US"/>
+            </a:p>
+          </p:txBody>
+        </p:sp>
+        <p:sp>
+          <p:nvSpPr>
+            <p:cNvPr id="30" name="Rectangle: Rounded Corners 29">
+              <a:extLst>
+                <a:ext uri="{FF2B5EF4-FFF2-40B4-BE49-F238E27FC236}">
+                  <a16:creationId xmlns:a16="http://schemas.microsoft.com/office/drawing/2014/main" id="{B4FCC4BA-3073-4FE2-0B31-6DB90C5057B8}"/>
+                </a:ext>
+              </a:extLst>
+            </p:cNvPr>
+            <p:cNvSpPr/>
+            <p:nvPr/>
+          </p:nvSpPr>
+          <p:spPr>
+            <a:xfrm>
+              <a:off x="1733119" y="4857289"/>
+              <a:ext cx="178388" cy="428917"/>
+            </a:xfrm>
+            <a:prstGeom prst="roundRect">
+              <a:avLst/>
+            </a:prstGeom>
+            <a:solidFill>
+              <a:schemeClr val="accent6">
+                <a:lumMod val="60000"/>
+                <a:lumOff val="40000"/>
+              </a:schemeClr>
+            </a:solidFill>
+            <a:ln>
+              <a:solidFill>
+                <a:schemeClr val="tx1">
+                  <a:lumMod val="65000"/>
+                  <a:lumOff val="35000"/>
+                </a:schemeClr>
+              </a:solidFill>
+            </a:ln>
+          </p:spPr>
+          <p:style>
+            <a:lnRef idx="2">
+              <a:schemeClr val="accent1">
+                <a:shade val="50000"/>
+              </a:schemeClr>
+            </a:lnRef>
+            <a:fillRef idx="1">
+              <a:schemeClr val="accent1"/>
+            </a:fillRef>
+            <a:effectRef idx="0">
+              <a:schemeClr val="accent1"/>
+            </a:effectRef>
+            <a:fontRef idx="minor">
+              <a:schemeClr val="lt1"/>
+            </a:fontRef>
+          </p:style>
+          <p:txBody>
+            <a:bodyPr rtlCol="0" anchor="ctr"/>
+            <a:lstStyle/>
+            <a:p>
+              <a:pPr algn="ctr"/>
+              <a:endParaRPr lang="en-US"/>
+            </a:p>
+          </p:txBody>
+        </p:sp>
+      </p:grpSp>
+      <p:grpSp>
+        <p:nvGrpSpPr>
+          <p:cNvPr id="31" name="Group 30">
+            <a:extLst>
+              <a:ext uri="{FF2B5EF4-FFF2-40B4-BE49-F238E27FC236}">
+                <a16:creationId xmlns:a16="http://schemas.microsoft.com/office/drawing/2014/main" id="{CCDE5696-1F9D-F185-5CBF-A7653D7D770F}"/>
+              </a:ext>
+            </a:extLst>
+          </p:cNvPr>
+          <p:cNvGrpSpPr/>
+          <p:nvPr/>
+        </p:nvGrpSpPr>
+        <p:grpSpPr>
+          <a:xfrm rot="16200000">
+            <a:off x="10234549" y="4218126"/>
+            <a:ext cx="1456000" cy="1085372"/>
+            <a:chOff x="462013" y="4200835"/>
+            <a:chExt cx="1456000" cy="1085372"/>
+          </a:xfrm>
+        </p:grpSpPr>
+        <p:sp>
+          <p:nvSpPr>
+            <p:cNvPr id="32" name="Rectangle 31">
+              <a:extLst>
+                <a:ext uri="{FF2B5EF4-FFF2-40B4-BE49-F238E27FC236}">
+                  <a16:creationId xmlns:a16="http://schemas.microsoft.com/office/drawing/2014/main" id="{0F588607-4565-681A-A4E4-3817AAE8B63A}"/>
+                </a:ext>
+              </a:extLst>
+            </p:cNvPr>
+            <p:cNvSpPr/>
+            <p:nvPr/>
+          </p:nvSpPr>
+          <p:spPr>
+            <a:xfrm>
+              <a:off x="648851" y="4248961"/>
+              <a:ext cx="1097280" cy="933651"/>
+            </a:xfrm>
+            <a:prstGeom prst="rect">
+              <a:avLst/>
+            </a:prstGeom>
+            <a:solidFill>
+              <a:schemeClr val="accent2">
+                <a:lumMod val="40000"/>
+                <a:lumOff val="60000"/>
+              </a:schemeClr>
+            </a:solidFill>
+            <a:ln>
+              <a:noFill/>
+            </a:ln>
+          </p:spPr>
+          <p:style>
+            <a:lnRef idx="2">
+              <a:schemeClr val="accent1">
+                <a:shade val="50000"/>
+              </a:schemeClr>
+            </a:lnRef>
+            <a:fillRef idx="1">
+              <a:schemeClr val="accent1"/>
+            </a:fillRef>
+            <a:effectRef idx="0">
+              <a:schemeClr val="accent1"/>
+            </a:effectRef>
+            <a:fontRef idx="minor">
+              <a:schemeClr val="lt1"/>
+            </a:fontRef>
+          </p:style>
+          <p:txBody>
+            <a:bodyPr rtlCol="0" anchor="ctr"/>
+            <a:lstStyle/>
+            <a:p>
+              <a:pPr algn="ctr"/>
+              <a:endParaRPr lang="en-US"/>
+            </a:p>
+          </p:txBody>
+        </p:sp>
+        <p:sp>
+          <p:nvSpPr>
+            <p:cNvPr id="33" name="Rectangle: Rounded Corners 32">
+              <a:extLst>
+                <a:ext uri="{FF2B5EF4-FFF2-40B4-BE49-F238E27FC236}">
+                  <a16:creationId xmlns:a16="http://schemas.microsoft.com/office/drawing/2014/main" id="{EE7C5221-1613-5ED4-BB35-A2B3C9F28F05}"/>
+                </a:ext>
+              </a:extLst>
+            </p:cNvPr>
+            <p:cNvSpPr/>
+            <p:nvPr/>
+          </p:nvSpPr>
+          <p:spPr>
+            <a:xfrm>
+              <a:off x="462013" y="4200836"/>
+              <a:ext cx="178388" cy="428917"/>
+            </a:xfrm>
+            <a:prstGeom prst="roundRect">
+              <a:avLst/>
+            </a:prstGeom>
+            <a:solidFill>
+              <a:schemeClr val="accent6">
+                <a:lumMod val="60000"/>
+                <a:lumOff val="40000"/>
+              </a:schemeClr>
+            </a:solidFill>
+            <a:ln>
+              <a:solidFill>
+                <a:schemeClr val="tx1">
+                  <a:lumMod val="65000"/>
+                  <a:lumOff val="35000"/>
+                </a:schemeClr>
+              </a:solidFill>
+            </a:ln>
+          </p:spPr>
+          <p:style>
+            <a:lnRef idx="2">
+              <a:schemeClr val="accent1">
+                <a:shade val="50000"/>
+              </a:schemeClr>
+            </a:lnRef>
+            <a:fillRef idx="1">
+              <a:schemeClr val="accent1"/>
+            </a:fillRef>
+            <a:effectRef idx="0">
+              <a:schemeClr val="accent1"/>
+            </a:effectRef>
+            <a:fontRef idx="minor">
+              <a:schemeClr val="lt1"/>
+            </a:fontRef>
+          </p:style>
+          <p:txBody>
+            <a:bodyPr rtlCol="0" anchor="ctr"/>
+            <a:lstStyle/>
+            <a:p>
+              <a:pPr algn="ctr"/>
+              <a:endParaRPr lang="en-US"/>
+            </a:p>
+          </p:txBody>
+        </p:sp>
+        <p:sp>
+          <p:nvSpPr>
+            <p:cNvPr id="34" name="Rectangle: Rounded Corners 33">
+              <a:extLst>
+                <a:ext uri="{FF2B5EF4-FFF2-40B4-BE49-F238E27FC236}">
+                  <a16:creationId xmlns:a16="http://schemas.microsoft.com/office/drawing/2014/main" id="{1CE705D3-8B22-0D5B-4A8B-437B49A01B30}"/>
+                </a:ext>
+              </a:extLst>
+            </p:cNvPr>
+            <p:cNvSpPr/>
+            <p:nvPr/>
+          </p:nvSpPr>
+          <p:spPr>
+            <a:xfrm>
+              <a:off x="470463" y="4857290"/>
+              <a:ext cx="178388" cy="428917"/>
+            </a:xfrm>
+            <a:prstGeom prst="roundRect">
+              <a:avLst/>
+            </a:prstGeom>
+            <a:solidFill>
+              <a:schemeClr val="accent6">
+                <a:lumMod val="60000"/>
+                <a:lumOff val="40000"/>
+              </a:schemeClr>
+            </a:solidFill>
+            <a:ln>
+              <a:solidFill>
+                <a:schemeClr val="tx1">
+                  <a:lumMod val="65000"/>
+                  <a:lumOff val="35000"/>
+                </a:schemeClr>
+              </a:solidFill>
+            </a:ln>
+          </p:spPr>
+          <p:style>
+            <a:lnRef idx="2">
+              <a:schemeClr val="accent1">
+                <a:shade val="50000"/>
+              </a:schemeClr>
+            </a:lnRef>
+            <a:fillRef idx="1">
+              <a:schemeClr val="accent1"/>
+            </a:fillRef>
+            <a:effectRef idx="0">
+              <a:schemeClr val="accent1"/>
+            </a:effectRef>
+            <a:fontRef idx="minor">
+              <a:schemeClr val="lt1"/>
+            </a:fontRef>
+          </p:style>
+          <p:txBody>
+            <a:bodyPr rtlCol="0" anchor="ctr"/>
+            <a:lstStyle/>
+            <a:p>
+              <a:pPr algn="ctr"/>
+              <a:endParaRPr lang="en-US"/>
+            </a:p>
+          </p:txBody>
+        </p:sp>
+        <p:sp>
+          <p:nvSpPr>
+            <p:cNvPr id="35" name="Rectangle: Rounded Corners 34">
+              <a:extLst>
+                <a:ext uri="{FF2B5EF4-FFF2-40B4-BE49-F238E27FC236}">
+                  <a16:creationId xmlns:a16="http://schemas.microsoft.com/office/drawing/2014/main" id="{ACC69D9A-F054-DB5D-33A4-D65C4AFD38FB}"/>
+                </a:ext>
+              </a:extLst>
+            </p:cNvPr>
+            <p:cNvSpPr/>
+            <p:nvPr/>
+          </p:nvSpPr>
+          <p:spPr>
+            <a:xfrm>
+              <a:off x="1739625" y="4200835"/>
+              <a:ext cx="178388" cy="428917"/>
+            </a:xfrm>
+            <a:prstGeom prst="roundRect">
+              <a:avLst/>
+            </a:prstGeom>
+            <a:solidFill>
+              <a:schemeClr val="accent6">
+                <a:lumMod val="60000"/>
+                <a:lumOff val="40000"/>
+              </a:schemeClr>
+            </a:solidFill>
+            <a:ln>
+              <a:solidFill>
+                <a:schemeClr val="tx1">
+                  <a:lumMod val="65000"/>
+                  <a:lumOff val="35000"/>
+                </a:schemeClr>
+              </a:solidFill>
+            </a:ln>
+          </p:spPr>
+          <p:style>
+            <a:lnRef idx="2">
+              <a:schemeClr val="accent1">
+                <a:shade val="50000"/>
+              </a:schemeClr>
+            </a:lnRef>
+            <a:fillRef idx="1">
+              <a:schemeClr val="accent1"/>
+            </a:fillRef>
+            <a:effectRef idx="0">
+              <a:schemeClr val="accent1"/>
+            </a:effectRef>
+            <a:fontRef idx="minor">
+              <a:schemeClr val="lt1"/>
+            </a:fontRef>
+          </p:style>
+          <p:txBody>
+            <a:bodyPr rtlCol="0" anchor="ctr"/>
+            <a:lstStyle/>
+            <a:p>
+              <a:pPr algn="ctr"/>
+              <a:endParaRPr lang="en-US"/>
+            </a:p>
+          </p:txBody>
+        </p:sp>
+        <p:sp>
+          <p:nvSpPr>
+            <p:cNvPr id="36" name="Rectangle: Rounded Corners 35">
+              <a:extLst>
+                <a:ext uri="{FF2B5EF4-FFF2-40B4-BE49-F238E27FC236}">
+                  <a16:creationId xmlns:a16="http://schemas.microsoft.com/office/drawing/2014/main" id="{F7CCA9B5-F583-8002-C8D0-2E98BCF34398}"/>
+                </a:ext>
+              </a:extLst>
+            </p:cNvPr>
+            <p:cNvSpPr/>
+            <p:nvPr/>
+          </p:nvSpPr>
+          <p:spPr>
+            <a:xfrm>
+              <a:off x="1733119" y="4857289"/>
+              <a:ext cx="178388" cy="428917"/>
+            </a:xfrm>
+            <a:prstGeom prst="roundRect">
+              <a:avLst/>
+            </a:prstGeom>
+            <a:solidFill>
+              <a:schemeClr val="accent6">
+                <a:lumMod val="60000"/>
+                <a:lumOff val="40000"/>
+              </a:schemeClr>
+            </a:solidFill>
+            <a:ln>
+              <a:solidFill>
+                <a:schemeClr val="tx1">
+                  <a:lumMod val="65000"/>
+                  <a:lumOff val="35000"/>
+                </a:schemeClr>
+              </a:solidFill>
+            </a:ln>
+          </p:spPr>
+          <p:style>
+            <a:lnRef idx="2">
+              <a:schemeClr val="accent1">
+                <a:shade val="50000"/>
+              </a:schemeClr>
+            </a:lnRef>
+            <a:fillRef idx="1">
+              <a:schemeClr val="accent1"/>
+            </a:fillRef>
+            <a:effectRef idx="0">
+              <a:schemeClr val="accent1"/>
+            </a:effectRef>
+            <a:fontRef idx="minor">
+              <a:schemeClr val="lt1"/>
+            </a:fontRef>
+          </p:style>
+          <p:txBody>
+            <a:bodyPr rtlCol="0" anchor="ctr"/>
+            <a:lstStyle/>
+            <a:p>
+              <a:pPr algn="ctr"/>
+              <a:endParaRPr lang="en-US"/>
+            </a:p>
+          </p:txBody>
+        </p:sp>
+      </p:grpSp>
+    </p:spTree>
+    <p:extLst>
+      <p:ext uri="{BB962C8B-B14F-4D97-AF65-F5344CB8AC3E}">
+        <p14:creationId xmlns:p14="http://schemas.microsoft.com/office/powerpoint/2010/main" val="3764021670"/>
+      </p:ext>
+    </p:extLst>
+  </p:cSld>
+  <p:clrMapOvr>
+    <a:masterClrMapping/>
+  </p:clrMapOvr>
+</p:sld>
+</file>
+
 <file path=ppt/slides/slide2.xml><?xml version="1.0" encoding="utf-8"?>
 <p:sld xmlns:a="http://schemas.openxmlformats.org/drawingml/2006/main" xmlns:r="http://schemas.openxmlformats.org/officeDocument/2006/relationships" xmlns:p="http://schemas.openxmlformats.org/presentationml/2006/main">
   <p:cSld>
@@ -4935,6 +10236,2046 @@
     <p:extLst>
       <p:ext uri="{BB962C8B-B14F-4D97-AF65-F5344CB8AC3E}">
         <p14:creationId xmlns:p14="http://schemas.microsoft.com/office/powerpoint/2010/main" val="617643404"/>
+      </p:ext>
+    </p:extLst>
+  </p:cSld>
+  <p:clrMapOvr>
+    <a:masterClrMapping/>
+  </p:clrMapOvr>
+</p:sld>
+</file>
+
+<file path=ppt/slides/slide20.xml><?xml version="1.0" encoding="utf-8"?>
+<p:sld xmlns:a="http://schemas.openxmlformats.org/drawingml/2006/main" xmlns:r="http://schemas.openxmlformats.org/officeDocument/2006/relationships" xmlns:p="http://schemas.openxmlformats.org/presentationml/2006/main">
+  <p:cSld>
+    <p:spTree>
+      <p:nvGrpSpPr>
+        <p:cNvPr id="1" name=""/>
+        <p:cNvGrpSpPr/>
+        <p:nvPr/>
+      </p:nvGrpSpPr>
+      <p:grpSpPr>
+        <a:xfrm>
+          <a:off x="0" y="0"/>
+          <a:ext cx="0" cy="0"/>
+          <a:chOff x="0" y="0"/>
+          <a:chExt cx="0" cy="0"/>
+        </a:xfrm>
+      </p:grpSpPr>
+      <p:sp>
+        <p:nvSpPr>
+          <p:cNvPr id="2" name="Title 1">
+            <a:extLst>
+              <a:ext uri="{FF2B5EF4-FFF2-40B4-BE49-F238E27FC236}">
+                <a16:creationId xmlns:a16="http://schemas.microsoft.com/office/drawing/2014/main" id="{230F044B-5842-499A-AE2D-91DF245AAF59}"/>
+              </a:ext>
+            </a:extLst>
+          </p:cNvPr>
+          <p:cNvSpPr>
+            <a:spLocks noGrp="1"/>
+          </p:cNvSpPr>
+          <p:nvPr>
+            <p:ph type="title"/>
+          </p:nvPr>
+        </p:nvSpPr>
+        <p:spPr/>
+        <p:txBody>
+          <a:bodyPr/>
+          <a:lstStyle/>
+          <a:p>
+            <a:r>
+              <a:rPr lang="en-US" dirty="0"/>
+              <a:t>Tracking the Ball</a:t>
+            </a:r>
+          </a:p>
+        </p:txBody>
+      </p:sp>
+      <p:sp>
+        <p:nvSpPr>
+          <p:cNvPr id="3" name="Content Placeholder 2">
+            <a:extLst>
+              <a:ext uri="{FF2B5EF4-FFF2-40B4-BE49-F238E27FC236}">
+                <a16:creationId xmlns:a16="http://schemas.microsoft.com/office/drawing/2014/main" id="{1F08A432-1AE6-1381-8CC4-5EE5C502051D}"/>
+              </a:ext>
+            </a:extLst>
+          </p:cNvPr>
+          <p:cNvSpPr>
+            <a:spLocks noGrp="1"/>
+          </p:cNvSpPr>
+          <p:nvPr>
+            <p:ph idx="1"/>
+          </p:nvPr>
+        </p:nvSpPr>
+        <p:spPr/>
+        <p:txBody>
+          <a:bodyPr/>
+          <a:lstStyle/>
+          <a:p>
+            <a:r>
+              <a:rPr lang="en-US" dirty="0"/>
+              <a:t>We will first rotate only left or right to track the ball</a:t>
+            </a:r>
+          </a:p>
+          <a:p>
+            <a:r>
+              <a:rPr lang="en-US" dirty="0"/>
+              <a:t>Tracking is done by rotating motors in opposite directions</a:t>
+            </a:r>
+          </a:p>
+          <a:p>
+            <a:pPr lvl="1"/>
+            <a:endParaRPr lang="en-US" dirty="0"/>
+          </a:p>
+        </p:txBody>
+      </p:sp>
+      <p:sp>
+        <p:nvSpPr>
+          <p:cNvPr id="4" name="Oval 3">
+            <a:extLst>
+              <a:ext uri="{FF2B5EF4-FFF2-40B4-BE49-F238E27FC236}">
+                <a16:creationId xmlns:a16="http://schemas.microsoft.com/office/drawing/2014/main" id="{A9A53859-FFB3-F135-142B-2A34598521CA}"/>
+              </a:ext>
+            </a:extLst>
+          </p:cNvPr>
+          <p:cNvSpPr/>
+          <p:nvPr/>
+        </p:nvSpPr>
+        <p:spPr>
+          <a:xfrm>
+            <a:off x="2378794" y="4664886"/>
+            <a:ext cx="450000" cy="450000"/>
+          </a:xfrm>
+          <a:prstGeom prst="ellipse">
+            <a:avLst/>
+          </a:prstGeom>
+          <a:solidFill>
+            <a:srgbClr val="FFC000"/>
+          </a:solidFill>
+          <a:ln>
+            <a:noFill/>
+          </a:ln>
+        </p:spPr>
+        <p:style>
+          <a:lnRef idx="2">
+            <a:schemeClr val="accent1">
+              <a:shade val="50000"/>
+            </a:schemeClr>
+          </a:lnRef>
+          <a:fillRef idx="1">
+            <a:schemeClr val="accent1"/>
+          </a:fillRef>
+          <a:effectRef idx="0">
+            <a:schemeClr val="accent1"/>
+          </a:effectRef>
+          <a:fontRef idx="minor">
+            <a:schemeClr val="lt1"/>
+          </a:fontRef>
+        </p:style>
+        <p:txBody>
+          <a:bodyPr rtlCol="0" anchor="ctr"/>
+          <a:lstStyle/>
+          <a:p>
+            <a:pPr algn="ctr"/>
+            <a:endParaRPr lang="en-US"/>
+          </a:p>
+        </p:txBody>
+      </p:sp>
+      <p:sp>
+        <p:nvSpPr>
+          <p:cNvPr id="5" name="Arrow: Curved Right 4">
+            <a:extLst>
+              <a:ext uri="{FF2B5EF4-FFF2-40B4-BE49-F238E27FC236}">
+                <a16:creationId xmlns:a16="http://schemas.microsoft.com/office/drawing/2014/main" id="{1C2E2215-DBD6-A525-29C2-5839952D5384}"/>
+              </a:ext>
+            </a:extLst>
+          </p:cNvPr>
+          <p:cNvSpPr/>
+          <p:nvPr/>
+        </p:nvSpPr>
+        <p:spPr>
+          <a:xfrm rot="6610042">
+            <a:off x="4143047" y="2947726"/>
+            <a:ext cx="702645" cy="1423069"/>
+          </a:xfrm>
+          <a:prstGeom prst="curvedRightArrow">
+            <a:avLst/>
+          </a:prstGeom>
+        </p:spPr>
+        <p:style>
+          <a:lnRef idx="2">
+            <a:schemeClr val="accent1">
+              <a:shade val="50000"/>
+            </a:schemeClr>
+          </a:lnRef>
+          <a:fillRef idx="1">
+            <a:schemeClr val="accent1"/>
+          </a:fillRef>
+          <a:effectRef idx="0">
+            <a:schemeClr val="accent1"/>
+          </a:effectRef>
+          <a:fontRef idx="minor">
+            <a:schemeClr val="lt1"/>
+          </a:fontRef>
+        </p:style>
+        <p:txBody>
+          <a:bodyPr rtlCol="0" anchor="ctr"/>
+          <a:lstStyle/>
+          <a:p>
+            <a:pPr algn="ctr"/>
+            <a:endParaRPr lang="en-US" dirty="0">
+              <a:solidFill>
+                <a:schemeClr val="tx1"/>
+              </a:solidFill>
+            </a:endParaRPr>
+          </a:p>
+        </p:txBody>
+      </p:sp>
+      <p:sp>
+        <p:nvSpPr>
+          <p:cNvPr id="6" name="Oval 5">
+            <a:extLst>
+              <a:ext uri="{FF2B5EF4-FFF2-40B4-BE49-F238E27FC236}">
+                <a16:creationId xmlns:a16="http://schemas.microsoft.com/office/drawing/2014/main" id="{3C4FB75C-5826-C043-0044-4FCB8295475F}"/>
+              </a:ext>
+            </a:extLst>
+          </p:cNvPr>
+          <p:cNvSpPr/>
+          <p:nvPr/>
+        </p:nvSpPr>
+        <p:spPr>
+          <a:xfrm>
+            <a:off x="6482002" y="4289260"/>
+            <a:ext cx="450000" cy="450000"/>
+          </a:xfrm>
+          <a:prstGeom prst="ellipse">
+            <a:avLst/>
+          </a:prstGeom>
+          <a:solidFill>
+            <a:srgbClr val="FFC000"/>
+          </a:solidFill>
+          <a:ln>
+            <a:noFill/>
+          </a:ln>
+        </p:spPr>
+        <p:style>
+          <a:lnRef idx="2">
+            <a:schemeClr val="accent1">
+              <a:shade val="50000"/>
+            </a:schemeClr>
+          </a:lnRef>
+          <a:fillRef idx="1">
+            <a:schemeClr val="accent1"/>
+          </a:fillRef>
+          <a:effectRef idx="0">
+            <a:schemeClr val="accent1"/>
+          </a:effectRef>
+          <a:fontRef idx="minor">
+            <a:schemeClr val="lt1"/>
+          </a:fontRef>
+        </p:style>
+        <p:txBody>
+          <a:bodyPr rtlCol="0" anchor="ctr"/>
+          <a:lstStyle/>
+          <a:p>
+            <a:pPr algn="ctr"/>
+            <a:endParaRPr lang="en-US"/>
+          </a:p>
+        </p:txBody>
+      </p:sp>
+      <p:sp>
+        <p:nvSpPr>
+          <p:cNvPr id="8" name="Arrow: Curved Right 7">
+            <a:extLst>
+              <a:ext uri="{FF2B5EF4-FFF2-40B4-BE49-F238E27FC236}">
+                <a16:creationId xmlns:a16="http://schemas.microsoft.com/office/drawing/2014/main" id="{15153DBF-4263-7B23-F5DC-8BC7ABB151F9}"/>
+              </a:ext>
+            </a:extLst>
+          </p:cNvPr>
+          <p:cNvSpPr/>
+          <p:nvPr/>
+        </p:nvSpPr>
+        <p:spPr>
+          <a:xfrm rot="14989958" flipV="1">
+            <a:off x="7961034" y="5086740"/>
+            <a:ext cx="702645" cy="1423069"/>
+          </a:xfrm>
+          <a:prstGeom prst="curvedRightArrow">
+            <a:avLst/>
+          </a:prstGeom>
+        </p:spPr>
+        <p:style>
+          <a:lnRef idx="2">
+            <a:schemeClr val="accent1">
+              <a:shade val="50000"/>
+            </a:schemeClr>
+          </a:lnRef>
+          <a:fillRef idx="1">
+            <a:schemeClr val="accent1"/>
+          </a:fillRef>
+          <a:effectRef idx="0">
+            <a:schemeClr val="accent1"/>
+          </a:effectRef>
+          <a:fontRef idx="minor">
+            <a:schemeClr val="lt1"/>
+          </a:fontRef>
+        </p:style>
+        <p:txBody>
+          <a:bodyPr rtlCol="0" anchor="ctr"/>
+          <a:lstStyle/>
+          <a:p>
+            <a:pPr algn="ctr"/>
+            <a:endParaRPr lang="en-US">
+              <a:solidFill>
+                <a:schemeClr val="tx1"/>
+              </a:solidFill>
+            </a:endParaRPr>
+          </a:p>
+        </p:txBody>
+      </p:sp>
+      <p:grpSp>
+        <p:nvGrpSpPr>
+          <p:cNvPr id="11" name="Group 10">
+            <a:extLst>
+              <a:ext uri="{FF2B5EF4-FFF2-40B4-BE49-F238E27FC236}">
+                <a16:creationId xmlns:a16="http://schemas.microsoft.com/office/drawing/2014/main" id="{87EBD921-B07C-43A7-DEA0-65D05CE2D17C}"/>
+              </a:ext>
+            </a:extLst>
+          </p:cNvPr>
+          <p:cNvGrpSpPr/>
+          <p:nvPr/>
+        </p:nvGrpSpPr>
+        <p:grpSpPr>
+          <a:xfrm rot="19425363">
+            <a:off x="3714658" y="4567746"/>
+            <a:ext cx="1456000" cy="1085372"/>
+            <a:chOff x="462013" y="4200835"/>
+            <a:chExt cx="1456000" cy="1085372"/>
+          </a:xfrm>
+        </p:grpSpPr>
+        <p:sp>
+          <p:nvSpPr>
+            <p:cNvPr id="12" name="Rectangle 11">
+              <a:extLst>
+                <a:ext uri="{FF2B5EF4-FFF2-40B4-BE49-F238E27FC236}">
+                  <a16:creationId xmlns:a16="http://schemas.microsoft.com/office/drawing/2014/main" id="{7E8FB39E-01E6-B39F-AC64-CAC7DA9F1061}"/>
+                </a:ext>
+              </a:extLst>
+            </p:cNvPr>
+            <p:cNvSpPr/>
+            <p:nvPr/>
+          </p:nvSpPr>
+          <p:spPr>
+            <a:xfrm>
+              <a:off x="648851" y="4248961"/>
+              <a:ext cx="1097280" cy="933651"/>
+            </a:xfrm>
+            <a:prstGeom prst="rect">
+              <a:avLst/>
+            </a:prstGeom>
+            <a:solidFill>
+              <a:schemeClr val="accent2">
+                <a:lumMod val="40000"/>
+                <a:lumOff val="60000"/>
+              </a:schemeClr>
+            </a:solidFill>
+            <a:ln>
+              <a:noFill/>
+            </a:ln>
+          </p:spPr>
+          <p:style>
+            <a:lnRef idx="2">
+              <a:schemeClr val="accent1">
+                <a:shade val="50000"/>
+              </a:schemeClr>
+            </a:lnRef>
+            <a:fillRef idx="1">
+              <a:schemeClr val="accent1"/>
+            </a:fillRef>
+            <a:effectRef idx="0">
+              <a:schemeClr val="accent1"/>
+            </a:effectRef>
+            <a:fontRef idx="minor">
+              <a:schemeClr val="lt1"/>
+            </a:fontRef>
+          </p:style>
+          <p:txBody>
+            <a:bodyPr rtlCol="0" anchor="ctr"/>
+            <a:lstStyle/>
+            <a:p>
+              <a:pPr algn="ctr"/>
+              <a:endParaRPr lang="en-US"/>
+            </a:p>
+          </p:txBody>
+        </p:sp>
+        <p:sp>
+          <p:nvSpPr>
+            <p:cNvPr id="13" name="Rectangle: Rounded Corners 12">
+              <a:extLst>
+                <a:ext uri="{FF2B5EF4-FFF2-40B4-BE49-F238E27FC236}">
+                  <a16:creationId xmlns:a16="http://schemas.microsoft.com/office/drawing/2014/main" id="{C530C54B-FE7C-2506-1F7B-F93BF1F41FB1}"/>
+                </a:ext>
+              </a:extLst>
+            </p:cNvPr>
+            <p:cNvSpPr/>
+            <p:nvPr/>
+          </p:nvSpPr>
+          <p:spPr>
+            <a:xfrm>
+              <a:off x="462013" y="4200836"/>
+              <a:ext cx="178388" cy="428917"/>
+            </a:xfrm>
+            <a:prstGeom prst="roundRect">
+              <a:avLst/>
+            </a:prstGeom>
+            <a:solidFill>
+              <a:schemeClr val="accent6">
+                <a:lumMod val="60000"/>
+                <a:lumOff val="40000"/>
+              </a:schemeClr>
+            </a:solidFill>
+            <a:ln>
+              <a:solidFill>
+                <a:schemeClr val="tx1">
+                  <a:lumMod val="65000"/>
+                  <a:lumOff val="35000"/>
+                </a:schemeClr>
+              </a:solidFill>
+            </a:ln>
+          </p:spPr>
+          <p:style>
+            <a:lnRef idx="2">
+              <a:schemeClr val="accent1">
+                <a:shade val="50000"/>
+              </a:schemeClr>
+            </a:lnRef>
+            <a:fillRef idx="1">
+              <a:schemeClr val="accent1"/>
+            </a:fillRef>
+            <a:effectRef idx="0">
+              <a:schemeClr val="accent1"/>
+            </a:effectRef>
+            <a:fontRef idx="minor">
+              <a:schemeClr val="lt1"/>
+            </a:fontRef>
+          </p:style>
+          <p:txBody>
+            <a:bodyPr rtlCol="0" anchor="ctr"/>
+            <a:lstStyle/>
+            <a:p>
+              <a:pPr algn="ctr"/>
+              <a:endParaRPr lang="en-US"/>
+            </a:p>
+          </p:txBody>
+        </p:sp>
+        <p:sp>
+          <p:nvSpPr>
+            <p:cNvPr id="14" name="Rectangle: Rounded Corners 13">
+              <a:extLst>
+                <a:ext uri="{FF2B5EF4-FFF2-40B4-BE49-F238E27FC236}">
+                  <a16:creationId xmlns:a16="http://schemas.microsoft.com/office/drawing/2014/main" id="{45747ACF-B7F0-6094-BBBF-E0C847798326}"/>
+                </a:ext>
+              </a:extLst>
+            </p:cNvPr>
+            <p:cNvSpPr/>
+            <p:nvPr/>
+          </p:nvSpPr>
+          <p:spPr>
+            <a:xfrm>
+              <a:off x="470463" y="4857290"/>
+              <a:ext cx="178388" cy="428917"/>
+            </a:xfrm>
+            <a:prstGeom prst="roundRect">
+              <a:avLst/>
+            </a:prstGeom>
+            <a:solidFill>
+              <a:schemeClr val="accent6">
+                <a:lumMod val="60000"/>
+                <a:lumOff val="40000"/>
+              </a:schemeClr>
+            </a:solidFill>
+            <a:ln>
+              <a:solidFill>
+                <a:schemeClr val="tx1">
+                  <a:lumMod val="65000"/>
+                  <a:lumOff val="35000"/>
+                </a:schemeClr>
+              </a:solidFill>
+            </a:ln>
+          </p:spPr>
+          <p:style>
+            <a:lnRef idx="2">
+              <a:schemeClr val="accent1">
+                <a:shade val="50000"/>
+              </a:schemeClr>
+            </a:lnRef>
+            <a:fillRef idx="1">
+              <a:schemeClr val="accent1"/>
+            </a:fillRef>
+            <a:effectRef idx="0">
+              <a:schemeClr val="accent1"/>
+            </a:effectRef>
+            <a:fontRef idx="minor">
+              <a:schemeClr val="lt1"/>
+            </a:fontRef>
+          </p:style>
+          <p:txBody>
+            <a:bodyPr rtlCol="0" anchor="ctr"/>
+            <a:lstStyle/>
+            <a:p>
+              <a:pPr algn="ctr"/>
+              <a:endParaRPr lang="en-US"/>
+            </a:p>
+          </p:txBody>
+        </p:sp>
+        <p:sp>
+          <p:nvSpPr>
+            <p:cNvPr id="15" name="Rectangle: Rounded Corners 14">
+              <a:extLst>
+                <a:ext uri="{FF2B5EF4-FFF2-40B4-BE49-F238E27FC236}">
+                  <a16:creationId xmlns:a16="http://schemas.microsoft.com/office/drawing/2014/main" id="{406952C2-CB9B-5E8E-91CD-0DCC871372E2}"/>
+                </a:ext>
+              </a:extLst>
+            </p:cNvPr>
+            <p:cNvSpPr/>
+            <p:nvPr/>
+          </p:nvSpPr>
+          <p:spPr>
+            <a:xfrm>
+              <a:off x="1739625" y="4200835"/>
+              <a:ext cx="178388" cy="428917"/>
+            </a:xfrm>
+            <a:prstGeom prst="roundRect">
+              <a:avLst/>
+            </a:prstGeom>
+            <a:solidFill>
+              <a:schemeClr val="accent6">
+                <a:lumMod val="60000"/>
+                <a:lumOff val="40000"/>
+              </a:schemeClr>
+            </a:solidFill>
+            <a:ln>
+              <a:solidFill>
+                <a:schemeClr val="tx1">
+                  <a:lumMod val="65000"/>
+                  <a:lumOff val="35000"/>
+                </a:schemeClr>
+              </a:solidFill>
+            </a:ln>
+          </p:spPr>
+          <p:style>
+            <a:lnRef idx="2">
+              <a:schemeClr val="accent1">
+                <a:shade val="50000"/>
+              </a:schemeClr>
+            </a:lnRef>
+            <a:fillRef idx="1">
+              <a:schemeClr val="accent1"/>
+            </a:fillRef>
+            <a:effectRef idx="0">
+              <a:schemeClr val="accent1"/>
+            </a:effectRef>
+            <a:fontRef idx="minor">
+              <a:schemeClr val="lt1"/>
+            </a:fontRef>
+          </p:style>
+          <p:txBody>
+            <a:bodyPr rtlCol="0" anchor="ctr"/>
+            <a:lstStyle/>
+            <a:p>
+              <a:pPr algn="ctr"/>
+              <a:endParaRPr lang="en-US"/>
+            </a:p>
+          </p:txBody>
+        </p:sp>
+        <p:sp>
+          <p:nvSpPr>
+            <p:cNvPr id="16" name="Rectangle: Rounded Corners 15">
+              <a:extLst>
+                <a:ext uri="{FF2B5EF4-FFF2-40B4-BE49-F238E27FC236}">
+                  <a16:creationId xmlns:a16="http://schemas.microsoft.com/office/drawing/2014/main" id="{6A7A71CD-66BC-86B5-2E3E-27E971FBC89A}"/>
+                </a:ext>
+              </a:extLst>
+            </p:cNvPr>
+            <p:cNvSpPr/>
+            <p:nvPr/>
+          </p:nvSpPr>
+          <p:spPr>
+            <a:xfrm>
+              <a:off x="1733119" y="4857289"/>
+              <a:ext cx="178388" cy="428917"/>
+            </a:xfrm>
+            <a:prstGeom prst="roundRect">
+              <a:avLst/>
+            </a:prstGeom>
+            <a:solidFill>
+              <a:schemeClr val="accent6">
+                <a:lumMod val="60000"/>
+                <a:lumOff val="40000"/>
+              </a:schemeClr>
+            </a:solidFill>
+            <a:ln>
+              <a:solidFill>
+                <a:schemeClr val="tx1">
+                  <a:lumMod val="65000"/>
+                  <a:lumOff val="35000"/>
+                </a:schemeClr>
+              </a:solidFill>
+            </a:ln>
+          </p:spPr>
+          <p:style>
+            <a:lnRef idx="2">
+              <a:schemeClr val="accent1">
+                <a:shade val="50000"/>
+              </a:schemeClr>
+            </a:lnRef>
+            <a:fillRef idx="1">
+              <a:schemeClr val="accent1"/>
+            </a:fillRef>
+            <a:effectRef idx="0">
+              <a:schemeClr val="accent1"/>
+            </a:effectRef>
+            <a:fontRef idx="minor">
+              <a:schemeClr val="lt1"/>
+            </a:fontRef>
+          </p:style>
+          <p:txBody>
+            <a:bodyPr rtlCol="0" anchor="ctr"/>
+            <a:lstStyle/>
+            <a:p>
+              <a:pPr algn="ctr"/>
+              <a:endParaRPr lang="en-US"/>
+            </a:p>
+          </p:txBody>
+        </p:sp>
+      </p:grpSp>
+      <p:grpSp>
+        <p:nvGrpSpPr>
+          <p:cNvPr id="18" name="Group 17">
+            <a:extLst>
+              <a:ext uri="{FF2B5EF4-FFF2-40B4-BE49-F238E27FC236}">
+                <a16:creationId xmlns:a16="http://schemas.microsoft.com/office/drawing/2014/main" id="{51FB078D-4AC4-5126-D4C9-8B9B2214FE27}"/>
+              </a:ext>
+            </a:extLst>
+          </p:cNvPr>
+          <p:cNvGrpSpPr/>
+          <p:nvPr/>
+        </p:nvGrpSpPr>
+        <p:grpSpPr>
+          <a:xfrm rot="13412358">
+            <a:off x="7698459" y="3729089"/>
+            <a:ext cx="1456000" cy="1085372"/>
+            <a:chOff x="462013" y="4200835"/>
+            <a:chExt cx="1456000" cy="1085372"/>
+          </a:xfrm>
+        </p:grpSpPr>
+        <p:sp>
+          <p:nvSpPr>
+            <p:cNvPr id="19" name="Rectangle 18">
+              <a:extLst>
+                <a:ext uri="{FF2B5EF4-FFF2-40B4-BE49-F238E27FC236}">
+                  <a16:creationId xmlns:a16="http://schemas.microsoft.com/office/drawing/2014/main" id="{95CAE9F7-CBC5-E534-ADA2-20A7ECD69B6D}"/>
+                </a:ext>
+              </a:extLst>
+            </p:cNvPr>
+            <p:cNvSpPr/>
+            <p:nvPr/>
+          </p:nvSpPr>
+          <p:spPr>
+            <a:xfrm>
+              <a:off x="648851" y="4248961"/>
+              <a:ext cx="1097280" cy="933651"/>
+            </a:xfrm>
+            <a:prstGeom prst="rect">
+              <a:avLst/>
+            </a:prstGeom>
+            <a:solidFill>
+              <a:schemeClr val="accent2">
+                <a:lumMod val="40000"/>
+                <a:lumOff val="60000"/>
+              </a:schemeClr>
+            </a:solidFill>
+            <a:ln>
+              <a:noFill/>
+            </a:ln>
+          </p:spPr>
+          <p:style>
+            <a:lnRef idx="2">
+              <a:schemeClr val="accent1">
+                <a:shade val="50000"/>
+              </a:schemeClr>
+            </a:lnRef>
+            <a:fillRef idx="1">
+              <a:schemeClr val="accent1"/>
+            </a:fillRef>
+            <a:effectRef idx="0">
+              <a:schemeClr val="accent1"/>
+            </a:effectRef>
+            <a:fontRef idx="minor">
+              <a:schemeClr val="lt1"/>
+            </a:fontRef>
+          </p:style>
+          <p:txBody>
+            <a:bodyPr rtlCol="0" anchor="ctr"/>
+            <a:lstStyle/>
+            <a:p>
+              <a:pPr algn="ctr"/>
+              <a:endParaRPr lang="en-US"/>
+            </a:p>
+          </p:txBody>
+        </p:sp>
+        <p:sp>
+          <p:nvSpPr>
+            <p:cNvPr id="20" name="Rectangle: Rounded Corners 19">
+              <a:extLst>
+                <a:ext uri="{FF2B5EF4-FFF2-40B4-BE49-F238E27FC236}">
+                  <a16:creationId xmlns:a16="http://schemas.microsoft.com/office/drawing/2014/main" id="{0E5D9998-F0E0-D1BB-A260-DE5D4C737CD8}"/>
+                </a:ext>
+              </a:extLst>
+            </p:cNvPr>
+            <p:cNvSpPr/>
+            <p:nvPr/>
+          </p:nvSpPr>
+          <p:spPr>
+            <a:xfrm>
+              <a:off x="462013" y="4200836"/>
+              <a:ext cx="178388" cy="428917"/>
+            </a:xfrm>
+            <a:prstGeom prst="roundRect">
+              <a:avLst/>
+            </a:prstGeom>
+            <a:solidFill>
+              <a:schemeClr val="accent6">
+                <a:lumMod val="60000"/>
+                <a:lumOff val="40000"/>
+              </a:schemeClr>
+            </a:solidFill>
+            <a:ln>
+              <a:solidFill>
+                <a:schemeClr val="tx1">
+                  <a:lumMod val="65000"/>
+                  <a:lumOff val="35000"/>
+                </a:schemeClr>
+              </a:solidFill>
+            </a:ln>
+          </p:spPr>
+          <p:style>
+            <a:lnRef idx="2">
+              <a:schemeClr val="accent1">
+                <a:shade val="50000"/>
+              </a:schemeClr>
+            </a:lnRef>
+            <a:fillRef idx="1">
+              <a:schemeClr val="accent1"/>
+            </a:fillRef>
+            <a:effectRef idx="0">
+              <a:schemeClr val="accent1"/>
+            </a:effectRef>
+            <a:fontRef idx="minor">
+              <a:schemeClr val="lt1"/>
+            </a:fontRef>
+          </p:style>
+          <p:txBody>
+            <a:bodyPr rtlCol="0" anchor="ctr"/>
+            <a:lstStyle/>
+            <a:p>
+              <a:pPr algn="ctr"/>
+              <a:endParaRPr lang="en-US"/>
+            </a:p>
+          </p:txBody>
+        </p:sp>
+        <p:sp>
+          <p:nvSpPr>
+            <p:cNvPr id="21" name="Rectangle: Rounded Corners 20">
+              <a:extLst>
+                <a:ext uri="{FF2B5EF4-FFF2-40B4-BE49-F238E27FC236}">
+                  <a16:creationId xmlns:a16="http://schemas.microsoft.com/office/drawing/2014/main" id="{22EF5320-3E7E-87FD-C161-42EB5ACBC572}"/>
+                </a:ext>
+              </a:extLst>
+            </p:cNvPr>
+            <p:cNvSpPr/>
+            <p:nvPr/>
+          </p:nvSpPr>
+          <p:spPr>
+            <a:xfrm>
+              <a:off x="470463" y="4857290"/>
+              <a:ext cx="178388" cy="428917"/>
+            </a:xfrm>
+            <a:prstGeom prst="roundRect">
+              <a:avLst/>
+            </a:prstGeom>
+            <a:solidFill>
+              <a:schemeClr val="accent6">
+                <a:lumMod val="60000"/>
+                <a:lumOff val="40000"/>
+              </a:schemeClr>
+            </a:solidFill>
+            <a:ln>
+              <a:solidFill>
+                <a:schemeClr val="tx1">
+                  <a:lumMod val="65000"/>
+                  <a:lumOff val="35000"/>
+                </a:schemeClr>
+              </a:solidFill>
+            </a:ln>
+          </p:spPr>
+          <p:style>
+            <a:lnRef idx="2">
+              <a:schemeClr val="accent1">
+                <a:shade val="50000"/>
+              </a:schemeClr>
+            </a:lnRef>
+            <a:fillRef idx="1">
+              <a:schemeClr val="accent1"/>
+            </a:fillRef>
+            <a:effectRef idx="0">
+              <a:schemeClr val="accent1"/>
+            </a:effectRef>
+            <a:fontRef idx="minor">
+              <a:schemeClr val="lt1"/>
+            </a:fontRef>
+          </p:style>
+          <p:txBody>
+            <a:bodyPr rtlCol="0" anchor="ctr"/>
+            <a:lstStyle/>
+            <a:p>
+              <a:pPr algn="ctr"/>
+              <a:endParaRPr lang="en-US"/>
+            </a:p>
+          </p:txBody>
+        </p:sp>
+        <p:sp>
+          <p:nvSpPr>
+            <p:cNvPr id="22" name="Rectangle: Rounded Corners 21">
+              <a:extLst>
+                <a:ext uri="{FF2B5EF4-FFF2-40B4-BE49-F238E27FC236}">
+                  <a16:creationId xmlns:a16="http://schemas.microsoft.com/office/drawing/2014/main" id="{15C50DCE-9508-94B4-560C-5C5DEF141B4A}"/>
+                </a:ext>
+              </a:extLst>
+            </p:cNvPr>
+            <p:cNvSpPr/>
+            <p:nvPr/>
+          </p:nvSpPr>
+          <p:spPr>
+            <a:xfrm>
+              <a:off x="1739625" y="4200835"/>
+              <a:ext cx="178388" cy="428917"/>
+            </a:xfrm>
+            <a:prstGeom prst="roundRect">
+              <a:avLst/>
+            </a:prstGeom>
+            <a:solidFill>
+              <a:schemeClr val="accent6">
+                <a:lumMod val="60000"/>
+                <a:lumOff val="40000"/>
+              </a:schemeClr>
+            </a:solidFill>
+            <a:ln>
+              <a:solidFill>
+                <a:schemeClr val="tx1">
+                  <a:lumMod val="65000"/>
+                  <a:lumOff val="35000"/>
+                </a:schemeClr>
+              </a:solidFill>
+            </a:ln>
+          </p:spPr>
+          <p:style>
+            <a:lnRef idx="2">
+              <a:schemeClr val="accent1">
+                <a:shade val="50000"/>
+              </a:schemeClr>
+            </a:lnRef>
+            <a:fillRef idx="1">
+              <a:schemeClr val="accent1"/>
+            </a:fillRef>
+            <a:effectRef idx="0">
+              <a:schemeClr val="accent1"/>
+            </a:effectRef>
+            <a:fontRef idx="minor">
+              <a:schemeClr val="lt1"/>
+            </a:fontRef>
+          </p:style>
+          <p:txBody>
+            <a:bodyPr rtlCol="0" anchor="ctr"/>
+            <a:lstStyle/>
+            <a:p>
+              <a:pPr algn="ctr"/>
+              <a:endParaRPr lang="en-US"/>
+            </a:p>
+          </p:txBody>
+        </p:sp>
+        <p:sp>
+          <p:nvSpPr>
+            <p:cNvPr id="23" name="Rectangle: Rounded Corners 22">
+              <a:extLst>
+                <a:ext uri="{FF2B5EF4-FFF2-40B4-BE49-F238E27FC236}">
+                  <a16:creationId xmlns:a16="http://schemas.microsoft.com/office/drawing/2014/main" id="{6C1A7E1D-A90C-20DE-4EC7-6C91BF0E183E}"/>
+                </a:ext>
+              </a:extLst>
+            </p:cNvPr>
+            <p:cNvSpPr/>
+            <p:nvPr/>
+          </p:nvSpPr>
+          <p:spPr>
+            <a:xfrm>
+              <a:off x="1733119" y="4857289"/>
+              <a:ext cx="178388" cy="428917"/>
+            </a:xfrm>
+            <a:prstGeom prst="roundRect">
+              <a:avLst/>
+            </a:prstGeom>
+            <a:solidFill>
+              <a:schemeClr val="accent6">
+                <a:lumMod val="60000"/>
+                <a:lumOff val="40000"/>
+              </a:schemeClr>
+            </a:solidFill>
+            <a:ln>
+              <a:solidFill>
+                <a:schemeClr val="tx1">
+                  <a:lumMod val="65000"/>
+                  <a:lumOff val="35000"/>
+                </a:schemeClr>
+              </a:solidFill>
+            </a:ln>
+          </p:spPr>
+          <p:style>
+            <a:lnRef idx="2">
+              <a:schemeClr val="accent1">
+                <a:shade val="50000"/>
+              </a:schemeClr>
+            </a:lnRef>
+            <a:fillRef idx="1">
+              <a:schemeClr val="accent1"/>
+            </a:fillRef>
+            <a:effectRef idx="0">
+              <a:schemeClr val="accent1"/>
+            </a:effectRef>
+            <a:fontRef idx="minor">
+              <a:schemeClr val="lt1"/>
+            </a:fontRef>
+          </p:style>
+          <p:txBody>
+            <a:bodyPr rtlCol="0" anchor="ctr"/>
+            <a:lstStyle/>
+            <a:p>
+              <a:pPr algn="ctr"/>
+              <a:endParaRPr lang="en-US"/>
+            </a:p>
+          </p:txBody>
+        </p:sp>
+      </p:grpSp>
+    </p:spTree>
+    <p:extLst>
+      <p:ext uri="{BB962C8B-B14F-4D97-AF65-F5344CB8AC3E}">
+        <p14:creationId xmlns:p14="http://schemas.microsoft.com/office/powerpoint/2010/main" val="2649465318"/>
+      </p:ext>
+    </p:extLst>
+  </p:cSld>
+  <p:clrMapOvr>
+    <a:masterClrMapping/>
+  </p:clrMapOvr>
+</p:sld>
+</file>
+
+<file path=ppt/slides/slide21.xml><?xml version="1.0" encoding="utf-8"?>
+<p:sld xmlns:a="http://schemas.openxmlformats.org/drawingml/2006/main" xmlns:r="http://schemas.openxmlformats.org/officeDocument/2006/relationships" xmlns:p="http://schemas.openxmlformats.org/presentationml/2006/main">
+  <p:cSld>
+    <p:spTree>
+      <p:nvGrpSpPr>
+        <p:cNvPr id="1" name=""/>
+        <p:cNvGrpSpPr/>
+        <p:nvPr/>
+      </p:nvGrpSpPr>
+      <p:grpSpPr>
+        <a:xfrm>
+          <a:off x="0" y="0"/>
+          <a:ext cx="0" cy="0"/>
+          <a:chOff x="0" y="0"/>
+          <a:chExt cx="0" cy="0"/>
+        </a:xfrm>
+      </p:grpSpPr>
+      <p:sp>
+        <p:nvSpPr>
+          <p:cNvPr id="2" name="Title 1">
+            <a:extLst>
+              <a:ext uri="{FF2B5EF4-FFF2-40B4-BE49-F238E27FC236}">
+                <a16:creationId xmlns:a16="http://schemas.microsoft.com/office/drawing/2014/main" id="{230F044B-5842-499A-AE2D-91DF245AAF59}"/>
+              </a:ext>
+            </a:extLst>
+          </p:cNvPr>
+          <p:cNvSpPr>
+            <a:spLocks noGrp="1"/>
+          </p:cNvSpPr>
+          <p:nvPr>
+            <p:ph type="title"/>
+          </p:nvPr>
+        </p:nvSpPr>
+        <p:spPr/>
+        <p:txBody>
+          <a:bodyPr/>
+          <a:lstStyle/>
+          <a:p>
+            <a:r>
+              <a:rPr lang="en-US" dirty="0"/>
+              <a:t>Getting to the Ball</a:t>
+            </a:r>
+          </a:p>
+        </p:txBody>
+      </p:sp>
+      <p:sp>
+        <p:nvSpPr>
+          <p:cNvPr id="3" name="Content Placeholder 2">
+            <a:extLst>
+              <a:ext uri="{FF2B5EF4-FFF2-40B4-BE49-F238E27FC236}">
+                <a16:creationId xmlns:a16="http://schemas.microsoft.com/office/drawing/2014/main" id="{1F08A432-1AE6-1381-8CC4-5EE5C502051D}"/>
+              </a:ext>
+            </a:extLst>
+          </p:cNvPr>
+          <p:cNvSpPr>
+            <a:spLocks noGrp="1"/>
+          </p:cNvSpPr>
+          <p:nvPr>
+            <p:ph idx="1"/>
+          </p:nvPr>
+        </p:nvSpPr>
+        <p:spPr/>
+        <p:txBody>
+          <a:bodyPr/>
+          <a:lstStyle/>
+          <a:p>
+            <a:r>
+              <a:rPr lang="en-US" dirty="0"/>
+              <a:t>After tracking the ball, we will move towards it</a:t>
+            </a:r>
+          </a:p>
+          <a:p>
+            <a:pPr marL="274320" lvl="1" indent="0">
+              <a:buNone/>
+            </a:pPr>
+            <a:endParaRPr lang="en-US" dirty="0"/>
+          </a:p>
+        </p:txBody>
+      </p:sp>
+      <p:sp>
+        <p:nvSpPr>
+          <p:cNvPr id="7" name="Arrow: Right 6">
+            <a:extLst>
+              <a:ext uri="{FF2B5EF4-FFF2-40B4-BE49-F238E27FC236}">
+                <a16:creationId xmlns:a16="http://schemas.microsoft.com/office/drawing/2014/main" id="{08818380-BE96-F1B8-5726-BC1FCEF2F105}"/>
+              </a:ext>
+            </a:extLst>
+          </p:cNvPr>
+          <p:cNvSpPr/>
+          <p:nvPr/>
+        </p:nvSpPr>
+        <p:spPr>
+          <a:xfrm rot="10800000">
+            <a:off x="4203638" y="3773552"/>
+            <a:ext cx="947294" cy="423040"/>
+          </a:xfrm>
+          <a:prstGeom prst="rightArrow">
+            <a:avLst/>
+          </a:prstGeom>
+        </p:spPr>
+        <p:style>
+          <a:lnRef idx="2">
+            <a:schemeClr val="accent1">
+              <a:shade val="50000"/>
+            </a:schemeClr>
+          </a:lnRef>
+          <a:fillRef idx="1">
+            <a:schemeClr val="accent1"/>
+          </a:fillRef>
+          <a:effectRef idx="0">
+            <a:schemeClr val="accent1"/>
+          </a:effectRef>
+          <a:fontRef idx="minor">
+            <a:schemeClr val="lt1"/>
+          </a:fontRef>
+        </p:style>
+        <p:txBody>
+          <a:bodyPr rtlCol="0" anchor="ctr"/>
+          <a:lstStyle/>
+          <a:p>
+            <a:pPr algn="ctr"/>
+            <a:endParaRPr lang="en-US"/>
+          </a:p>
+        </p:txBody>
+      </p:sp>
+      <p:sp>
+        <p:nvSpPr>
+          <p:cNvPr id="9" name="Oval 8">
+            <a:extLst>
+              <a:ext uri="{FF2B5EF4-FFF2-40B4-BE49-F238E27FC236}">
+                <a16:creationId xmlns:a16="http://schemas.microsoft.com/office/drawing/2014/main" id="{33308C35-CDB7-2ECA-B0D5-4581C5242B9D}"/>
+              </a:ext>
+            </a:extLst>
+          </p:cNvPr>
+          <p:cNvSpPr/>
+          <p:nvPr/>
+        </p:nvSpPr>
+        <p:spPr>
+          <a:xfrm>
+            <a:off x="3558675" y="3765843"/>
+            <a:ext cx="450000" cy="450000"/>
+          </a:xfrm>
+          <a:prstGeom prst="ellipse">
+            <a:avLst/>
+          </a:prstGeom>
+          <a:solidFill>
+            <a:srgbClr val="FFC000"/>
+          </a:solidFill>
+          <a:ln>
+            <a:noFill/>
+          </a:ln>
+        </p:spPr>
+        <p:style>
+          <a:lnRef idx="2">
+            <a:schemeClr val="accent1">
+              <a:shade val="50000"/>
+            </a:schemeClr>
+          </a:lnRef>
+          <a:fillRef idx="1">
+            <a:schemeClr val="accent1"/>
+          </a:fillRef>
+          <a:effectRef idx="0">
+            <a:schemeClr val="accent1"/>
+          </a:effectRef>
+          <a:fontRef idx="minor">
+            <a:schemeClr val="lt1"/>
+          </a:fontRef>
+        </p:style>
+        <p:txBody>
+          <a:bodyPr rtlCol="0" anchor="ctr"/>
+          <a:lstStyle/>
+          <a:p>
+            <a:pPr algn="ctr"/>
+            <a:endParaRPr lang="en-US"/>
+          </a:p>
+        </p:txBody>
+      </p:sp>
+      <p:grpSp>
+        <p:nvGrpSpPr>
+          <p:cNvPr id="10" name="Group 9">
+            <a:extLst>
+              <a:ext uri="{FF2B5EF4-FFF2-40B4-BE49-F238E27FC236}">
+                <a16:creationId xmlns:a16="http://schemas.microsoft.com/office/drawing/2014/main" id="{DD50299D-AA43-0980-8E32-262B2CDF66E3}"/>
+              </a:ext>
+            </a:extLst>
+          </p:cNvPr>
+          <p:cNvGrpSpPr/>
+          <p:nvPr/>
+        </p:nvGrpSpPr>
+        <p:grpSpPr>
+          <a:xfrm rot="16200000">
+            <a:off x="5113909" y="3438479"/>
+            <a:ext cx="1456000" cy="1085372"/>
+            <a:chOff x="462013" y="4200835"/>
+            <a:chExt cx="1456000" cy="1085372"/>
+          </a:xfrm>
+        </p:grpSpPr>
+        <p:sp>
+          <p:nvSpPr>
+            <p:cNvPr id="17" name="Rectangle 16">
+              <a:extLst>
+                <a:ext uri="{FF2B5EF4-FFF2-40B4-BE49-F238E27FC236}">
+                  <a16:creationId xmlns:a16="http://schemas.microsoft.com/office/drawing/2014/main" id="{2DDBB15B-89E4-9D73-7FD5-A34D95895571}"/>
+                </a:ext>
+              </a:extLst>
+            </p:cNvPr>
+            <p:cNvSpPr/>
+            <p:nvPr/>
+          </p:nvSpPr>
+          <p:spPr>
+            <a:xfrm>
+              <a:off x="648851" y="4248961"/>
+              <a:ext cx="1097280" cy="933651"/>
+            </a:xfrm>
+            <a:prstGeom prst="rect">
+              <a:avLst/>
+            </a:prstGeom>
+            <a:solidFill>
+              <a:schemeClr val="accent2">
+                <a:lumMod val="40000"/>
+                <a:lumOff val="60000"/>
+              </a:schemeClr>
+            </a:solidFill>
+            <a:ln>
+              <a:noFill/>
+            </a:ln>
+          </p:spPr>
+          <p:style>
+            <a:lnRef idx="2">
+              <a:schemeClr val="accent1">
+                <a:shade val="50000"/>
+              </a:schemeClr>
+            </a:lnRef>
+            <a:fillRef idx="1">
+              <a:schemeClr val="accent1"/>
+            </a:fillRef>
+            <a:effectRef idx="0">
+              <a:schemeClr val="accent1"/>
+            </a:effectRef>
+            <a:fontRef idx="minor">
+              <a:schemeClr val="lt1"/>
+            </a:fontRef>
+          </p:style>
+          <p:txBody>
+            <a:bodyPr rtlCol="0" anchor="ctr"/>
+            <a:lstStyle/>
+            <a:p>
+              <a:pPr algn="ctr"/>
+              <a:endParaRPr lang="en-US"/>
+            </a:p>
+          </p:txBody>
+        </p:sp>
+        <p:sp>
+          <p:nvSpPr>
+            <p:cNvPr id="24" name="Rectangle: Rounded Corners 23">
+              <a:extLst>
+                <a:ext uri="{FF2B5EF4-FFF2-40B4-BE49-F238E27FC236}">
+                  <a16:creationId xmlns:a16="http://schemas.microsoft.com/office/drawing/2014/main" id="{2FF6408D-E798-4313-1E9A-26F408152627}"/>
+                </a:ext>
+              </a:extLst>
+            </p:cNvPr>
+            <p:cNvSpPr/>
+            <p:nvPr/>
+          </p:nvSpPr>
+          <p:spPr>
+            <a:xfrm>
+              <a:off x="462013" y="4200836"/>
+              <a:ext cx="178388" cy="428917"/>
+            </a:xfrm>
+            <a:prstGeom prst="roundRect">
+              <a:avLst/>
+            </a:prstGeom>
+            <a:solidFill>
+              <a:schemeClr val="accent6">
+                <a:lumMod val="60000"/>
+                <a:lumOff val="40000"/>
+              </a:schemeClr>
+            </a:solidFill>
+            <a:ln>
+              <a:solidFill>
+                <a:schemeClr val="tx1">
+                  <a:lumMod val="65000"/>
+                  <a:lumOff val="35000"/>
+                </a:schemeClr>
+              </a:solidFill>
+            </a:ln>
+          </p:spPr>
+          <p:style>
+            <a:lnRef idx="2">
+              <a:schemeClr val="accent1">
+                <a:shade val="50000"/>
+              </a:schemeClr>
+            </a:lnRef>
+            <a:fillRef idx="1">
+              <a:schemeClr val="accent1"/>
+            </a:fillRef>
+            <a:effectRef idx="0">
+              <a:schemeClr val="accent1"/>
+            </a:effectRef>
+            <a:fontRef idx="minor">
+              <a:schemeClr val="lt1"/>
+            </a:fontRef>
+          </p:style>
+          <p:txBody>
+            <a:bodyPr rtlCol="0" anchor="ctr"/>
+            <a:lstStyle/>
+            <a:p>
+              <a:pPr algn="ctr"/>
+              <a:endParaRPr lang="en-US"/>
+            </a:p>
+          </p:txBody>
+        </p:sp>
+        <p:sp>
+          <p:nvSpPr>
+            <p:cNvPr id="25" name="Rectangle: Rounded Corners 24">
+              <a:extLst>
+                <a:ext uri="{FF2B5EF4-FFF2-40B4-BE49-F238E27FC236}">
+                  <a16:creationId xmlns:a16="http://schemas.microsoft.com/office/drawing/2014/main" id="{2FA6194A-B3A0-9885-221C-0BEE4370ED6C}"/>
+                </a:ext>
+              </a:extLst>
+            </p:cNvPr>
+            <p:cNvSpPr/>
+            <p:nvPr/>
+          </p:nvSpPr>
+          <p:spPr>
+            <a:xfrm>
+              <a:off x="470463" y="4857290"/>
+              <a:ext cx="178388" cy="428917"/>
+            </a:xfrm>
+            <a:prstGeom prst="roundRect">
+              <a:avLst/>
+            </a:prstGeom>
+            <a:solidFill>
+              <a:schemeClr val="accent6">
+                <a:lumMod val="60000"/>
+                <a:lumOff val="40000"/>
+              </a:schemeClr>
+            </a:solidFill>
+            <a:ln>
+              <a:solidFill>
+                <a:schemeClr val="tx1">
+                  <a:lumMod val="65000"/>
+                  <a:lumOff val="35000"/>
+                </a:schemeClr>
+              </a:solidFill>
+            </a:ln>
+          </p:spPr>
+          <p:style>
+            <a:lnRef idx="2">
+              <a:schemeClr val="accent1">
+                <a:shade val="50000"/>
+              </a:schemeClr>
+            </a:lnRef>
+            <a:fillRef idx="1">
+              <a:schemeClr val="accent1"/>
+            </a:fillRef>
+            <a:effectRef idx="0">
+              <a:schemeClr val="accent1"/>
+            </a:effectRef>
+            <a:fontRef idx="minor">
+              <a:schemeClr val="lt1"/>
+            </a:fontRef>
+          </p:style>
+          <p:txBody>
+            <a:bodyPr rtlCol="0" anchor="ctr"/>
+            <a:lstStyle/>
+            <a:p>
+              <a:pPr algn="ctr"/>
+              <a:endParaRPr lang="en-US"/>
+            </a:p>
+          </p:txBody>
+        </p:sp>
+        <p:sp>
+          <p:nvSpPr>
+            <p:cNvPr id="26" name="Rectangle: Rounded Corners 25">
+              <a:extLst>
+                <a:ext uri="{FF2B5EF4-FFF2-40B4-BE49-F238E27FC236}">
+                  <a16:creationId xmlns:a16="http://schemas.microsoft.com/office/drawing/2014/main" id="{8F38A9EE-0D2E-B27E-25D6-6E4692B3440C}"/>
+                </a:ext>
+              </a:extLst>
+            </p:cNvPr>
+            <p:cNvSpPr/>
+            <p:nvPr/>
+          </p:nvSpPr>
+          <p:spPr>
+            <a:xfrm>
+              <a:off x="1739625" y="4200835"/>
+              <a:ext cx="178388" cy="428917"/>
+            </a:xfrm>
+            <a:prstGeom prst="roundRect">
+              <a:avLst/>
+            </a:prstGeom>
+            <a:solidFill>
+              <a:schemeClr val="accent6">
+                <a:lumMod val="60000"/>
+                <a:lumOff val="40000"/>
+              </a:schemeClr>
+            </a:solidFill>
+            <a:ln>
+              <a:solidFill>
+                <a:schemeClr val="tx1">
+                  <a:lumMod val="65000"/>
+                  <a:lumOff val="35000"/>
+                </a:schemeClr>
+              </a:solidFill>
+            </a:ln>
+          </p:spPr>
+          <p:style>
+            <a:lnRef idx="2">
+              <a:schemeClr val="accent1">
+                <a:shade val="50000"/>
+              </a:schemeClr>
+            </a:lnRef>
+            <a:fillRef idx="1">
+              <a:schemeClr val="accent1"/>
+            </a:fillRef>
+            <a:effectRef idx="0">
+              <a:schemeClr val="accent1"/>
+            </a:effectRef>
+            <a:fontRef idx="minor">
+              <a:schemeClr val="lt1"/>
+            </a:fontRef>
+          </p:style>
+          <p:txBody>
+            <a:bodyPr rtlCol="0" anchor="ctr"/>
+            <a:lstStyle/>
+            <a:p>
+              <a:pPr algn="ctr"/>
+              <a:endParaRPr lang="en-US"/>
+            </a:p>
+          </p:txBody>
+        </p:sp>
+        <p:sp>
+          <p:nvSpPr>
+            <p:cNvPr id="27" name="Rectangle: Rounded Corners 26">
+              <a:extLst>
+                <a:ext uri="{FF2B5EF4-FFF2-40B4-BE49-F238E27FC236}">
+                  <a16:creationId xmlns:a16="http://schemas.microsoft.com/office/drawing/2014/main" id="{536B6B22-B244-9BC4-1399-F7075706D0A2}"/>
+                </a:ext>
+              </a:extLst>
+            </p:cNvPr>
+            <p:cNvSpPr/>
+            <p:nvPr/>
+          </p:nvSpPr>
+          <p:spPr>
+            <a:xfrm>
+              <a:off x="1733119" y="4857289"/>
+              <a:ext cx="178388" cy="428917"/>
+            </a:xfrm>
+            <a:prstGeom prst="roundRect">
+              <a:avLst/>
+            </a:prstGeom>
+            <a:solidFill>
+              <a:schemeClr val="accent6">
+                <a:lumMod val="60000"/>
+                <a:lumOff val="40000"/>
+              </a:schemeClr>
+            </a:solidFill>
+            <a:ln>
+              <a:solidFill>
+                <a:schemeClr val="tx1">
+                  <a:lumMod val="65000"/>
+                  <a:lumOff val="35000"/>
+                </a:schemeClr>
+              </a:solidFill>
+            </a:ln>
+          </p:spPr>
+          <p:style>
+            <a:lnRef idx="2">
+              <a:schemeClr val="accent1">
+                <a:shade val="50000"/>
+              </a:schemeClr>
+            </a:lnRef>
+            <a:fillRef idx="1">
+              <a:schemeClr val="accent1"/>
+            </a:fillRef>
+            <a:effectRef idx="0">
+              <a:schemeClr val="accent1"/>
+            </a:effectRef>
+            <a:fontRef idx="minor">
+              <a:schemeClr val="lt1"/>
+            </a:fontRef>
+          </p:style>
+          <p:txBody>
+            <a:bodyPr rtlCol="0" anchor="ctr"/>
+            <a:lstStyle/>
+            <a:p>
+              <a:pPr algn="ctr"/>
+              <a:endParaRPr lang="en-US"/>
+            </a:p>
+          </p:txBody>
+        </p:sp>
+      </p:grpSp>
+    </p:spTree>
+    <p:extLst>
+      <p:ext uri="{BB962C8B-B14F-4D97-AF65-F5344CB8AC3E}">
+        <p14:creationId xmlns:p14="http://schemas.microsoft.com/office/powerpoint/2010/main" val="831258235"/>
+      </p:ext>
+    </p:extLst>
+  </p:cSld>
+  <p:clrMapOvr>
+    <a:masterClrMapping/>
+  </p:clrMapOvr>
+</p:sld>
+</file>
+
+<file path=ppt/slides/slide22.xml><?xml version="1.0" encoding="utf-8"?>
+<p:sld xmlns:a="http://schemas.openxmlformats.org/drawingml/2006/main" xmlns:r="http://schemas.openxmlformats.org/officeDocument/2006/relationships" xmlns:p="http://schemas.openxmlformats.org/presentationml/2006/main">
+  <p:cSld>
+    <p:spTree>
+      <p:nvGrpSpPr>
+        <p:cNvPr id="1" name=""/>
+        <p:cNvGrpSpPr/>
+        <p:nvPr/>
+      </p:nvGrpSpPr>
+      <p:grpSpPr>
+        <a:xfrm>
+          <a:off x="0" y="0"/>
+          <a:ext cx="0" cy="0"/>
+          <a:chOff x="0" y="0"/>
+          <a:chExt cx="0" cy="0"/>
+        </a:xfrm>
+      </p:grpSpPr>
+      <p:sp>
+        <p:nvSpPr>
+          <p:cNvPr id="2" name="Title 1">
+            <a:extLst>
+              <a:ext uri="{FF2B5EF4-FFF2-40B4-BE49-F238E27FC236}">
+                <a16:creationId xmlns:a16="http://schemas.microsoft.com/office/drawing/2014/main" id="{230F044B-5842-499A-AE2D-91DF245AAF59}"/>
+              </a:ext>
+            </a:extLst>
+          </p:cNvPr>
+          <p:cNvSpPr>
+            <a:spLocks noGrp="1"/>
+          </p:cNvSpPr>
+          <p:nvPr>
+            <p:ph type="title"/>
+          </p:nvPr>
+        </p:nvSpPr>
+        <p:spPr/>
+        <p:txBody>
+          <a:bodyPr/>
+          <a:lstStyle/>
+          <a:p>
+            <a:r>
+              <a:rPr lang="en-US" dirty="0"/>
+              <a:t>Pushing Towards the Goal</a:t>
+            </a:r>
+          </a:p>
+        </p:txBody>
+      </p:sp>
+      <p:sp>
+        <p:nvSpPr>
+          <p:cNvPr id="3" name="Content Placeholder 2">
+            <a:extLst>
+              <a:ext uri="{FF2B5EF4-FFF2-40B4-BE49-F238E27FC236}">
+                <a16:creationId xmlns:a16="http://schemas.microsoft.com/office/drawing/2014/main" id="{1F08A432-1AE6-1381-8CC4-5EE5C502051D}"/>
+              </a:ext>
+            </a:extLst>
+          </p:cNvPr>
+          <p:cNvSpPr>
+            <a:spLocks noGrp="1"/>
+          </p:cNvSpPr>
+          <p:nvPr>
+            <p:ph idx="1"/>
+          </p:nvPr>
+        </p:nvSpPr>
+        <p:spPr/>
+        <p:txBody>
+          <a:bodyPr/>
+          <a:lstStyle/>
+          <a:p>
+            <a:r>
+              <a:rPr lang="en-US" dirty="0"/>
+              <a:t>When the ball, goalpost and the robot are in line, we can push it to the goal</a:t>
+            </a:r>
+          </a:p>
+          <a:p>
+            <a:pPr lvl="1"/>
+            <a:endParaRPr lang="en-US" dirty="0"/>
+          </a:p>
+        </p:txBody>
+      </p:sp>
+      <p:sp>
+        <p:nvSpPr>
+          <p:cNvPr id="7" name="Arrow: Right 6">
+            <a:extLst>
+              <a:ext uri="{FF2B5EF4-FFF2-40B4-BE49-F238E27FC236}">
+                <a16:creationId xmlns:a16="http://schemas.microsoft.com/office/drawing/2014/main" id="{AEFED65F-43F6-AC99-D79B-F5D0781331E5}"/>
+              </a:ext>
+            </a:extLst>
+          </p:cNvPr>
+          <p:cNvSpPr/>
+          <p:nvPr/>
+        </p:nvSpPr>
+        <p:spPr>
+          <a:xfrm rot="12534794">
+            <a:off x="7597656" y="4997539"/>
+            <a:ext cx="947294" cy="423040"/>
+          </a:xfrm>
+          <a:prstGeom prst="rightArrow">
+            <a:avLst/>
+          </a:prstGeom>
+        </p:spPr>
+        <p:style>
+          <a:lnRef idx="2">
+            <a:schemeClr val="accent1">
+              <a:shade val="50000"/>
+            </a:schemeClr>
+          </a:lnRef>
+          <a:fillRef idx="1">
+            <a:schemeClr val="accent1"/>
+          </a:fillRef>
+          <a:effectRef idx="0">
+            <a:schemeClr val="accent1"/>
+          </a:effectRef>
+          <a:fontRef idx="minor">
+            <a:schemeClr val="lt1"/>
+          </a:fontRef>
+        </p:style>
+        <p:txBody>
+          <a:bodyPr rtlCol="0" anchor="ctr"/>
+          <a:lstStyle/>
+          <a:p>
+            <a:pPr algn="ctr"/>
+            <a:endParaRPr lang="en-US"/>
+          </a:p>
+        </p:txBody>
+      </p:sp>
+      <p:sp>
+        <p:nvSpPr>
+          <p:cNvPr id="17" name="Oval 16">
+            <a:extLst>
+              <a:ext uri="{FF2B5EF4-FFF2-40B4-BE49-F238E27FC236}">
+                <a16:creationId xmlns:a16="http://schemas.microsoft.com/office/drawing/2014/main" id="{9B10505F-B102-2A30-53C4-443F8EBAA5E3}"/>
+              </a:ext>
+            </a:extLst>
+          </p:cNvPr>
+          <p:cNvSpPr/>
+          <p:nvPr/>
+        </p:nvSpPr>
+        <p:spPr>
+          <a:xfrm rot="1734794">
+            <a:off x="7061289" y="4557064"/>
+            <a:ext cx="450000" cy="450000"/>
+          </a:xfrm>
+          <a:prstGeom prst="ellipse">
+            <a:avLst/>
+          </a:prstGeom>
+          <a:solidFill>
+            <a:srgbClr val="FFC000"/>
+          </a:solidFill>
+          <a:ln>
+            <a:noFill/>
+          </a:ln>
+        </p:spPr>
+        <p:style>
+          <a:lnRef idx="2">
+            <a:schemeClr val="accent1">
+              <a:shade val="50000"/>
+            </a:schemeClr>
+          </a:lnRef>
+          <a:fillRef idx="1">
+            <a:schemeClr val="accent1"/>
+          </a:fillRef>
+          <a:effectRef idx="0">
+            <a:schemeClr val="accent1"/>
+          </a:effectRef>
+          <a:fontRef idx="minor">
+            <a:schemeClr val="lt1"/>
+          </a:fontRef>
+        </p:style>
+        <p:txBody>
+          <a:bodyPr rtlCol="0" anchor="ctr"/>
+          <a:lstStyle/>
+          <a:p>
+            <a:pPr algn="ctr"/>
+            <a:endParaRPr lang="en-US"/>
+          </a:p>
+        </p:txBody>
+      </p:sp>
+      <p:grpSp>
+        <p:nvGrpSpPr>
+          <p:cNvPr id="31" name="Group 30">
+            <a:extLst>
+              <a:ext uri="{FF2B5EF4-FFF2-40B4-BE49-F238E27FC236}">
+                <a16:creationId xmlns:a16="http://schemas.microsoft.com/office/drawing/2014/main" id="{CCDE5696-1F9D-F185-5CBF-A7653D7D770F}"/>
+              </a:ext>
+            </a:extLst>
+          </p:cNvPr>
+          <p:cNvGrpSpPr/>
+          <p:nvPr/>
+        </p:nvGrpSpPr>
+        <p:grpSpPr>
+          <a:xfrm rot="17934794">
+            <a:off x="8364649" y="5226031"/>
+            <a:ext cx="1456000" cy="1085372"/>
+            <a:chOff x="462013" y="4200835"/>
+            <a:chExt cx="1456000" cy="1085372"/>
+          </a:xfrm>
+        </p:grpSpPr>
+        <p:sp>
+          <p:nvSpPr>
+            <p:cNvPr id="32" name="Rectangle 31">
+              <a:extLst>
+                <a:ext uri="{FF2B5EF4-FFF2-40B4-BE49-F238E27FC236}">
+                  <a16:creationId xmlns:a16="http://schemas.microsoft.com/office/drawing/2014/main" id="{0F588607-4565-681A-A4E4-3817AAE8B63A}"/>
+                </a:ext>
+              </a:extLst>
+            </p:cNvPr>
+            <p:cNvSpPr/>
+            <p:nvPr/>
+          </p:nvSpPr>
+          <p:spPr>
+            <a:xfrm>
+              <a:off x="648851" y="4248961"/>
+              <a:ext cx="1097280" cy="933651"/>
+            </a:xfrm>
+            <a:prstGeom prst="rect">
+              <a:avLst/>
+            </a:prstGeom>
+            <a:solidFill>
+              <a:schemeClr val="accent2">
+                <a:lumMod val="40000"/>
+                <a:lumOff val="60000"/>
+              </a:schemeClr>
+            </a:solidFill>
+            <a:ln>
+              <a:noFill/>
+            </a:ln>
+          </p:spPr>
+          <p:style>
+            <a:lnRef idx="2">
+              <a:schemeClr val="accent1">
+                <a:shade val="50000"/>
+              </a:schemeClr>
+            </a:lnRef>
+            <a:fillRef idx="1">
+              <a:schemeClr val="accent1"/>
+            </a:fillRef>
+            <a:effectRef idx="0">
+              <a:schemeClr val="accent1"/>
+            </a:effectRef>
+            <a:fontRef idx="minor">
+              <a:schemeClr val="lt1"/>
+            </a:fontRef>
+          </p:style>
+          <p:txBody>
+            <a:bodyPr rtlCol="0" anchor="ctr"/>
+            <a:lstStyle/>
+            <a:p>
+              <a:pPr algn="ctr"/>
+              <a:endParaRPr lang="en-US"/>
+            </a:p>
+          </p:txBody>
+        </p:sp>
+        <p:sp>
+          <p:nvSpPr>
+            <p:cNvPr id="33" name="Rectangle: Rounded Corners 32">
+              <a:extLst>
+                <a:ext uri="{FF2B5EF4-FFF2-40B4-BE49-F238E27FC236}">
+                  <a16:creationId xmlns:a16="http://schemas.microsoft.com/office/drawing/2014/main" id="{EE7C5221-1613-5ED4-BB35-A2B3C9F28F05}"/>
+                </a:ext>
+              </a:extLst>
+            </p:cNvPr>
+            <p:cNvSpPr/>
+            <p:nvPr/>
+          </p:nvSpPr>
+          <p:spPr>
+            <a:xfrm>
+              <a:off x="462013" y="4200836"/>
+              <a:ext cx="178388" cy="428917"/>
+            </a:xfrm>
+            <a:prstGeom prst="roundRect">
+              <a:avLst/>
+            </a:prstGeom>
+            <a:solidFill>
+              <a:schemeClr val="accent6">
+                <a:lumMod val="60000"/>
+                <a:lumOff val="40000"/>
+              </a:schemeClr>
+            </a:solidFill>
+            <a:ln>
+              <a:solidFill>
+                <a:schemeClr val="tx1">
+                  <a:lumMod val="65000"/>
+                  <a:lumOff val="35000"/>
+                </a:schemeClr>
+              </a:solidFill>
+            </a:ln>
+          </p:spPr>
+          <p:style>
+            <a:lnRef idx="2">
+              <a:schemeClr val="accent1">
+                <a:shade val="50000"/>
+              </a:schemeClr>
+            </a:lnRef>
+            <a:fillRef idx="1">
+              <a:schemeClr val="accent1"/>
+            </a:fillRef>
+            <a:effectRef idx="0">
+              <a:schemeClr val="accent1"/>
+            </a:effectRef>
+            <a:fontRef idx="minor">
+              <a:schemeClr val="lt1"/>
+            </a:fontRef>
+          </p:style>
+          <p:txBody>
+            <a:bodyPr rtlCol="0" anchor="ctr"/>
+            <a:lstStyle/>
+            <a:p>
+              <a:pPr algn="ctr"/>
+              <a:endParaRPr lang="en-US"/>
+            </a:p>
+          </p:txBody>
+        </p:sp>
+        <p:sp>
+          <p:nvSpPr>
+            <p:cNvPr id="34" name="Rectangle: Rounded Corners 33">
+              <a:extLst>
+                <a:ext uri="{FF2B5EF4-FFF2-40B4-BE49-F238E27FC236}">
+                  <a16:creationId xmlns:a16="http://schemas.microsoft.com/office/drawing/2014/main" id="{1CE705D3-8B22-0D5B-4A8B-437B49A01B30}"/>
+                </a:ext>
+              </a:extLst>
+            </p:cNvPr>
+            <p:cNvSpPr/>
+            <p:nvPr/>
+          </p:nvSpPr>
+          <p:spPr>
+            <a:xfrm>
+              <a:off x="470463" y="4857290"/>
+              <a:ext cx="178388" cy="428917"/>
+            </a:xfrm>
+            <a:prstGeom prst="roundRect">
+              <a:avLst/>
+            </a:prstGeom>
+            <a:solidFill>
+              <a:schemeClr val="accent6">
+                <a:lumMod val="60000"/>
+                <a:lumOff val="40000"/>
+              </a:schemeClr>
+            </a:solidFill>
+            <a:ln>
+              <a:solidFill>
+                <a:schemeClr val="tx1">
+                  <a:lumMod val="65000"/>
+                  <a:lumOff val="35000"/>
+                </a:schemeClr>
+              </a:solidFill>
+            </a:ln>
+          </p:spPr>
+          <p:style>
+            <a:lnRef idx="2">
+              <a:schemeClr val="accent1">
+                <a:shade val="50000"/>
+              </a:schemeClr>
+            </a:lnRef>
+            <a:fillRef idx="1">
+              <a:schemeClr val="accent1"/>
+            </a:fillRef>
+            <a:effectRef idx="0">
+              <a:schemeClr val="accent1"/>
+            </a:effectRef>
+            <a:fontRef idx="minor">
+              <a:schemeClr val="lt1"/>
+            </a:fontRef>
+          </p:style>
+          <p:txBody>
+            <a:bodyPr rtlCol="0" anchor="ctr"/>
+            <a:lstStyle/>
+            <a:p>
+              <a:pPr algn="ctr"/>
+              <a:endParaRPr lang="en-US"/>
+            </a:p>
+          </p:txBody>
+        </p:sp>
+        <p:sp>
+          <p:nvSpPr>
+            <p:cNvPr id="35" name="Rectangle: Rounded Corners 34">
+              <a:extLst>
+                <a:ext uri="{FF2B5EF4-FFF2-40B4-BE49-F238E27FC236}">
+                  <a16:creationId xmlns:a16="http://schemas.microsoft.com/office/drawing/2014/main" id="{ACC69D9A-F054-DB5D-33A4-D65C4AFD38FB}"/>
+                </a:ext>
+              </a:extLst>
+            </p:cNvPr>
+            <p:cNvSpPr/>
+            <p:nvPr/>
+          </p:nvSpPr>
+          <p:spPr>
+            <a:xfrm>
+              <a:off x="1739625" y="4200835"/>
+              <a:ext cx="178388" cy="428917"/>
+            </a:xfrm>
+            <a:prstGeom prst="roundRect">
+              <a:avLst/>
+            </a:prstGeom>
+            <a:solidFill>
+              <a:schemeClr val="accent6">
+                <a:lumMod val="60000"/>
+                <a:lumOff val="40000"/>
+              </a:schemeClr>
+            </a:solidFill>
+            <a:ln>
+              <a:solidFill>
+                <a:schemeClr val="tx1">
+                  <a:lumMod val="65000"/>
+                  <a:lumOff val="35000"/>
+                </a:schemeClr>
+              </a:solidFill>
+            </a:ln>
+          </p:spPr>
+          <p:style>
+            <a:lnRef idx="2">
+              <a:schemeClr val="accent1">
+                <a:shade val="50000"/>
+              </a:schemeClr>
+            </a:lnRef>
+            <a:fillRef idx="1">
+              <a:schemeClr val="accent1"/>
+            </a:fillRef>
+            <a:effectRef idx="0">
+              <a:schemeClr val="accent1"/>
+            </a:effectRef>
+            <a:fontRef idx="minor">
+              <a:schemeClr val="lt1"/>
+            </a:fontRef>
+          </p:style>
+          <p:txBody>
+            <a:bodyPr rtlCol="0" anchor="ctr"/>
+            <a:lstStyle/>
+            <a:p>
+              <a:pPr algn="ctr"/>
+              <a:endParaRPr lang="en-US"/>
+            </a:p>
+          </p:txBody>
+        </p:sp>
+        <p:sp>
+          <p:nvSpPr>
+            <p:cNvPr id="36" name="Rectangle: Rounded Corners 35">
+              <a:extLst>
+                <a:ext uri="{FF2B5EF4-FFF2-40B4-BE49-F238E27FC236}">
+                  <a16:creationId xmlns:a16="http://schemas.microsoft.com/office/drawing/2014/main" id="{F7CCA9B5-F583-8002-C8D0-2E98BCF34398}"/>
+                </a:ext>
+              </a:extLst>
+            </p:cNvPr>
+            <p:cNvSpPr/>
+            <p:nvPr/>
+          </p:nvSpPr>
+          <p:spPr>
+            <a:xfrm>
+              <a:off x="1733119" y="4857289"/>
+              <a:ext cx="178388" cy="428917"/>
+            </a:xfrm>
+            <a:prstGeom prst="roundRect">
+              <a:avLst/>
+            </a:prstGeom>
+            <a:solidFill>
+              <a:schemeClr val="accent6">
+                <a:lumMod val="60000"/>
+                <a:lumOff val="40000"/>
+              </a:schemeClr>
+            </a:solidFill>
+            <a:ln>
+              <a:solidFill>
+                <a:schemeClr val="tx1">
+                  <a:lumMod val="65000"/>
+                  <a:lumOff val="35000"/>
+                </a:schemeClr>
+              </a:solidFill>
+            </a:ln>
+          </p:spPr>
+          <p:style>
+            <a:lnRef idx="2">
+              <a:schemeClr val="accent1">
+                <a:shade val="50000"/>
+              </a:schemeClr>
+            </a:lnRef>
+            <a:fillRef idx="1">
+              <a:schemeClr val="accent1"/>
+            </a:fillRef>
+            <a:effectRef idx="0">
+              <a:schemeClr val="accent1"/>
+            </a:effectRef>
+            <a:fontRef idx="minor">
+              <a:schemeClr val="lt1"/>
+            </a:fontRef>
+          </p:style>
+          <p:txBody>
+            <a:bodyPr rtlCol="0" anchor="ctr"/>
+            <a:lstStyle/>
+            <a:p>
+              <a:pPr algn="ctr"/>
+              <a:endParaRPr lang="en-US"/>
+            </a:p>
+          </p:txBody>
+        </p:sp>
+      </p:grpSp>
+      <p:sp>
+        <p:nvSpPr>
+          <p:cNvPr id="9" name="Rectangle 8">
+            <a:extLst>
+              <a:ext uri="{FF2B5EF4-FFF2-40B4-BE49-F238E27FC236}">
+                <a16:creationId xmlns:a16="http://schemas.microsoft.com/office/drawing/2014/main" id="{6F96099D-BC7C-B881-2A92-92618C366353}"/>
+              </a:ext>
+            </a:extLst>
+          </p:cNvPr>
+          <p:cNvSpPr/>
+          <p:nvPr/>
+        </p:nvSpPr>
+        <p:spPr>
+          <a:xfrm>
+            <a:off x="4880009" y="3282215"/>
+            <a:ext cx="1780673" cy="146785"/>
+          </a:xfrm>
+          <a:prstGeom prst="rect">
+            <a:avLst/>
+          </a:prstGeom>
+          <a:solidFill>
+            <a:srgbClr val="FF0000"/>
+          </a:solidFill>
+          <a:ln>
+            <a:noFill/>
+          </a:ln>
+        </p:spPr>
+        <p:style>
+          <a:lnRef idx="2">
+            <a:schemeClr val="accent1">
+              <a:shade val="50000"/>
+            </a:schemeClr>
+          </a:lnRef>
+          <a:fillRef idx="1">
+            <a:schemeClr val="accent1"/>
+          </a:fillRef>
+          <a:effectRef idx="0">
+            <a:schemeClr val="accent1"/>
+          </a:effectRef>
+          <a:fontRef idx="minor">
+            <a:schemeClr val="lt1"/>
+          </a:fontRef>
+        </p:style>
+        <p:txBody>
+          <a:bodyPr rtlCol="0" anchor="ctr"/>
+          <a:lstStyle/>
+          <a:p>
+            <a:pPr algn="ctr"/>
+            <a:endParaRPr lang="en-US"/>
+          </a:p>
+        </p:txBody>
+      </p:sp>
+      <p:sp>
+        <p:nvSpPr>
+          <p:cNvPr id="10" name="Arrow: Right 9">
+            <a:extLst>
+              <a:ext uri="{FF2B5EF4-FFF2-40B4-BE49-F238E27FC236}">
+                <a16:creationId xmlns:a16="http://schemas.microsoft.com/office/drawing/2014/main" id="{55B8CE89-DBDE-E8BC-6905-9ABC6B27E307}"/>
+              </a:ext>
+            </a:extLst>
+          </p:cNvPr>
+          <p:cNvSpPr/>
+          <p:nvPr/>
+        </p:nvSpPr>
+        <p:spPr>
+          <a:xfrm rot="12534794">
+            <a:off x="5921529" y="4071910"/>
+            <a:ext cx="947294" cy="423040"/>
+          </a:xfrm>
+          <a:prstGeom prst="rightArrow">
+            <a:avLst/>
+          </a:prstGeom>
+        </p:spPr>
+        <p:style>
+          <a:lnRef idx="2">
+            <a:schemeClr val="accent1">
+              <a:shade val="50000"/>
+            </a:schemeClr>
+          </a:lnRef>
+          <a:fillRef idx="1">
+            <a:schemeClr val="accent1"/>
+          </a:fillRef>
+          <a:effectRef idx="0">
+            <a:schemeClr val="accent1"/>
+          </a:effectRef>
+          <a:fontRef idx="minor">
+            <a:schemeClr val="lt1"/>
+          </a:fontRef>
+        </p:style>
+        <p:txBody>
+          <a:bodyPr rtlCol="0" anchor="ctr"/>
+          <a:lstStyle/>
+          <a:p>
+            <a:pPr algn="ctr"/>
+            <a:endParaRPr lang="en-US"/>
+          </a:p>
+        </p:txBody>
+      </p:sp>
+    </p:spTree>
+    <p:extLst>
+      <p:ext uri="{BB962C8B-B14F-4D97-AF65-F5344CB8AC3E}">
+        <p14:creationId xmlns:p14="http://schemas.microsoft.com/office/powerpoint/2010/main" val="3703671643"/>
       </p:ext>
     </p:extLst>
   </p:cSld>
@@ -5172,7 +12513,7 @@
           <p:cNvPr id="2" name="Title 1">
             <a:extLst>
               <a:ext uri="{FF2B5EF4-FFF2-40B4-BE49-F238E27FC236}">
-                <a16:creationId xmlns:a16="http://schemas.microsoft.com/office/drawing/2014/main" xmlns="" id="{7F5DF0F3-1719-2780-C62C-9B940F424FBC}"/>
+                <a16:creationId xmlns:a16="http://schemas.microsoft.com/office/drawing/2014/main" id="{7F5DF0F3-1719-2780-C62C-9B940F424FBC}"/>
               </a:ext>
             </a:extLst>
           </p:cNvPr>
@@ -5434,7 +12775,7 @@
           <p:cNvPr id="2" name="Title 1">
             <a:extLst>
               <a:ext uri="{FF2B5EF4-FFF2-40B4-BE49-F238E27FC236}">
-                <a16:creationId xmlns:a16="http://schemas.microsoft.com/office/drawing/2014/main" xmlns="" id="{C4F8ED5E-2977-71E8-7B26-FDED14A70FDB}"/>
+                <a16:creationId xmlns:a16="http://schemas.microsoft.com/office/drawing/2014/main" id="{C4F8ED5E-2977-71E8-7B26-FDED14A70FDB}"/>
               </a:ext>
             </a:extLst>
           </p:cNvPr>
@@ -5463,7 +12804,7 @@
           <p:cNvPr id="5" name="Picture 4">
             <a:extLst>
               <a:ext uri="{FF2B5EF4-FFF2-40B4-BE49-F238E27FC236}">
-                <a16:creationId xmlns:a16="http://schemas.microsoft.com/office/drawing/2014/main" xmlns="" id="{3E6DC17E-7542-0B56-EDA9-60A4AEF70315}"/>
+                <a16:creationId xmlns:a16="http://schemas.microsoft.com/office/drawing/2014/main" id="{3E6DC17E-7542-0B56-EDA9-60A4AEF70315}"/>
               </a:ext>
             </a:extLst>
           </p:cNvPr>
@@ -5523,7 +12864,7 @@
           <p:cNvPr id="2" name="Title 1">
             <a:extLst>
               <a:ext uri="{FF2B5EF4-FFF2-40B4-BE49-F238E27FC236}">
-                <a16:creationId xmlns:a16="http://schemas.microsoft.com/office/drawing/2014/main" xmlns="" id="{7F5DF0F3-1719-2780-C62C-9B940F424FBC}"/>
+                <a16:creationId xmlns:a16="http://schemas.microsoft.com/office/drawing/2014/main" id="{7F5DF0F3-1719-2780-C62C-9B940F424FBC}"/>
               </a:ext>
             </a:extLst>
           </p:cNvPr>
@@ -5551,7 +12892,7 @@
           <p:cNvPr id="6" name="Content Placeholder 5">
             <a:extLst>
               <a:ext uri="{FF2B5EF4-FFF2-40B4-BE49-F238E27FC236}">
-                <a16:creationId xmlns:a16="http://schemas.microsoft.com/office/drawing/2014/main" xmlns="" id="{3C6A54C3-7B6C-30BC-6223-598BD2B6FAA4}"/>
+                <a16:creationId xmlns:a16="http://schemas.microsoft.com/office/drawing/2014/main" id="{3C6A54C3-7B6C-30BC-6223-598BD2B6FAA4}"/>
               </a:ext>
             </a:extLst>
           </p:cNvPr>
@@ -5568,18 +12909,17 @@
           <a:lstStyle/>
           <a:p>
             <a:r>
-              <a:rPr lang="en-US" dirty="0" smtClean="0"/>
+              <a:rPr lang="en-US" dirty="0"/>
               <a:t>During initialization, </a:t>
             </a:r>
             <a:r>
-              <a:rPr lang="en-US" dirty="0" err="1" smtClean="0"/>
+              <a:rPr lang="en-US" dirty="0" err="1"/>
               <a:t>simxGetVisionSensorImage</a:t>
             </a:r>
             <a:r>
-              <a:rPr lang="en-US" dirty="0" smtClean="0"/>
+              <a:rPr lang="en-US" dirty="0"/>
               <a:t>() has to be called with “streaming” option once:</a:t>
             </a:r>
-            <a:endParaRPr lang="en-US" dirty="0"/>
           </a:p>
           <a:p>
             <a:pPr marL="0" indent="0">
@@ -5728,7 +13068,6 @@
               <a:rPr lang="en-US" dirty="0"/>
               <a:t>1 for grayscale</a:t>
             </a:r>
-            <a:endParaRPr lang="en-US" dirty="0"/>
           </a:p>
         </p:txBody>
       </p:sp>
@@ -5767,7 +13106,7 @@
           <p:cNvPr id="2" name="Title 1">
             <a:extLst>
               <a:ext uri="{FF2B5EF4-FFF2-40B4-BE49-F238E27FC236}">
-                <a16:creationId xmlns:a16="http://schemas.microsoft.com/office/drawing/2014/main" xmlns="" id="{7F5DF0F3-1719-2780-C62C-9B940F424FBC}"/>
+                <a16:creationId xmlns:a16="http://schemas.microsoft.com/office/drawing/2014/main" id="{7F5DF0F3-1719-2780-C62C-9B940F424FBC}"/>
               </a:ext>
             </a:extLst>
           </p:cNvPr>
@@ -5795,7 +13134,7 @@
           <p:cNvPr id="6" name="Content Placeholder 5">
             <a:extLst>
               <a:ext uri="{FF2B5EF4-FFF2-40B4-BE49-F238E27FC236}">
-                <a16:creationId xmlns:a16="http://schemas.microsoft.com/office/drawing/2014/main" xmlns="" id="{3C6A54C3-7B6C-30BC-6223-598BD2B6FAA4}"/>
+                <a16:creationId xmlns:a16="http://schemas.microsoft.com/office/drawing/2014/main" id="{3C6A54C3-7B6C-30BC-6223-598BD2B6FAA4}"/>
               </a:ext>
             </a:extLst>
           </p:cNvPr>
@@ -5812,18 +13151,17 @@
           <a:lstStyle/>
           <a:p>
             <a:r>
-              <a:rPr lang="en-US" dirty="0" smtClean="0"/>
+              <a:rPr lang="en-US" dirty="0"/>
               <a:t>During loop, </a:t>
             </a:r>
             <a:r>
-              <a:rPr lang="en-US" dirty="0" err="1" smtClean="0"/>
+              <a:rPr lang="en-US" dirty="0" err="1"/>
               <a:t>simxGetVisionSensorImage</a:t>
             </a:r>
             <a:r>
-              <a:rPr lang="en-US" dirty="0" smtClean="0"/>
+              <a:rPr lang="en-US" dirty="0"/>
               <a:t>() has to be called with “buffer” option:</a:t>
             </a:r>
-            <a:endParaRPr lang="en-US" dirty="0"/>
           </a:p>
           <a:p>
             <a:pPr marL="0" indent="0">
@@ -5917,27 +13255,22 @@
               </a:rPr>
               <a:t>) </a:t>
             </a:r>
-            <a:endParaRPr lang="en-US" dirty="0" smtClean="0">
-              <a:solidFill>
-                <a:srgbClr val="00B050"/>
-              </a:solidFill>
-            </a:endParaRPr>
-          </a:p>
-          <a:p>
-            <a:r>
-              <a:rPr lang="en-US" dirty="0" smtClean="0"/>
+          </a:p>
+          <a:p>
+            <a:r>
+              <a:rPr lang="en-US" dirty="0"/>
               <a:t>The raw image data is an unpacked array of pixel values in the red, green and blue channels.</a:t>
             </a:r>
           </a:p>
           <a:p>
             <a:r>
-              <a:rPr lang="en-US" dirty="0" smtClean="0"/>
+              <a:rPr lang="en-US" dirty="0"/>
               <a:t>Resolution is a list of image dimensions (width, height)</a:t>
             </a:r>
           </a:p>
           <a:p>
             <a:r>
-              <a:rPr lang="en-US" dirty="0" smtClean="0"/>
+              <a:rPr lang="en-US" dirty="0"/>
               <a:t>We need to reshape the unpacked array into the dimensions to get a proper image.</a:t>
             </a:r>
           </a:p>
@@ -5954,7 +13287,7 @@
               <a:t>	</a:t>
             </a:r>
             <a:r>
-              <a:rPr lang="en-US" dirty="0" err="1" smtClean="0">
+              <a:rPr lang="en-US" dirty="0" err="1">
                 <a:solidFill>
                   <a:srgbClr val="00B050"/>
                 </a:solidFill>
@@ -5962,20 +13295,12 @@
               <a:t>img</a:t>
             </a:r>
             <a:r>
-              <a:rPr lang="en-US" dirty="0" smtClean="0">
-                <a:solidFill>
-                  <a:srgbClr val="00B050"/>
-                </a:solidFill>
-              </a:rPr>
-              <a:t> </a:t>
-            </a:r>
-            <a:r>
               <a:rPr lang="en-US" dirty="0">
                 <a:solidFill>
                   <a:srgbClr val="00B050"/>
                 </a:solidFill>
               </a:rPr>
-              <a:t>= </a:t>
+              <a:t> = </a:t>
             </a:r>
             <a:r>
               <a:rPr lang="en-US" dirty="0" err="1">
@@ -6023,18 +13348,10 @@
                   <a:srgbClr val="00B050"/>
                 </a:solidFill>
               </a:rPr>
-              <a:t>=np.uint8</a:t>
-            </a:r>
-            <a:r>
-              <a:rPr lang="en-US" dirty="0" smtClean="0">
-                <a:solidFill>
-                  <a:srgbClr val="00B050"/>
-                </a:solidFill>
-              </a:rPr>
-              <a:t>)  	</a:t>
-            </a:r>
-            <a:r>
-              <a:rPr lang="en-US" dirty="0" smtClean="0">
+              <a:t>=np.uint8)  	</a:t>
+            </a:r>
+            <a:r>
+              <a:rPr lang="en-US" dirty="0">
                 <a:solidFill>
                   <a:srgbClr val="00B050"/>
                 </a:solidFill>
@@ -6058,18 +13375,10 @@
                   <a:srgbClr val="00B050"/>
                 </a:solidFill>
               </a:rPr>
-              <a:t>    </a:t>
-            </a:r>
-            <a:r>
-              <a:rPr lang="en-US" dirty="0" smtClean="0">
-                <a:solidFill>
-                  <a:srgbClr val="00B050"/>
-                </a:solidFill>
-              </a:rPr>
-              <a:t>	</a:t>
-            </a:r>
-            <a:r>
-              <a:rPr lang="en-US" dirty="0" err="1" smtClean="0">
+              <a:t>    	</a:t>
+            </a:r>
+            <a:r>
+              <a:rPr lang="en-US" dirty="0" err="1">
                 <a:solidFill>
                   <a:srgbClr val="00B050"/>
                 </a:solidFill>
@@ -6082,18 +13391,10 @@
                   <a:srgbClr val="00B050"/>
                 </a:solidFill>
               </a:rPr>
-              <a:t>([res[1], res[0], 3</a:t>
-            </a:r>
-            <a:r>
-              <a:rPr lang="en-US" dirty="0" smtClean="0">
-                <a:solidFill>
-                  <a:srgbClr val="00B050"/>
-                </a:solidFill>
-              </a:rPr>
-              <a:t>])			</a:t>
-            </a:r>
-            <a:r>
-              <a:rPr lang="en-US" dirty="0" smtClean="0">
+              <a:t>([res[1], res[0], 3])			</a:t>
+            </a:r>
+            <a:r>
+              <a:rPr lang="en-US" dirty="0">
                 <a:solidFill>
                   <a:srgbClr val="00B050"/>
                 </a:solidFill>
@@ -6117,39 +13418,7 @@
                   <a:srgbClr val="00B050"/>
                 </a:solidFill>
               </a:rPr>
-              <a:t>    </a:t>
-            </a:r>
-            <a:r>
-              <a:rPr lang="en-US" dirty="0" smtClean="0">
-                <a:solidFill>
-                  <a:srgbClr val="00B050"/>
-                </a:solidFill>
-              </a:rPr>
-              <a:t>	</a:t>
-            </a:r>
-            <a:r>
-              <a:rPr lang="en-US" dirty="0" err="1" smtClean="0">
-                <a:solidFill>
-                  <a:srgbClr val="00B050"/>
-                </a:solidFill>
-              </a:rPr>
-              <a:t>img</a:t>
-            </a:r>
-            <a:r>
-              <a:rPr lang="en-US" dirty="0" smtClean="0">
-                <a:solidFill>
-                  <a:srgbClr val="00B050"/>
-                </a:solidFill>
-              </a:rPr>
-              <a:t> </a:t>
-            </a:r>
-            <a:r>
-              <a:rPr lang="en-US" dirty="0">
-                <a:solidFill>
-                  <a:srgbClr val="00B050"/>
-                </a:solidFill>
-              </a:rPr>
-              <a:t>= </a:t>
+              <a:t>    	</a:t>
             </a:r>
             <a:r>
               <a:rPr lang="en-US" dirty="0" err="1">
@@ -6165,24 +13434,32 @@
                   <a:srgbClr val="00B050"/>
                 </a:solidFill>
               </a:rPr>
-              <a:t>[::-1,::-1, </a:t>
-            </a:r>
-            <a:r>
-              <a:rPr lang="en-US" dirty="0" smtClean="0">
+              <a:t> = </a:t>
+            </a:r>
+            <a:r>
+              <a:rPr lang="en-US" dirty="0" err="1">
                 <a:solidFill>
                   <a:srgbClr val="00B050"/>
                 </a:solidFill>
               </a:rPr>
-              <a:t>:]				</a:t>
-            </a:r>
-            <a:r>
-              <a:rPr lang="en-US" dirty="0" smtClean="0">
+              <a:t>img</a:t>
+            </a:r>
+            <a:r>
+              <a:rPr lang="en-US" dirty="0">
+                <a:solidFill>
+                  <a:srgbClr val="00B050"/>
+                </a:solidFill>
+              </a:rPr>
+              <a:t>[::-1,:, :]				</a:t>
+            </a:r>
+            <a:r>
+              <a:rPr lang="en-US" dirty="0">
                 <a:solidFill>
                   <a:srgbClr val="00B050"/>
                 </a:solidFill>
                 <a:sym typeface="Wingdings" panose="05000000000000000000" pitchFamily="2" charset="2"/>
               </a:rPr>
-              <a:t> rotate by 180 degrees</a:t>
+              <a:t> flip</a:t>
             </a:r>
             <a:endParaRPr lang="en-US" dirty="0">
               <a:solidFill>
@@ -6237,7 +13514,7 @@
           <p:cNvPr id="2" name="Title 1">
             <a:extLst>
               <a:ext uri="{FF2B5EF4-FFF2-40B4-BE49-F238E27FC236}">
-                <a16:creationId xmlns:a16="http://schemas.microsoft.com/office/drawing/2014/main" xmlns="" id="{7F5DF0F3-1719-2780-C62C-9B940F424FBC}"/>
+                <a16:creationId xmlns:a16="http://schemas.microsoft.com/office/drawing/2014/main" id="{7F5DF0F3-1719-2780-C62C-9B940F424FBC}"/>
               </a:ext>
             </a:extLst>
           </p:cNvPr>
@@ -6265,7 +13542,7 @@
           <p:cNvPr id="3" name="Content Placeholder 2">
             <a:extLst>
               <a:ext uri="{FF2B5EF4-FFF2-40B4-BE49-F238E27FC236}">
-                <a16:creationId xmlns:a16="http://schemas.microsoft.com/office/drawing/2014/main" xmlns="" id="{25EC3A3A-EAF6-6E13-A57B-9EB5FD5E4832}"/>
+                <a16:creationId xmlns:a16="http://schemas.microsoft.com/office/drawing/2014/main" id="{25EC3A3A-EAF6-6E13-A57B-9EB5FD5E4832}"/>
               </a:ext>
             </a:extLst>
           </p:cNvPr>
@@ -6289,32 +13566,35 @@
           <a:lstStyle/>
           <a:p>
             <a:r>
-              <a:rPr lang="en-US" b="1" dirty="0" err="1" smtClean="0"/>
+              <a:rPr lang="en-US" b="1" dirty="0" err="1"/>
               <a:t>Soccerbot.ipynb</a:t>
             </a:r>
             <a:r>
-              <a:rPr lang="en-US" b="1" dirty="0" smtClean="0"/>
+              <a:rPr lang="en-US" b="1" dirty="0"/>
               <a:t> </a:t>
             </a:r>
             <a:r>
-              <a:rPr lang="en-US" dirty="0" smtClean="0"/>
-              <a:t>notebook </a:t>
-            </a:r>
-            <a:r>
               <a:rPr lang="en-US" dirty="0"/>
-              <a:t>contains the code for </a:t>
-            </a:r>
-            <a:r>
-              <a:rPr lang="en-US" dirty="0" smtClean="0"/>
-              <a:t>soccer bots in </a:t>
-            </a:r>
-            <a:r>
-              <a:rPr lang="en-US" b="1" dirty="0" err="1" smtClean="0"/>
-              <a:t>soccerbot</a:t>
-            </a:r>
-            <a:r>
-              <a:rPr lang="en-US" b="1" dirty="0" err="1" smtClean="0"/>
-              <a:t>.ttt</a:t>
+              <a:t>notebook contains the code for soccer bots in </a:t>
+            </a:r>
+            <a:r>
+              <a:rPr lang="en-US" b="1" dirty="0" err="1"/>
+              <a:t>soccerbot.ttt</a:t>
+            </a:r>
+            <a:endParaRPr lang="en-US" b="1" dirty="0"/>
+          </a:p>
+          <a:p>
+            <a:r>
+              <a:rPr lang="en-US" b="1" dirty="0" err="1"/>
+              <a:t>ImageProcessing.ipynb</a:t>
+            </a:r>
+            <a:r>
+              <a:rPr lang="en-US" b="1" dirty="0"/>
+              <a:t> </a:t>
+            </a:r>
+            <a:r>
+              <a:rPr lang="en-US" dirty="0"/>
+              <a:t>notebook contains the code for image processing tutorial</a:t>
             </a:r>
             <a:endParaRPr lang="en-US" b="1" dirty="0"/>
           </a:p>
@@ -6439,6 +13719,94 @@
     <p:extLst>
       <p:ext uri="{BB962C8B-B14F-4D97-AF65-F5344CB8AC3E}">
         <p14:creationId xmlns:p14="http://schemas.microsoft.com/office/powerpoint/2010/main" val="3677504371"/>
+      </p:ext>
+    </p:extLst>
+  </p:cSld>
+  <p:clrMapOvr>
+    <a:masterClrMapping/>
+  </p:clrMapOvr>
+</p:sld>
+</file>
+
+<file path=ppt/slides/slide9.xml><?xml version="1.0" encoding="utf-8"?>
+<p:sld xmlns:a="http://schemas.openxmlformats.org/drawingml/2006/main" xmlns:r="http://schemas.openxmlformats.org/officeDocument/2006/relationships" xmlns:p="http://schemas.openxmlformats.org/presentationml/2006/main">
+  <p:cSld>
+    <p:spTree>
+      <p:nvGrpSpPr>
+        <p:cNvPr id="1" name=""/>
+        <p:cNvGrpSpPr/>
+        <p:nvPr/>
+      </p:nvGrpSpPr>
+      <p:grpSpPr>
+        <a:xfrm>
+          <a:off x="0" y="0"/>
+          <a:ext cx="0" cy="0"/>
+          <a:chOff x="0" y="0"/>
+          <a:chExt cx="0" cy="0"/>
+        </a:xfrm>
+      </p:grpSpPr>
+      <p:sp>
+        <p:nvSpPr>
+          <p:cNvPr id="2" name="Title 1">
+            <a:extLst>
+              <a:ext uri="{FF2B5EF4-FFF2-40B4-BE49-F238E27FC236}">
+                <a16:creationId xmlns:a16="http://schemas.microsoft.com/office/drawing/2014/main" id="{7F5DF0F3-1719-2780-C62C-9B940F424FBC}"/>
+              </a:ext>
+            </a:extLst>
+          </p:cNvPr>
+          <p:cNvSpPr>
+            <a:spLocks noGrp="1"/>
+          </p:cNvSpPr>
+          <p:nvPr>
+            <p:ph type="title"/>
+          </p:nvPr>
+        </p:nvSpPr>
+        <p:spPr/>
+        <p:txBody>
+          <a:bodyPr/>
+          <a:lstStyle/>
+          <a:p>
+            <a:pPr algn="ctr"/>
+            <a:r>
+              <a:rPr lang="en-US" dirty="0"/>
+              <a:t>Through the Eyes of a Robot</a:t>
+            </a:r>
+          </a:p>
+        </p:txBody>
+      </p:sp>
+      <p:pic>
+        <p:nvPicPr>
+          <p:cNvPr id="5" name="Content Placeholder 4">
+            <a:extLst>
+              <a:ext uri="{FF2B5EF4-FFF2-40B4-BE49-F238E27FC236}">
+                <a16:creationId xmlns:a16="http://schemas.microsoft.com/office/drawing/2014/main" id="{FA58EE02-B571-2221-5007-FBA040857C28}"/>
+              </a:ext>
+            </a:extLst>
+          </p:cNvPr>
+          <p:cNvPicPr>
+            <a:picLocks noGrp="1" noChangeAspect="1"/>
+          </p:cNvPicPr>
+          <p:nvPr>
+            <p:ph idx="1"/>
+          </p:nvPr>
+        </p:nvPicPr>
+        <p:blipFill>
+          <a:blip r:embed="rId3"/>
+          <a:stretch>
+            <a:fillRect/>
+          </a:stretch>
+        </p:blipFill>
+        <p:spPr>
+          <a:xfrm>
+            <a:off x="3090138" y="1971675"/>
+            <a:ext cx="5899012" cy="4402138"/>
+          </a:xfrm>
+        </p:spPr>
+      </p:pic>
+    </p:spTree>
+    <p:extLst>
+      <p:ext uri="{BB962C8B-B14F-4D97-AF65-F5344CB8AC3E}">
+        <p14:creationId xmlns:p14="http://schemas.microsoft.com/office/powerpoint/2010/main" val="3098252700"/>
       </p:ext>
     </p:extLst>
   </p:cSld>
